--- a/6022_Phys_2_(2025)/Day2Day/W01/6022_W25_W01D01_Course_Intro_Dynamic_Intersections.pptx.pptx
+++ b/6022_Phys_2_(2025)/Day2Day/W01/6022_W25_W01D01_Course_Intro_Dynamic_Intersections.pptx.pptx
@@ -129,6 +129,11 @@
       </a:defRPr>
     </a:lvl9pPr>
   </p:defaultTextStyle>
+  <p:extLst>
+    <p:ext uri="{EFAFB233-063F-42B5-8137-9DF3F51BA10A}">
+      <p15:sldGuideLst xmlns:p15="http://schemas.microsoft.com/office/powerpoint/2012/main"/>
+    </p:ext>
+  </p:extLst>
 </p:presentation>
 </file>
 
@@ -6463,7 +6468,7 @@
         </p:nvSpPr>
         <p:spPr>
           <a:xfrm>
-            <a:off x="2819400" y="1981200"/>
+            <a:off x="2673096" y="1585551"/>
             <a:ext cx="6477000" cy="3124200"/>
           </a:xfrm>
         </p:spPr>
@@ -6549,7 +6554,7 @@
         </p:nvSpPr>
         <p:spPr bwMode="auto">
           <a:xfrm>
-            <a:off x="3962400" y="4352330"/>
+            <a:off x="2523744" y="4335334"/>
             <a:ext cx="6324600" cy="1447800"/>
           </a:xfrm>
           <a:prstGeom prst="rect">
@@ -6642,7 +6647,7 @@
         </p:nvSpPr>
         <p:spPr>
           <a:xfrm>
-            <a:off x="8010144" y="2658934"/>
+            <a:off x="7918704" y="2246288"/>
             <a:ext cx="838200" cy="1015663"/>
           </a:xfrm>
           <a:prstGeom prst="rect">

--- a/6022_Phys_2_(2025)/Day2Day/W01/6022_W25_W01D01_Course_Intro_Dynamic_Intersections.pptx.pptx
+++ b/6022_Phys_2_(2025)/Day2Day/W01/6022_W25_W01D01_Course_Intro_Dynamic_Intersections.pptx.pptx
@@ -5,7 +5,7 @@
     <p:sldMasterId id="2147483839" r:id="rId1"/>
   </p:sldMasterIdLst>
   <p:notesMasterIdLst>
-    <p:notesMasterId r:id="rId25"/>
+    <p:notesMasterId r:id="rId33"/>
   </p:notesMasterIdLst>
   <p:sldIdLst>
     <p:sldId id="256" r:id="rId2"/>
@@ -18,19 +18,27 @@
     <p:sldId id="428" r:id="rId9"/>
     <p:sldId id="424" r:id="rId10"/>
     <p:sldId id="412" r:id="rId11"/>
-    <p:sldId id="413" r:id="rId12"/>
-    <p:sldId id="414" r:id="rId13"/>
-    <p:sldId id="415" r:id="rId14"/>
-    <p:sldId id="416" r:id="rId15"/>
-    <p:sldId id="417" r:id="rId16"/>
-    <p:sldId id="418" r:id="rId17"/>
-    <p:sldId id="419" r:id="rId18"/>
-    <p:sldId id="420" r:id="rId19"/>
-    <p:sldId id="421" r:id="rId20"/>
-    <p:sldId id="425" r:id="rId21"/>
-    <p:sldId id="422" r:id="rId22"/>
-    <p:sldId id="423" r:id="rId23"/>
-    <p:sldId id="399" r:id="rId24"/>
+    <p:sldId id="429" r:id="rId12"/>
+    <p:sldId id="413" r:id="rId13"/>
+    <p:sldId id="414" r:id="rId14"/>
+    <p:sldId id="415" r:id="rId15"/>
+    <p:sldId id="430" r:id="rId16"/>
+    <p:sldId id="416" r:id="rId17"/>
+    <p:sldId id="417" r:id="rId18"/>
+    <p:sldId id="418" r:id="rId19"/>
+    <p:sldId id="419" r:id="rId20"/>
+    <p:sldId id="431" r:id="rId21"/>
+    <p:sldId id="432" r:id="rId22"/>
+    <p:sldId id="434" r:id="rId23"/>
+    <p:sldId id="436" r:id="rId24"/>
+    <p:sldId id="433" r:id="rId25"/>
+    <p:sldId id="435" r:id="rId26"/>
+    <p:sldId id="420" r:id="rId27"/>
+    <p:sldId id="421" r:id="rId28"/>
+    <p:sldId id="425" r:id="rId29"/>
+    <p:sldId id="422" r:id="rId30"/>
+    <p:sldId id="423" r:id="rId31"/>
+    <p:sldId id="399" r:id="rId32"/>
   </p:sldIdLst>
   <p:sldSz cx="12192000" cy="6858000"/>
   <p:notesSz cx="6858000" cy="9144000"/>
@@ -219,7 +227,7 @@
           <a:p>
             <a:fld id="{0C75B4E1-6CDB-4908-B14B-EFD23B15C3F1}" type="datetimeFigureOut">
               <a:rPr lang="en-CA" smtClean="0"/>
-              <a:t>2025-01-07</a:t>
+              <a:t>2025-01-13</a:t>
             </a:fld>
             <a:endParaRPr lang="en-CA"/>
           </a:p>
@@ -734,7 +742,7 @@
           <a:p>
             <a:fld id="{B1D4E782-45B6-4C73-AC21-5FF928AD7CED}" type="datetimeFigureOut">
               <a:rPr lang="en-CA" smtClean="0"/>
-              <a:t>2025-01-07</a:t>
+              <a:t>2025-01-13</a:t>
             </a:fld>
             <a:endParaRPr lang="en-CA"/>
           </a:p>
@@ -1032,7 +1040,7 @@
           <a:p>
             <a:fld id="{B1D4E782-45B6-4C73-AC21-5FF928AD7CED}" type="datetimeFigureOut">
               <a:rPr lang="en-CA" smtClean="0"/>
-              <a:t>2025-01-07</a:t>
+              <a:t>2025-01-13</a:t>
             </a:fld>
             <a:endParaRPr lang="en-CA"/>
           </a:p>
@@ -1224,7 +1232,7 @@
           <a:p>
             <a:fld id="{B1D4E782-45B6-4C73-AC21-5FF928AD7CED}" type="datetimeFigureOut">
               <a:rPr lang="en-CA" smtClean="0"/>
-              <a:t>2025-01-07</a:t>
+              <a:t>2025-01-13</a:t>
             </a:fld>
             <a:endParaRPr lang="en-CA"/>
           </a:p>
@@ -1485,7 +1493,7 @@
           <a:p>
             <a:fld id="{B1D4E782-45B6-4C73-AC21-5FF928AD7CED}" type="datetimeFigureOut">
               <a:rPr lang="en-CA" smtClean="0"/>
-              <a:t>2025-01-07</a:t>
+              <a:t>2025-01-13</a:t>
             </a:fld>
             <a:endParaRPr lang="en-CA"/>
           </a:p>
@@ -1909,7 +1917,7 @@
           <a:p>
             <a:fld id="{B1D4E782-45B6-4C73-AC21-5FF928AD7CED}" type="datetimeFigureOut">
               <a:rPr lang="en-CA" smtClean="0"/>
-              <a:t>2025-01-07</a:t>
+              <a:t>2025-01-13</a:t>
             </a:fld>
             <a:endParaRPr lang="en-CA"/>
           </a:p>
@@ -2446,7 +2454,7 @@
           <a:p>
             <a:fld id="{B1D4E782-45B6-4C73-AC21-5FF928AD7CED}" type="datetimeFigureOut">
               <a:rPr lang="en-CA" smtClean="0"/>
-              <a:t>2025-01-07</a:t>
+              <a:t>2025-01-13</a:t>
             </a:fld>
             <a:endParaRPr lang="en-CA"/>
           </a:p>
@@ -3310,7 +3318,7 @@
           <a:p>
             <a:fld id="{B1D4E782-45B6-4C73-AC21-5FF928AD7CED}" type="datetimeFigureOut">
               <a:rPr lang="en-CA" smtClean="0"/>
-              <a:t>2025-01-07</a:t>
+              <a:t>2025-01-13</a:t>
             </a:fld>
             <a:endParaRPr lang="en-CA"/>
           </a:p>
@@ -3480,7 +3488,7 @@
           <a:p>
             <a:fld id="{B1D4E782-45B6-4C73-AC21-5FF928AD7CED}" type="datetimeFigureOut">
               <a:rPr lang="en-CA" smtClean="0"/>
-              <a:t>2025-01-07</a:t>
+              <a:t>2025-01-13</a:t>
             </a:fld>
             <a:endParaRPr lang="en-CA"/>
           </a:p>
@@ -3664,7 +3672,7 @@
           <a:p>
             <a:fld id="{B1D4E782-45B6-4C73-AC21-5FF928AD7CED}" type="datetimeFigureOut">
               <a:rPr lang="en-CA" smtClean="0"/>
-              <a:t>2025-01-07</a:t>
+              <a:t>2025-01-13</a:t>
             </a:fld>
             <a:endParaRPr lang="en-CA"/>
           </a:p>
@@ -3834,7 +3842,7 @@
           <a:p>
             <a:fld id="{B1D4E782-45B6-4C73-AC21-5FF928AD7CED}" type="datetimeFigureOut">
               <a:rPr lang="en-CA" smtClean="0"/>
-              <a:t>2025-01-07</a:t>
+              <a:t>2025-01-13</a:t>
             </a:fld>
             <a:endParaRPr lang="en-CA"/>
           </a:p>
@@ -4078,7 +4086,7 @@
           <a:p>
             <a:fld id="{B1D4E782-45B6-4C73-AC21-5FF928AD7CED}" type="datetimeFigureOut">
               <a:rPr lang="en-CA" smtClean="0"/>
-              <a:t>2025-01-07</a:t>
+              <a:t>2025-01-13</a:t>
             </a:fld>
             <a:endParaRPr lang="en-CA"/>
           </a:p>
@@ -4314,7 +4322,7 @@
           <a:p>
             <a:fld id="{B1D4E782-45B6-4C73-AC21-5FF928AD7CED}" type="datetimeFigureOut">
               <a:rPr lang="en-CA" smtClean="0"/>
-              <a:t>2025-01-07</a:t>
+              <a:t>2025-01-13</a:t>
             </a:fld>
             <a:endParaRPr lang="en-CA"/>
           </a:p>
@@ -4780,7 +4788,7 @@
           <a:p>
             <a:fld id="{B1D4E782-45B6-4C73-AC21-5FF928AD7CED}" type="datetimeFigureOut">
               <a:rPr lang="en-CA" smtClean="0"/>
-              <a:t>2025-01-07</a:t>
+              <a:t>2025-01-13</a:t>
             </a:fld>
             <a:endParaRPr lang="en-CA"/>
           </a:p>
@@ -4898,7 +4906,7 @@
           <a:p>
             <a:fld id="{B1D4E782-45B6-4C73-AC21-5FF928AD7CED}" type="datetimeFigureOut">
               <a:rPr lang="en-CA" smtClean="0"/>
-              <a:t>2025-01-07</a:t>
+              <a:t>2025-01-13</a:t>
             </a:fld>
             <a:endParaRPr lang="en-CA"/>
           </a:p>
@@ -4993,7 +5001,7 @@
           <a:p>
             <a:fld id="{B1D4E782-45B6-4C73-AC21-5FF928AD7CED}" type="datetimeFigureOut">
               <a:rPr lang="en-CA" smtClean="0"/>
-              <a:t>2025-01-07</a:t>
+              <a:t>2025-01-13</a:t>
             </a:fld>
             <a:endParaRPr lang="en-CA"/>
           </a:p>
@@ -5248,7 +5256,7 @@
           <a:p>
             <a:fld id="{B1D4E782-45B6-4C73-AC21-5FF928AD7CED}" type="datetimeFigureOut">
               <a:rPr lang="en-CA" smtClean="0"/>
-              <a:t>2025-01-07</a:t>
+              <a:t>2025-01-13</a:t>
             </a:fld>
             <a:endParaRPr lang="en-CA"/>
           </a:p>
@@ -5548,7 +5556,7 @@
           <a:p>
             <a:fld id="{B1D4E782-45B6-4C73-AC21-5FF928AD7CED}" type="datetimeFigureOut">
               <a:rPr lang="en-CA" smtClean="0"/>
-              <a:t>2025-01-07</a:t>
+              <a:t>2025-01-13</a:t>
             </a:fld>
             <a:endParaRPr lang="en-CA"/>
           </a:p>
@@ -5782,7 +5790,7 @@
           <a:p>
             <a:fld id="{B1D4E782-45B6-4C73-AC21-5FF928AD7CED}" type="datetimeFigureOut">
               <a:rPr lang="en-CA" smtClean="0"/>
-              <a:t>2025-01-07</a:t>
+              <a:t>2025-01-13</a:t>
             </a:fld>
             <a:endParaRPr lang="en-CA"/>
           </a:p>
@@ -7884,6 +7892,196 @@
       </p:grpSpPr>
       <p:sp>
         <p:nvSpPr>
+          <p:cNvPr id="2" name="Title 1">
+            <a:extLst>
+              <a:ext uri="{FF2B5EF4-FFF2-40B4-BE49-F238E27FC236}">
+                <a16:creationId xmlns:a16="http://schemas.microsoft.com/office/drawing/2014/main" id="{B79CAC0E-D197-3F7B-792B-6B8AA8928A53}"/>
+              </a:ext>
+            </a:extLst>
+          </p:cNvPr>
+          <p:cNvSpPr>
+            <a:spLocks noGrp="1"/>
+          </p:cNvSpPr>
+          <p:nvPr>
+            <p:ph type="title"/>
+          </p:nvPr>
+        </p:nvSpPr>
+        <p:spPr/>
+        <p:txBody>
+          <a:bodyPr/>
+          <a:lstStyle/>
+          <a:p>
+            <a:pPr algn="l"/>
+            <a:r>
+              <a:rPr lang="en-CA" dirty="0"/>
+              <a:t>Possible solution #1</a:t>
+            </a:r>
+          </a:p>
+        </p:txBody>
+      </p:sp>
+      <p:sp>
+        <p:nvSpPr>
+          <p:cNvPr id="3" name="Content Placeholder 2">
+            <a:extLst>
+              <a:ext uri="{FF2B5EF4-FFF2-40B4-BE49-F238E27FC236}">
+                <a16:creationId xmlns:a16="http://schemas.microsoft.com/office/drawing/2014/main" id="{847F50E4-71A4-52D1-72AD-93BEB36F16A3}"/>
+              </a:ext>
+            </a:extLst>
+          </p:cNvPr>
+          <p:cNvSpPr>
+            <a:spLocks noGrp="1"/>
+          </p:cNvSpPr>
+          <p:nvPr>
+            <p:ph idx="1"/>
+          </p:nvPr>
+        </p:nvSpPr>
+        <p:spPr/>
+        <p:txBody>
+          <a:bodyPr/>
+          <a:lstStyle/>
+          <a:p>
+            <a:r>
+              <a:rPr lang="en-CA" dirty="0"/>
+              <a:t>Assuming a complicated model (like the Cylon </a:t>
+            </a:r>
+            <a:r>
+              <a:rPr lang="en-CA" dirty="0">
+                <a:sym typeface="Wingdings" panose="05000000000000000000" pitchFamily="2" charset="2"/>
+              </a:rPr>
+              <a:t>)</a:t>
+            </a:r>
+          </a:p>
+          <a:p>
+            <a:r>
+              <a:rPr lang="en-CA" dirty="0">
+                <a:sym typeface="Wingdings" panose="05000000000000000000" pitchFamily="2" charset="2"/>
+              </a:rPr>
+              <a:t>Keep track of the “last” location of the object</a:t>
+            </a:r>
+          </a:p>
+          <a:p>
+            <a:r>
+              <a:rPr lang="en-CA" dirty="0">
+                <a:sym typeface="Wingdings" panose="05000000000000000000" pitchFamily="2" charset="2"/>
+              </a:rPr>
+              <a:t>Note the direction of the normal of the “closest” </a:t>
+            </a:r>
+            <a:br>
+              <a:rPr lang="en-CA" dirty="0">
+                <a:sym typeface="Wingdings" panose="05000000000000000000" pitchFamily="2" charset="2"/>
+              </a:rPr>
+            </a:br>
+            <a:r>
+              <a:rPr lang="en-CA" dirty="0">
+                <a:sym typeface="Wingdings" panose="05000000000000000000" pitchFamily="2" charset="2"/>
+              </a:rPr>
+              <a:t>triangles that we are </a:t>
+            </a:r>
+            <a:r>
+              <a:rPr lang="en-CA" i="1" dirty="0">
+                <a:sym typeface="Wingdings" panose="05000000000000000000" pitchFamily="2" charset="2"/>
+              </a:rPr>
+              <a:t>about </a:t>
+            </a:r>
+            <a:r>
+              <a:rPr lang="en-CA" dirty="0">
+                <a:sym typeface="Wingdings" panose="05000000000000000000" pitchFamily="2" charset="2"/>
+              </a:rPr>
+              <a:t>to collide with</a:t>
+            </a:r>
+          </a:p>
+          <a:p>
+            <a:r>
+              <a:rPr lang="en-CA" dirty="0">
+                <a:sym typeface="Wingdings" panose="05000000000000000000" pitchFamily="2" charset="2"/>
+              </a:rPr>
+              <a:t>If the object is on the “other” side of the triangle (i.e. the normal is now facing the other way – use the dot product to determine this), then we’ve passed “through” the triangle.</a:t>
+            </a:r>
+          </a:p>
+          <a:p>
+            <a:r>
+              <a:rPr lang="en-CA" dirty="0">
+                <a:sym typeface="Wingdings" panose="05000000000000000000" pitchFamily="2" charset="2"/>
+              </a:rPr>
+              <a:t>Issues:</a:t>
+            </a:r>
+          </a:p>
+          <a:p>
+            <a:pPr lvl="1"/>
+            <a:r>
+              <a:rPr lang="en-CA" dirty="0">
+                <a:sym typeface="Wingdings" panose="05000000000000000000" pitchFamily="2" charset="2"/>
+              </a:rPr>
+              <a:t>If we are going REALLY fast, we can go right through, or get closer to the opposite side, etc.</a:t>
+            </a:r>
+          </a:p>
+          <a:p>
+            <a:endParaRPr lang="en-CA" dirty="0"/>
+          </a:p>
+        </p:txBody>
+      </p:sp>
+      <p:pic>
+        <p:nvPicPr>
+          <p:cNvPr id="5" name="Picture 4">
+            <a:extLst>
+              <a:ext uri="{FF2B5EF4-FFF2-40B4-BE49-F238E27FC236}">
+                <a16:creationId xmlns:a16="http://schemas.microsoft.com/office/drawing/2014/main" id="{F9E8208C-EF1F-A7DB-8E69-C63FE5ABBDDE}"/>
+              </a:ext>
+            </a:extLst>
+          </p:cNvPr>
+          <p:cNvPicPr>
+            <a:picLocks noChangeAspect="1"/>
+          </p:cNvPicPr>
+          <p:nvPr/>
+        </p:nvPicPr>
+        <p:blipFill>
+          <a:blip r:embed="rId2"/>
+          <a:stretch>
+            <a:fillRect/>
+          </a:stretch>
+        </p:blipFill>
+        <p:spPr>
+          <a:xfrm>
+            <a:off x="7616325" y="552578"/>
+            <a:ext cx="4379029" cy="2801836"/>
+          </a:xfrm>
+          <a:prstGeom prst="rect">
+            <a:avLst/>
+          </a:prstGeom>
+        </p:spPr>
+      </p:pic>
+    </p:spTree>
+    <p:extLst>
+      <p:ext uri="{BB962C8B-B14F-4D97-AF65-F5344CB8AC3E}">
+        <p14:creationId xmlns:p14="http://schemas.microsoft.com/office/powerpoint/2010/main" val="3776881770"/>
+      </p:ext>
+    </p:extLst>
+  </p:cSld>
+  <p:clrMapOvr>
+    <a:masterClrMapping/>
+  </p:clrMapOvr>
+</p:sld>
+</file>
+
+<file path=ppt/slides/slide12.xml><?xml version="1.0" encoding="utf-8"?>
+<p:sld xmlns:a="http://schemas.openxmlformats.org/drawingml/2006/main" xmlns:r="http://schemas.openxmlformats.org/officeDocument/2006/relationships" xmlns:p="http://schemas.openxmlformats.org/presentationml/2006/main">
+  <p:cSld>
+    <p:spTree>
+      <p:nvGrpSpPr>
+        <p:cNvPr id="1" name=""/>
+        <p:cNvGrpSpPr/>
+        <p:nvPr/>
+      </p:nvGrpSpPr>
+      <p:grpSpPr>
+        <a:xfrm>
+          <a:off x="0" y="0"/>
+          <a:ext cx="0" cy="0"/>
+          <a:chOff x="0" y="0"/>
+          <a:chExt cx="0" cy="0"/>
+        </a:xfrm>
+      </p:grpSpPr>
+      <p:sp>
+        <p:nvSpPr>
           <p:cNvPr id="2" name="Title 1"/>
           <p:cNvSpPr>
             <a:spLocks noGrp="1"/>
@@ -8467,7 +8665,7 @@
 </p:sld>
 </file>
 
-<file path=ppt/slides/slide12.xml><?xml version="1.0" encoding="utf-8"?>
+<file path=ppt/slides/slide13.xml><?xml version="1.0" encoding="utf-8"?>
 <p:sld xmlns:a="http://schemas.openxmlformats.org/drawingml/2006/main" xmlns:r="http://schemas.openxmlformats.org/officeDocument/2006/relationships" xmlns:p="http://schemas.openxmlformats.org/presentationml/2006/main">
   <p:cSld>
     <p:spTree>
@@ -8676,7 +8874,7 @@
         </p:nvSpPr>
         <p:spPr>
           <a:xfrm>
-            <a:off x="2593848" y="4267200"/>
+            <a:off x="2593846" y="4267200"/>
             <a:ext cx="914400" cy="914400"/>
           </a:xfrm>
           <a:prstGeom prst="ellipse">
@@ -9961,7 +10159,7 @@
 </p:sld>
 </file>
 
-<file path=ppt/slides/slide13.xml><?xml version="1.0" encoding="utf-8"?>
+<file path=ppt/slides/slide14.xml><?xml version="1.0" encoding="utf-8"?>
 <p:sld xmlns:a="http://schemas.openxmlformats.org/drawingml/2006/main" xmlns:r="http://schemas.openxmlformats.org/officeDocument/2006/relationships" xmlns:p="http://schemas.openxmlformats.org/presentationml/2006/main">
   <p:cSld>
     <p:spTree>
@@ -10856,7 +11054,149 @@
 </p:sld>
 </file>
 
-<file path=ppt/slides/slide14.xml><?xml version="1.0" encoding="utf-8"?>
+<file path=ppt/slides/slide15.xml><?xml version="1.0" encoding="utf-8"?>
+<p:sld xmlns:a="http://schemas.openxmlformats.org/drawingml/2006/main" xmlns:r="http://schemas.openxmlformats.org/officeDocument/2006/relationships" xmlns:p="http://schemas.openxmlformats.org/presentationml/2006/main">
+  <p:cSld>
+    <p:spTree>
+      <p:nvGrpSpPr>
+        <p:cNvPr id="1" name=""/>
+        <p:cNvGrpSpPr/>
+        <p:nvPr/>
+      </p:nvGrpSpPr>
+      <p:grpSpPr>
+        <a:xfrm>
+          <a:off x="0" y="0"/>
+          <a:ext cx="0" cy="0"/>
+          <a:chOff x="0" y="0"/>
+          <a:chExt cx="0" cy="0"/>
+        </a:xfrm>
+      </p:grpSpPr>
+      <p:sp>
+        <p:nvSpPr>
+          <p:cNvPr id="2" name="Title 1">
+            <a:extLst>
+              <a:ext uri="{FF2B5EF4-FFF2-40B4-BE49-F238E27FC236}">
+                <a16:creationId xmlns:a16="http://schemas.microsoft.com/office/drawing/2014/main" id="{EE8BC001-0C7D-1AE3-FAF1-BF5E0FA53D19}"/>
+              </a:ext>
+            </a:extLst>
+          </p:cNvPr>
+          <p:cNvSpPr>
+            <a:spLocks noGrp="1"/>
+          </p:cNvSpPr>
+          <p:nvPr>
+            <p:ph type="title"/>
+          </p:nvPr>
+        </p:nvSpPr>
+        <p:spPr/>
+        <p:txBody>
+          <a:bodyPr/>
+          <a:lstStyle/>
+          <a:p>
+            <a:r>
+              <a:rPr lang="en-CA" dirty="0"/>
+              <a:t>For points:</a:t>
+            </a:r>
+          </a:p>
+        </p:txBody>
+      </p:sp>
+      <p:sp>
+        <p:nvSpPr>
+          <p:cNvPr id="3" name="Content Placeholder 2">
+            <a:extLst>
+              <a:ext uri="{FF2B5EF4-FFF2-40B4-BE49-F238E27FC236}">
+                <a16:creationId xmlns:a16="http://schemas.microsoft.com/office/drawing/2014/main" id="{2D110EE7-B190-95D9-BC9B-7211264563D7}"/>
+              </a:ext>
+            </a:extLst>
+          </p:cNvPr>
+          <p:cNvSpPr>
+            <a:spLocks noGrp="1"/>
+          </p:cNvSpPr>
+          <p:nvPr>
+            <p:ph idx="1"/>
+          </p:nvPr>
+        </p:nvSpPr>
+        <p:spPr>
+          <a:xfrm>
+            <a:off x="766916" y="1732449"/>
+            <a:ext cx="10500641" cy="4058751"/>
+          </a:xfrm>
+        </p:spPr>
+        <p:txBody>
+          <a:bodyPr>
+            <a:normAutofit/>
+          </a:bodyPr>
+          <a:lstStyle/>
+          <a:p>
+            <a:r>
+              <a:rPr lang="en-CA" sz="2400" dirty="0"/>
+              <a:t>For two points, the “last” and the “current” (or the “current” and the “next/future” location, you can use a ray/triangle (or ray/</a:t>
+            </a:r>
+            <a:r>
+              <a:rPr lang="en-CA" sz="2400" dirty="0" err="1"/>
+              <a:t>whateverShape</a:t>
+            </a:r>
+            <a:r>
+              <a:rPr lang="en-CA" sz="2400" dirty="0"/>
+              <a:t>) intersection</a:t>
+            </a:r>
+          </a:p>
+          <a:p>
+            <a:r>
+              <a:rPr lang="en-CA" sz="2400" dirty="0"/>
+              <a:t>This will check if there </a:t>
+            </a:r>
+            <a:r>
+              <a:rPr lang="en-CA" sz="2400" i="1" dirty="0"/>
+              <a:t>has </a:t>
+            </a:r>
+            <a:r>
+              <a:rPr lang="en-CA" sz="2400" dirty="0"/>
+              <a:t>been a collision</a:t>
+            </a:r>
+          </a:p>
+          <a:p>
+            <a:r>
+              <a:rPr lang="en-CA" sz="2400" dirty="0"/>
+              <a:t>BUT it doesn’t help you find out exactly when the collision took place.</a:t>
+            </a:r>
+            <a:br>
+              <a:rPr lang="en-CA" sz="2400" dirty="0"/>
+            </a:br>
+            <a:r>
+              <a:rPr lang="en-CA" sz="2400" dirty="0"/>
+              <a:t>(It could tell you</a:t>
+            </a:r>
+            <a:r>
+              <a:rPr lang="en-CA" sz="2400" i="1" dirty="0"/>
+              <a:t> where </a:t>
+            </a:r>
+            <a:r>
+              <a:rPr lang="en-CA" sz="2400" dirty="0"/>
+              <a:t>the collision took place – the intersection of the ray/shape)</a:t>
+            </a:r>
+          </a:p>
+          <a:p>
+            <a:r>
+              <a:rPr lang="en-CA" sz="2400" dirty="0"/>
+              <a:t>If you are doing a swept volume of an arbitrary shape, this can become complex – i.e. not really useful for real-time</a:t>
+            </a:r>
+          </a:p>
+        </p:txBody>
+      </p:sp>
+    </p:spTree>
+    <p:extLst>
+      <p:ext uri="{BB962C8B-B14F-4D97-AF65-F5344CB8AC3E}">
+        <p14:creationId xmlns:p14="http://schemas.microsoft.com/office/powerpoint/2010/main" val="4060964003"/>
+      </p:ext>
+    </p:extLst>
+  </p:cSld>
+  <p:clrMapOvr>
+    <a:masterClrMapping/>
+  </p:clrMapOvr>
+</p:sld>
+</file>
+
+<file path=ppt/slides/slide16.xml><?xml version="1.0" encoding="utf-8"?>
 <p:sld xmlns:a="http://schemas.openxmlformats.org/drawingml/2006/main" xmlns:r="http://schemas.openxmlformats.org/officeDocument/2006/relationships" xmlns:p="http://schemas.openxmlformats.org/presentationml/2006/main">
   <p:cSld>
     <p:spTree>
@@ -11538,7 +11878,7 @@
 </p:sld>
 </file>
 
-<file path=ppt/slides/slide15.xml><?xml version="1.0" encoding="utf-8"?>
+<file path=ppt/slides/slide17.xml><?xml version="1.0" encoding="utf-8"?>
 <p:sld xmlns:a="http://schemas.openxmlformats.org/drawingml/2006/main" xmlns:r="http://schemas.openxmlformats.org/officeDocument/2006/relationships" xmlns:p="http://schemas.openxmlformats.org/presentationml/2006/main">
   <p:cSld>
     <p:spTree>
@@ -11589,42 +11929,44 @@
         </p:nvSpPr>
         <p:spPr>
           <a:xfrm>
-            <a:off x="2136648" y="1600200"/>
-            <a:ext cx="8302752" cy="4495800"/>
+            <a:off x="727586" y="1580050"/>
+            <a:ext cx="10943303" cy="4515950"/>
           </a:xfrm>
         </p:spPr>
         <p:txBody>
-          <a:bodyPr/>
-          <a:lstStyle/>
-          <a:p>
-            <a:r>
-              <a:rPr lang="en-CA" dirty="0"/>
+          <a:bodyPr>
+            <a:normAutofit/>
+          </a:bodyPr>
+          <a:lstStyle/>
+          <a:p>
+            <a:r>
+              <a:rPr lang="en-CA" sz="2400" dirty="0"/>
               <a:t>Another complication is that of multiple moving bodies</a:t>
             </a:r>
           </a:p>
           <a:p>
             <a:r>
-              <a:rPr lang="en-CA" dirty="0"/>
+              <a:rPr lang="en-CA" sz="2400" dirty="0"/>
               <a:t>There are other ways that they can “miss” each other</a:t>
             </a:r>
           </a:p>
           <a:p>
             <a:r>
-              <a:rPr lang="en-CA" dirty="0"/>
-              <a:t>A simplification is to assume that one object is stationary and one is moving</a:t>
-            </a:r>
-          </a:p>
-          <a:p>
-            <a:r>
-              <a:rPr lang="en-CA" dirty="0"/>
+              <a:rPr lang="en-CA" sz="2400" dirty="0"/>
+              <a:t>A simplification is to assume that one object is stationary, and one is moving</a:t>
+            </a:r>
+          </a:p>
+          <a:p>
+            <a:r>
+              <a:rPr lang="en-CA" sz="2400" dirty="0"/>
               <a:t>This is done by calculating the “difference” vector of the bodies velocities, adding this to one body, and setting the other body’s velocity to zero (stationary) for the collision detection calculation</a:t>
             </a:r>
           </a:p>
           <a:p>
-            <a:endParaRPr lang="en-CA" dirty="0"/>
-          </a:p>
-          <a:p>
-            <a:endParaRPr lang="en-CA" dirty="0"/>
+            <a:endParaRPr lang="en-CA" sz="2400" dirty="0"/>
+          </a:p>
+          <a:p>
+            <a:endParaRPr lang="en-CA" sz="2400" dirty="0"/>
           </a:p>
         </p:txBody>
       </p:sp>
@@ -12004,7 +12346,7 @@
 </p:sld>
 </file>
 
-<file path=ppt/slides/slide16.xml><?xml version="1.0" encoding="utf-8"?>
+<file path=ppt/slides/slide18.xml><?xml version="1.0" encoding="utf-8"?>
 <p:sld xmlns:a="http://schemas.openxmlformats.org/drawingml/2006/main" xmlns:r="http://schemas.openxmlformats.org/officeDocument/2006/relationships" xmlns:p="http://schemas.openxmlformats.org/presentationml/2006/main">
   <p:cSld>
     <p:spTree>
@@ -12403,7 +12745,7 @@
 </p:sld>
 </file>
 
-<file path=ppt/slides/slide17.xml><?xml version="1.0" encoding="utf-8"?>
+<file path=ppt/slides/slide19.xml><?xml version="1.0" encoding="utf-8"?>
 <p:sld xmlns:a="http://schemas.openxmlformats.org/drawingml/2006/main" xmlns:r="http://schemas.openxmlformats.org/officeDocument/2006/relationships" xmlns:p="http://schemas.openxmlformats.org/presentationml/2006/main">
   <p:cSld>
     <p:spTree>
@@ -12951,6 +13293,55 @@
           <a:p>
             <a:pPr algn="ctr"/>
             <a:endParaRPr lang="en-CA"/>
+          </a:p>
+        </p:txBody>
+      </p:sp>
+      <p:sp>
+        <p:nvSpPr>
+          <p:cNvPr id="8" name="Arrow: Right 7">
+            <a:extLst>
+              <a:ext uri="{FF2B5EF4-FFF2-40B4-BE49-F238E27FC236}">
+                <a16:creationId xmlns:a16="http://schemas.microsoft.com/office/drawing/2014/main" id="{918AC8C0-A6E0-6989-D4E1-88E6C9DE168B}"/>
+              </a:ext>
+            </a:extLst>
+          </p:cNvPr>
+          <p:cNvSpPr/>
+          <p:nvPr/>
+        </p:nvSpPr>
+        <p:spPr>
+          <a:xfrm>
+            <a:off x="4269479" y="2981125"/>
+            <a:ext cx="2701772" cy="687389"/>
+          </a:xfrm>
+          <a:prstGeom prst="rightArrow">
+            <a:avLst/>
+          </a:prstGeom>
+        </p:spPr>
+        <p:style>
+          <a:lnRef idx="2">
+            <a:schemeClr val="accent1">
+              <a:shade val="15000"/>
+            </a:schemeClr>
+          </a:lnRef>
+          <a:fillRef idx="1">
+            <a:schemeClr val="accent1"/>
+          </a:fillRef>
+          <a:effectRef idx="0">
+            <a:schemeClr val="accent1"/>
+          </a:effectRef>
+          <a:fontRef idx="minor">
+            <a:schemeClr val="lt1"/>
+          </a:fontRef>
+        </p:style>
+        <p:txBody>
+          <a:bodyPr rtlCol="0" anchor="ctr"/>
+          <a:lstStyle/>
+          <a:p>
+            <a:pPr algn="ctr"/>
+            <a:r>
+              <a:rPr lang="en-CA" dirty="0"/>
+              <a:t>63% of the frame</a:t>
+            </a:r>
           </a:p>
         </p:txBody>
       </p:sp>
@@ -13338,6 +13729,51 @@
                       </p:childTnLst>
                     </p:cTn>
                   </p:par>
+                  <p:par>
+                    <p:cTn id="38" fill="hold">
+                      <p:stCondLst>
+                        <p:cond delay="indefinite"/>
+                      </p:stCondLst>
+                      <p:childTnLst>
+                        <p:par>
+                          <p:cTn id="39" fill="hold">
+                            <p:stCondLst>
+                              <p:cond delay="0"/>
+                            </p:stCondLst>
+                            <p:childTnLst>
+                              <p:par>
+                                <p:cTn id="40" presetID="1" presetClass="entr" presetSubtype="0" fill="hold" grpId="0" nodeType="clickEffect">
+                                  <p:stCondLst>
+                                    <p:cond delay="0"/>
+                                  </p:stCondLst>
+                                  <p:childTnLst>
+                                    <p:set>
+                                      <p:cBhvr>
+                                        <p:cTn id="41" dur="1" fill="hold">
+                                          <p:stCondLst>
+                                            <p:cond delay="0"/>
+                                          </p:stCondLst>
+                                        </p:cTn>
+                                        <p:tgtEl>
+                                          <p:spTgt spid="8"/>
+                                        </p:tgtEl>
+                                        <p:attrNameLst>
+                                          <p:attrName>style.visibility</p:attrName>
+                                        </p:attrNameLst>
+                                      </p:cBhvr>
+                                      <p:to>
+                                        <p:strVal val="visible"/>
+                                      </p:to>
+                                    </p:set>
+                                  </p:childTnLst>
+                                </p:cTn>
+                              </p:par>
+                            </p:childTnLst>
+                          </p:cTn>
+                        </p:par>
+                      </p:childTnLst>
+                    </p:cTn>
+                  </p:par>
                 </p:childTnLst>
               </p:cTn>
               <p:prevCondLst>
@@ -13367,12 +13803,4029 @@
       <p:bldP spid="34" grpId="0" animBg="1"/>
       <p:bldP spid="35" grpId="0" animBg="1"/>
       <p:bldP spid="7" grpId="0" animBg="1"/>
+      <p:bldP spid="8" grpId="0" animBg="1"/>
     </p:bldLst>
   </p:timing>
 </p:sld>
 </file>
 
-<file path=ppt/slides/slide18.xml><?xml version="1.0" encoding="utf-8"?>
+<file path=ppt/slides/slide2.xml><?xml version="1.0" encoding="utf-8"?>
+<p:sld xmlns:a="http://schemas.openxmlformats.org/drawingml/2006/main" xmlns:r="http://schemas.openxmlformats.org/officeDocument/2006/relationships" xmlns:p="http://schemas.openxmlformats.org/presentationml/2006/main">
+  <p:cSld>
+    <p:spTree>
+      <p:nvGrpSpPr>
+        <p:cNvPr id="1" name=""/>
+        <p:cNvGrpSpPr/>
+        <p:nvPr/>
+      </p:nvGrpSpPr>
+      <p:grpSpPr>
+        <a:xfrm>
+          <a:off x="0" y="0"/>
+          <a:ext cx="0" cy="0"/>
+          <a:chOff x="0" y="0"/>
+          <a:chExt cx="0" cy="0"/>
+        </a:xfrm>
+      </p:grpSpPr>
+      <p:sp>
+        <p:nvSpPr>
+          <p:cNvPr id="2" name="Title 1"/>
+          <p:cNvSpPr>
+            <a:spLocks noGrp="1"/>
+          </p:cNvSpPr>
+          <p:nvPr>
+            <p:ph type="title"/>
+          </p:nvPr>
+        </p:nvSpPr>
+        <p:spPr/>
+        <p:txBody>
+          <a:bodyPr/>
+          <a:lstStyle/>
+          <a:p>
+            <a:r>
+              <a:rPr lang="en-CA" dirty="0"/>
+              <a:t>Text book (same as INFO6019)</a:t>
+            </a:r>
+          </a:p>
+        </p:txBody>
+      </p:sp>
+      <p:sp>
+        <p:nvSpPr>
+          <p:cNvPr id="3" name="Content Placeholder 2"/>
+          <p:cNvSpPr>
+            <a:spLocks noGrp="1"/>
+          </p:cNvSpPr>
+          <p:nvPr>
+            <p:ph idx="1"/>
+          </p:nvPr>
+        </p:nvSpPr>
+        <p:spPr/>
+        <p:txBody>
+          <a:bodyPr/>
+          <a:lstStyle/>
+          <a:p>
+            <a:r>
+              <a:rPr lang="en-CA" dirty="0" err="1"/>
+              <a:t>Christer</a:t>
+            </a:r>
+            <a:r>
+              <a:rPr lang="en-CA" dirty="0"/>
+              <a:t> Ericson, Real-Time Collision Detection, Morgan Kaufmann, 2005, ISBN-10: 1558607323, ISBN-13: 978-1558607323</a:t>
+            </a:r>
+          </a:p>
+          <a:p>
+            <a:r>
+              <a:rPr lang="en-CA" dirty="0"/>
+              <a:t>Note: that’s “</a:t>
+            </a:r>
+            <a:r>
+              <a:rPr lang="en-CA" i="1" dirty="0" err="1"/>
+              <a:t>Christer</a:t>
+            </a:r>
+            <a:r>
+              <a:rPr lang="en-CA" dirty="0"/>
+              <a:t>” not “Christopher”</a:t>
+            </a:r>
+          </a:p>
+          <a:p>
+            <a:r>
+              <a:rPr lang="en-CA" dirty="0"/>
+              <a:t>Works for SONY, Santa-Monica</a:t>
+            </a:r>
+          </a:p>
+          <a:p>
+            <a:endParaRPr lang="en-CA" dirty="0"/>
+          </a:p>
+        </p:txBody>
+      </p:sp>
+      <p:sp>
+        <p:nvSpPr>
+          <p:cNvPr id="4" name="AutoShape 6"/>
+          <p:cNvSpPr>
+            <a:spLocks noChangeArrowheads="1"/>
+          </p:cNvSpPr>
+          <p:nvPr/>
+        </p:nvSpPr>
+        <p:spPr bwMode="auto">
+          <a:xfrm>
+            <a:off x="10058400" y="6400800"/>
+            <a:ext cx="609600" cy="457200"/>
+          </a:xfrm>
+          <a:prstGeom prst="rightArrow">
+            <a:avLst>
+              <a:gd name="adj1" fmla="val 50000"/>
+              <a:gd name="adj2" fmla="val 33333"/>
+            </a:avLst>
+          </a:prstGeom>
+          <a:noFill/>
+          <a:ln w="19050">
+            <a:solidFill>
+              <a:srgbClr val="969696"/>
+            </a:solidFill>
+            <a:miter lim="800000"/>
+            <a:headEnd/>
+            <a:tailEnd/>
+          </a:ln>
+        </p:spPr>
+        <p:txBody>
+          <a:bodyPr wrap="none" anchor="ctr"/>
+          <a:lstStyle/>
+          <a:p>
+            <a:endParaRPr lang="en-CA"/>
+          </a:p>
+        </p:txBody>
+      </p:sp>
+    </p:spTree>
+  </p:cSld>
+  <p:clrMapOvr>
+    <a:masterClrMapping/>
+  </p:clrMapOvr>
+  <p:timing>
+    <p:tnLst>
+      <p:par>
+        <p:cTn id="1" dur="indefinite" restart="never" nodeType="tmRoot">
+          <p:childTnLst>
+            <p:seq concurrent="1" nextAc="seek">
+              <p:cTn id="2" dur="indefinite" nodeType="mainSeq">
+                <p:childTnLst>
+                  <p:par>
+                    <p:cTn id="3" fill="hold">
+                      <p:stCondLst>
+                        <p:cond delay="indefinite"/>
+                      </p:stCondLst>
+                      <p:childTnLst>
+                        <p:par>
+                          <p:cTn id="4" fill="hold">
+                            <p:stCondLst>
+                              <p:cond delay="0"/>
+                            </p:stCondLst>
+                            <p:childTnLst>
+                              <p:par>
+                                <p:cTn id="5" presetID="5" presetClass="entr" presetSubtype="10" fill="hold" grpId="0" nodeType="clickEffect">
+                                  <p:stCondLst>
+                                    <p:cond delay="0"/>
+                                  </p:stCondLst>
+                                  <p:childTnLst>
+                                    <p:set>
+                                      <p:cBhvr>
+                                        <p:cTn id="6" dur="1" fill="hold">
+                                          <p:stCondLst>
+                                            <p:cond delay="0"/>
+                                          </p:stCondLst>
+                                        </p:cTn>
+                                        <p:tgtEl>
+                                          <p:spTgt spid="3">
+                                            <p:txEl>
+                                              <p:pRg st="0" end="0"/>
+                                            </p:txEl>
+                                          </p:spTgt>
+                                        </p:tgtEl>
+                                        <p:attrNameLst>
+                                          <p:attrName>style.visibility</p:attrName>
+                                        </p:attrNameLst>
+                                      </p:cBhvr>
+                                      <p:to>
+                                        <p:strVal val="visible"/>
+                                      </p:to>
+                                    </p:set>
+                                    <p:animEffect transition="in" filter="checkerboard(across)">
+                                      <p:cBhvr>
+                                        <p:cTn id="7" dur="500"/>
+                                        <p:tgtEl>
+                                          <p:spTgt spid="3">
+                                            <p:txEl>
+                                              <p:pRg st="0" end="0"/>
+                                            </p:txEl>
+                                          </p:spTgt>
+                                        </p:tgtEl>
+                                      </p:cBhvr>
+                                    </p:animEffect>
+                                  </p:childTnLst>
+                                </p:cTn>
+                              </p:par>
+                            </p:childTnLst>
+                          </p:cTn>
+                        </p:par>
+                      </p:childTnLst>
+                    </p:cTn>
+                  </p:par>
+                  <p:par>
+                    <p:cTn id="8" fill="hold">
+                      <p:stCondLst>
+                        <p:cond delay="indefinite"/>
+                      </p:stCondLst>
+                      <p:childTnLst>
+                        <p:par>
+                          <p:cTn id="9" fill="hold">
+                            <p:stCondLst>
+                              <p:cond delay="0"/>
+                            </p:stCondLst>
+                            <p:childTnLst>
+                              <p:par>
+                                <p:cTn id="10" presetID="5" presetClass="entr" presetSubtype="10" fill="hold" grpId="0" nodeType="clickEffect">
+                                  <p:stCondLst>
+                                    <p:cond delay="0"/>
+                                  </p:stCondLst>
+                                  <p:childTnLst>
+                                    <p:set>
+                                      <p:cBhvr>
+                                        <p:cTn id="11" dur="1" fill="hold">
+                                          <p:stCondLst>
+                                            <p:cond delay="0"/>
+                                          </p:stCondLst>
+                                        </p:cTn>
+                                        <p:tgtEl>
+                                          <p:spTgt spid="3">
+                                            <p:txEl>
+                                              <p:pRg st="1" end="1"/>
+                                            </p:txEl>
+                                          </p:spTgt>
+                                        </p:tgtEl>
+                                        <p:attrNameLst>
+                                          <p:attrName>style.visibility</p:attrName>
+                                        </p:attrNameLst>
+                                      </p:cBhvr>
+                                      <p:to>
+                                        <p:strVal val="visible"/>
+                                      </p:to>
+                                    </p:set>
+                                    <p:animEffect transition="in" filter="checkerboard(across)">
+                                      <p:cBhvr>
+                                        <p:cTn id="12" dur="500"/>
+                                        <p:tgtEl>
+                                          <p:spTgt spid="3">
+                                            <p:txEl>
+                                              <p:pRg st="1" end="1"/>
+                                            </p:txEl>
+                                          </p:spTgt>
+                                        </p:tgtEl>
+                                      </p:cBhvr>
+                                    </p:animEffect>
+                                  </p:childTnLst>
+                                </p:cTn>
+                              </p:par>
+                            </p:childTnLst>
+                          </p:cTn>
+                        </p:par>
+                      </p:childTnLst>
+                    </p:cTn>
+                  </p:par>
+                  <p:par>
+                    <p:cTn id="13" fill="hold">
+                      <p:stCondLst>
+                        <p:cond delay="indefinite"/>
+                      </p:stCondLst>
+                      <p:childTnLst>
+                        <p:par>
+                          <p:cTn id="14" fill="hold">
+                            <p:stCondLst>
+                              <p:cond delay="0"/>
+                            </p:stCondLst>
+                            <p:childTnLst>
+                              <p:par>
+                                <p:cTn id="15" presetID="5" presetClass="entr" presetSubtype="10" fill="hold" grpId="0" nodeType="clickEffect">
+                                  <p:stCondLst>
+                                    <p:cond delay="0"/>
+                                  </p:stCondLst>
+                                  <p:childTnLst>
+                                    <p:set>
+                                      <p:cBhvr>
+                                        <p:cTn id="16" dur="1" fill="hold">
+                                          <p:stCondLst>
+                                            <p:cond delay="0"/>
+                                          </p:stCondLst>
+                                        </p:cTn>
+                                        <p:tgtEl>
+                                          <p:spTgt spid="3">
+                                            <p:txEl>
+                                              <p:pRg st="2" end="2"/>
+                                            </p:txEl>
+                                          </p:spTgt>
+                                        </p:tgtEl>
+                                        <p:attrNameLst>
+                                          <p:attrName>style.visibility</p:attrName>
+                                        </p:attrNameLst>
+                                      </p:cBhvr>
+                                      <p:to>
+                                        <p:strVal val="visible"/>
+                                      </p:to>
+                                    </p:set>
+                                    <p:animEffect transition="in" filter="checkerboard(across)">
+                                      <p:cBhvr>
+                                        <p:cTn id="17" dur="500"/>
+                                        <p:tgtEl>
+                                          <p:spTgt spid="3">
+                                            <p:txEl>
+                                              <p:pRg st="2" end="2"/>
+                                            </p:txEl>
+                                          </p:spTgt>
+                                        </p:tgtEl>
+                                      </p:cBhvr>
+                                    </p:animEffect>
+                                  </p:childTnLst>
+                                </p:cTn>
+                              </p:par>
+                            </p:childTnLst>
+                          </p:cTn>
+                        </p:par>
+                      </p:childTnLst>
+                    </p:cTn>
+                  </p:par>
+                  <p:par>
+                    <p:cTn id="18" fill="hold">
+                      <p:stCondLst>
+                        <p:cond delay="indefinite"/>
+                      </p:stCondLst>
+                      <p:childTnLst>
+                        <p:par>
+                          <p:cTn id="19" fill="hold">
+                            <p:stCondLst>
+                              <p:cond delay="0"/>
+                            </p:stCondLst>
+                            <p:childTnLst>
+                              <p:par>
+                                <p:cTn id="20" presetID="10" presetClass="entr" presetSubtype="0" fill="hold" grpId="0" nodeType="clickEffect">
+                                  <p:stCondLst>
+                                    <p:cond delay="0"/>
+                                  </p:stCondLst>
+                                  <p:childTnLst>
+                                    <p:set>
+                                      <p:cBhvr>
+                                        <p:cTn id="21" dur="1" fill="hold">
+                                          <p:stCondLst>
+                                            <p:cond delay="0"/>
+                                          </p:stCondLst>
+                                        </p:cTn>
+                                        <p:tgtEl>
+                                          <p:spTgt spid="4"/>
+                                        </p:tgtEl>
+                                        <p:attrNameLst>
+                                          <p:attrName>style.visibility</p:attrName>
+                                        </p:attrNameLst>
+                                      </p:cBhvr>
+                                      <p:to>
+                                        <p:strVal val="visible"/>
+                                      </p:to>
+                                    </p:set>
+                                    <p:animEffect transition="in" filter="fade">
+                                      <p:cBhvr>
+                                        <p:cTn id="22" dur="500"/>
+                                        <p:tgtEl>
+                                          <p:spTgt spid="4"/>
+                                        </p:tgtEl>
+                                      </p:cBhvr>
+                                    </p:animEffect>
+                                  </p:childTnLst>
+                                </p:cTn>
+                              </p:par>
+                            </p:childTnLst>
+                          </p:cTn>
+                        </p:par>
+                      </p:childTnLst>
+                    </p:cTn>
+                  </p:par>
+                </p:childTnLst>
+              </p:cTn>
+              <p:prevCondLst>
+                <p:cond evt="onPrev" delay="0">
+                  <p:tgtEl>
+                    <p:sldTgt/>
+                  </p:tgtEl>
+                </p:cond>
+              </p:prevCondLst>
+              <p:nextCondLst>
+                <p:cond evt="onNext" delay="0">
+                  <p:tgtEl>
+                    <p:sldTgt/>
+                  </p:tgtEl>
+                </p:cond>
+              </p:nextCondLst>
+            </p:seq>
+          </p:childTnLst>
+        </p:cTn>
+      </p:par>
+    </p:tnLst>
+    <p:bldLst>
+      <p:bldP spid="3" grpId="0" build="p"/>
+      <p:bldP spid="4" grpId="0" animBg="1"/>
+    </p:bldLst>
+  </p:timing>
+</p:sld>
+</file>
+
+<file path=ppt/slides/slide20.xml><?xml version="1.0" encoding="utf-8"?>
+<p:sld xmlns:a="http://schemas.openxmlformats.org/drawingml/2006/main" xmlns:r="http://schemas.openxmlformats.org/officeDocument/2006/relationships" xmlns:p="http://schemas.openxmlformats.org/presentationml/2006/main">
+  <p:cSld>
+    <p:spTree>
+      <p:nvGrpSpPr>
+        <p:cNvPr id="1" name=""/>
+        <p:cNvGrpSpPr/>
+        <p:nvPr/>
+      </p:nvGrpSpPr>
+      <p:grpSpPr>
+        <a:xfrm>
+          <a:off x="0" y="0"/>
+          <a:ext cx="0" cy="0"/>
+          <a:chOff x="0" y="0"/>
+          <a:chExt cx="0" cy="0"/>
+        </a:xfrm>
+      </p:grpSpPr>
+      <p:sp>
+        <p:nvSpPr>
+          <p:cNvPr id="2" name="Title 1">
+            <a:extLst>
+              <a:ext uri="{FF2B5EF4-FFF2-40B4-BE49-F238E27FC236}">
+                <a16:creationId xmlns:a16="http://schemas.microsoft.com/office/drawing/2014/main" id="{75E7D0AD-A63B-9859-A26F-2C7D6C13C55A}"/>
+              </a:ext>
+            </a:extLst>
+          </p:cNvPr>
+          <p:cNvSpPr>
+            <a:spLocks noGrp="1"/>
+          </p:cNvSpPr>
+          <p:nvPr>
+            <p:ph type="title"/>
+          </p:nvPr>
+        </p:nvSpPr>
+        <p:spPr/>
+        <p:txBody>
+          <a:bodyPr/>
+          <a:lstStyle/>
+          <a:p>
+            <a:r>
+              <a:rPr lang="en-CA" dirty="0"/>
+              <a:t>Key concept</a:t>
+            </a:r>
+          </a:p>
+        </p:txBody>
+      </p:sp>
+      <p:sp>
+        <p:nvSpPr>
+          <p:cNvPr id="3" name="Content Placeholder 2">
+            <a:extLst>
+              <a:ext uri="{FF2B5EF4-FFF2-40B4-BE49-F238E27FC236}">
+                <a16:creationId xmlns:a16="http://schemas.microsoft.com/office/drawing/2014/main" id="{F6265661-87DB-42C2-2EE7-676B0E434819}"/>
+              </a:ext>
+            </a:extLst>
+          </p:cNvPr>
+          <p:cNvSpPr>
+            <a:spLocks noGrp="1"/>
+          </p:cNvSpPr>
+          <p:nvPr>
+            <p:ph idx="1"/>
+          </p:nvPr>
+        </p:nvSpPr>
+        <p:spPr>
+          <a:xfrm>
+            <a:off x="452284" y="1732449"/>
+            <a:ext cx="11267768" cy="4058751"/>
+          </a:xfrm>
+        </p:spPr>
+        <p:txBody>
+          <a:bodyPr>
+            <a:normAutofit/>
+          </a:bodyPr>
+          <a:lstStyle/>
+          <a:p>
+            <a:r>
+              <a:rPr lang="en-CA" sz="2400" dirty="0"/>
+              <a:t>You need to find out where and when the collision took place.</a:t>
+            </a:r>
+          </a:p>
+          <a:p>
+            <a:r>
+              <a:rPr lang="en-CA" sz="2400" dirty="0"/>
+              <a:t>Let’s assume we’re using this “sphere” solution from the previous slide:</a:t>
+            </a:r>
+          </a:p>
+          <a:p>
+            <a:r>
+              <a:rPr lang="en-CA" sz="2400" dirty="0"/>
+              <a:t>We then have to </a:t>
+            </a:r>
+            <a:r>
+              <a:rPr lang="en-CA" sz="2400" b="1" u="sng" dirty="0"/>
+              <a:t>iteratively</a:t>
+            </a:r>
+            <a:r>
+              <a:rPr lang="en-CA" sz="2400" dirty="0"/>
+              <a:t> repeat the collision test until we get to the resolution we require – i.e. it’s “close enough” to the resolution we want </a:t>
+            </a:r>
+          </a:p>
+          <a:p>
+            <a:r>
+              <a:rPr lang="en-CA" sz="2400" dirty="0"/>
+              <a:t>You likely want to do this calculation </a:t>
+            </a:r>
+            <a:r>
+              <a:rPr lang="en-CA" sz="2400" i="1" dirty="0"/>
+              <a:t>during </a:t>
+            </a:r>
+            <a:r>
+              <a:rPr lang="en-CA" sz="2400" dirty="0"/>
+              <a:t>the update – i.e. calculate where the object is </a:t>
+            </a:r>
+            <a:r>
+              <a:rPr lang="en-CA" sz="2400" i="1" dirty="0"/>
+              <a:t>going to be </a:t>
+            </a:r>
+            <a:r>
+              <a:rPr lang="en-CA" sz="2400" dirty="0"/>
+              <a:t>and handle any possible collisions </a:t>
+            </a:r>
+            <a:r>
+              <a:rPr lang="en-CA" sz="2400" i="1" dirty="0"/>
+              <a:t>before </a:t>
+            </a:r>
+            <a:r>
+              <a:rPr lang="en-CA" sz="2400" dirty="0"/>
+              <a:t>setting the final (“next frame”) location.</a:t>
+            </a:r>
+          </a:p>
+          <a:p>
+            <a:r>
+              <a:rPr lang="en-CA" sz="2400" dirty="0"/>
+              <a:t>You will have to handle these “in between” time and location situations.</a:t>
+            </a:r>
+          </a:p>
+          <a:p>
+            <a:endParaRPr lang="en-CA" sz="2400" dirty="0"/>
+          </a:p>
+          <a:p>
+            <a:endParaRPr lang="en-CA" sz="2400" dirty="0"/>
+          </a:p>
+        </p:txBody>
+      </p:sp>
+    </p:spTree>
+    <p:extLst>
+      <p:ext uri="{BB962C8B-B14F-4D97-AF65-F5344CB8AC3E}">
+        <p14:creationId xmlns:p14="http://schemas.microsoft.com/office/powerpoint/2010/main" val="2674248357"/>
+      </p:ext>
+    </p:extLst>
+  </p:cSld>
+  <p:clrMapOvr>
+    <a:masterClrMapping/>
+  </p:clrMapOvr>
+</p:sld>
+</file>
+
+<file path=ppt/slides/slide21.xml><?xml version="1.0" encoding="utf-8"?>
+<p:sld xmlns:a="http://schemas.openxmlformats.org/drawingml/2006/main" xmlns:r="http://schemas.openxmlformats.org/officeDocument/2006/relationships" xmlns:p="http://schemas.openxmlformats.org/presentationml/2006/main">
+  <p:cSld>
+    <p:spTree>
+      <p:nvGrpSpPr>
+        <p:cNvPr id="1" name=""/>
+        <p:cNvGrpSpPr/>
+        <p:nvPr/>
+      </p:nvGrpSpPr>
+      <p:grpSpPr>
+        <a:xfrm>
+          <a:off x="0" y="0"/>
+          <a:ext cx="0" cy="0"/>
+          <a:chOff x="0" y="0"/>
+          <a:chExt cx="0" cy="0"/>
+        </a:xfrm>
+      </p:grpSpPr>
+      <p:sp>
+        <p:nvSpPr>
+          <p:cNvPr id="2" name="Title 1">
+            <a:extLst>
+              <a:ext uri="{FF2B5EF4-FFF2-40B4-BE49-F238E27FC236}">
+                <a16:creationId xmlns:a16="http://schemas.microsoft.com/office/drawing/2014/main" id="{9E62ADAB-A334-DE6A-7FF2-5B8E9AF4381C}"/>
+              </a:ext>
+            </a:extLst>
+          </p:cNvPr>
+          <p:cNvSpPr>
+            <a:spLocks noGrp="1"/>
+          </p:cNvSpPr>
+          <p:nvPr>
+            <p:ph type="title"/>
+          </p:nvPr>
+        </p:nvSpPr>
+        <p:spPr>
+          <a:xfrm>
+            <a:off x="913795" y="363793"/>
+            <a:ext cx="10353762" cy="970450"/>
+          </a:xfrm>
+        </p:spPr>
+        <p:txBody>
+          <a:bodyPr/>
+          <a:lstStyle/>
+          <a:p>
+            <a:r>
+              <a:rPr lang="en-CA" dirty="0"/>
+              <a:t>Bouncing ball</a:t>
+            </a:r>
+          </a:p>
+        </p:txBody>
+      </p:sp>
+      <p:sp>
+        <p:nvSpPr>
+          <p:cNvPr id="6" name="Oval 5">
+            <a:extLst>
+              <a:ext uri="{FF2B5EF4-FFF2-40B4-BE49-F238E27FC236}">
+                <a16:creationId xmlns:a16="http://schemas.microsoft.com/office/drawing/2014/main" id="{821E3C46-D178-16DB-C37B-63C61F87717B}"/>
+              </a:ext>
+            </a:extLst>
+          </p:cNvPr>
+          <p:cNvSpPr/>
+          <p:nvPr/>
+        </p:nvSpPr>
+        <p:spPr>
+          <a:xfrm>
+            <a:off x="1612490" y="536357"/>
+            <a:ext cx="855407" cy="855407"/>
+          </a:xfrm>
+          <a:prstGeom prst="ellipse">
+            <a:avLst/>
+          </a:prstGeom>
+        </p:spPr>
+        <p:style>
+          <a:lnRef idx="2">
+            <a:schemeClr val="accent1">
+              <a:shade val="15000"/>
+            </a:schemeClr>
+          </a:lnRef>
+          <a:fillRef idx="1">
+            <a:schemeClr val="accent1"/>
+          </a:fillRef>
+          <a:effectRef idx="0">
+            <a:schemeClr val="accent1"/>
+          </a:effectRef>
+          <a:fontRef idx="minor">
+            <a:schemeClr val="lt1"/>
+          </a:fontRef>
+        </p:style>
+        <p:txBody>
+          <a:bodyPr rtlCol="0" anchor="ctr"/>
+          <a:lstStyle/>
+          <a:p>
+            <a:pPr algn="ctr"/>
+            <a:endParaRPr lang="en-CA"/>
+          </a:p>
+        </p:txBody>
+      </p:sp>
+      <p:sp>
+        <p:nvSpPr>
+          <p:cNvPr id="8" name="Oval 7">
+            <a:extLst>
+              <a:ext uri="{FF2B5EF4-FFF2-40B4-BE49-F238E27FC236}">
+                <a16:creationId xmlns:a16="http://schemas.microsoft.com/office/drawing/2014/main" id="{F9207179-5870-B598-3918-1A74A6CA0878}"/>
+              </a:ext>
+            </a:extLst>
+          </p:cNvPr>
+          <p:cNvSpPr/>
+          <p:nvPr/>
+        </p:nvSpPr>
+        <p:spPr>
+          <a:xfrm>
+            <a:off x="609599" y="949811"/>
+            <a:ext cx="2861187" cy="8003459"/>
+          </a:xfrm>
+          <a:prstGeom prst="ellipse">
+            <a:avLst/>
+          </a:prstGeom>
+          <a:noFill/>
+          <a:ln w="57150">
+            <a:solidFill>
+              <a:srgbClr val="FFFF00"/>
+            </a:solidFill>
+          </a:ln>
+        </p:spPr>
+        <p:style>
+          <a:lnRef idx="2">
+            <a:schemeClr val="accent1">
+              <a:shade val="15000"/>
+            </a:schemeClr>
+          </a:lnRef>
+          <a:fillRef idx="1">
+            <a:schemeClr val="accent1"/>
+          </a:fillRef>
+          <a:effectRef idx="0">
+            <a:schemeClr val="accent1"/>
+          </a:effectRef>
+          <a:fontRef idx="minor">
+            <a:schemeClr val="lt1"/>
+          </a:fontRef>
+        </p:style>
+        <p:txBody>
+          <a:bodyPr rtlCol="0" anchor="ctr"/>
+          <a:lstStyle/>
+          <a:p>
+            <a:pPr algn="ctr"/>
+            <a:endParaRPr lang="en-CA"/>
+          </a:p>
+        </p:txBody>
+      </p:sp>
+      <p:sp>
+        <p:nvSpPr>
+          <p:cNvPr id="9" name="Oval 8">
+            <a:extLst>
+              <a:ext uri="{FF2B5EF4-FFF2-40B4-BE49-F238E27FC236}">
+                <a16:creationId xmlns:a16="http://schemas.microsoft.com/office/drawing/2014/main" id="{81CE8019-E423-7AEE-EB8F-B8EF09E3FE67}"/>
+              </a:ext>
+            </a:extLst>
+          </p:cNvPr>
+          <p:cNvSpPr/>
+          <p:nvPr/>
+        </p:nvSpPr>
+        <p:spPr>
+          <a:xfrm>
+            <a:off x="3441086" y="1908457"/>
+            <a:ext cx="2861187" cy="6086167"/>
+          </a:xfrm>
+          <a:prstGeom prst="ellipse">
+            <a:avLst/>
+          </a:prstGeom>
+          <a:noFill/>
+          <a:ln w="57150">
+            <a:solidFill>
+              <a:srgbClr val="FFFF00"/>
+            </a:solidFill>
+          </a:ln>
+        </p:spPr>
+        <p:style>
+          <a:lnRef idx="2">
+            <a:schemeClr val="accent1">
+              <a:shade val="15000"/>
+            </a:schemeClr>
+          </a:lnRef>
+          <a:fillRef idx="1">
+            <a:schemeClr val="accent1"/>
+          </a:fillRef>
+          <a:effectRef idx="0">
+            <a:schemeClr val="accent1"/>
+          </a:effectRef>
+          <a:fontRef idx="minor">
+            <a:schemeClr val="lt1"/>
+          </a:fontRef>
+        </p:style>
+        <p:txBody>
+          <a:bodyPr rtlCol="0" anchor="ctr"/>
+          <a:lstStyle/>
+          <a:p>
+            <a:pPr algn="ctr"/>
+            <a:endParaRPr lang="en-CA"/>
+          </a:p>
+        </p:txBody>
+      </p:sp>
+      <p:sp>
+        <p:nvSpPr>
+          <p:cNvPr id="10" name="Oval 9">
+            <a:extLst>
+              <a:ext uri="{FF2B5EF4-FFF2-40B4-BE49-F238E27FC236}">
+                <a16:creationId xmlns:a16="http://schemas.microsoft.com/office/drawing/2014/main" id="{2A4AC023-4D65-1C20-3315-FC7F41648DED}"/>
+              </a:ext>
+            </a:extLst>
+          </p:cNvPr>
+          <p:cNvSpPr/>
+          <p:nvPr/>
+        </p:nvSpPr>
+        <p:spPr>
+          <a:xfrm>
+            <a:off x="6302273" y="2865120"/>
+            <a:ext cx="2861187" cy="4785874"/>
+          </a:xfrm>
+          <a:prstGeom prst="ellipse">
+            <a:avLst/>
+          </a:prstGeom>
+          <a:noFill/>
+          <a:ln w="57150">
+            <a:solidFill>
+              <a:srgbClr val="FFFF00"/>
+            </a:solidFill>
+          </a:ln>
+        </p:spPr>
+        <p:style>
+          <a:lnRef idx="2">
+            <a:schemeClr val="accent1">
+              <a:shade val="15000"/>
+            </a:schemeClr>
+          </a:lnRef>
+          <a:fillRef idx="1">
+            <a:schemeClr val="accent1"/>
+          </a:fillRef>
+          <a:effectRef idx="0">
+            <a:schemeClr val="accent1"/>
+          </a:effectRef>
+          <a:fontRef idx="minor">
+            <a:schemeClr val="lt1"/>
+          </a:fontRef>
+        </p:style>
+        <p:txBody>
+          <a:bodyPr rtlCol="0" anchor="ctr"/>
+          <a:lstStyle/>
+          <a:p>
+            <a:pPr algn="ctr"/>
+            <a:endParaRPr lang="en-CA"/>
+          </a:p>
+        </p:txBody>
+      </p:sp>
+      <p:sp>
+        <p:nvSpPr>
+          <p:cNvPr id="5" name="Rectangle 4">
+            <a:extLst>
+              <a:ext uri="{FF2B5EF4-FFF2-40B4-BE49-F238E27FC236}">
+                <a16:creationId xmlns:a16="http://schemas.microsoft.com/office/drawing/2014/main" id="{23F59EF0-5549-A20C-CC0E-3D18DF81A649}"/>
+              </a:ext>
+            </a:extLst>
+          </p:cNvPr>
+          <p:cNvSpPr/>
+          <p:nvPr/>
+        </p:nvSpPr>
+        <p:spPr>
+          <a:xfrm>
+            <a:off x="186405" y="4857135"/>
+            <a:ext cx="11808542" cy="294968"/>
+          </a:xfrm>
+          <a:prstGeom prst="rect">
+            <a:avLst/>
+          </a:prstGeom>
+        </p:spPr>
+        <p:style>
+          <a:lnRef idx="2">
+            <a:schemeClr val="accent1">
+              <a:shade val="15000"/>
+            </a:schemeClr>
+          </a:lnRef>
+          <a:fillRef idx="1">
+            <a:schemeClr val="accent1"/>
+          </a:fillRef>
+          <a:effectRef idx="0">
+            <a:schemeClr val="accent1"/>
+          </a:effectRef>
+          <a:fontRef idx="minor">
+            <a:schemeClr val="lt1"/>
+          </a:fontRef>
+        </p:style>
+        <p:txBody>
+          <a:bodyPr rtlCol="0" anchor="ctr"/>
+          <a:lstStyle/>
+          <a:p>
+            <a:pPr algn="ctr"/>
+            <a:endParaRPr lang="en-CA"/>
+          </a:p>
+        </p:txBody>
+      </p:sp>
+      <p:sp>
+        <p:nvSpPr>
+          <p:cNvPr id="11" name="Rectangle 10">
+            <a:extLst>
+              <a:ext uri="{FF2B5EF4-FFF2-40B4-BE49-F238E27FC236}">
+                <a16:creationId xmlns:a16="http://schemas.microsoft.com/office/drawing/2014/main" id="{54B8CEB6-14DC-8026-AF9D-5ECEFE07FA42}"/>
+              </a:ext>
+            </a:extLst>
+          </p:cNvPr>
+          <p:cNvSpPr/>
+          <p:nvPr/>
+        </p:nvSpPr>
+        <p:spPr>
+          <a:xfrm>
+            <a:off x="0" y="5152103"/>
+            <a:ext cx="12309987" cy="4003472"/>
+          </a:xfrm>
+          <a:prstGeom prst="rect">
+            <a:avLst/>
+          </a:prstGeom>
+          <a:solidFill>
+            <a:schemeClr val="bg1"/>
+          </a:solidFill>
+          <a:ln>
+            <a:solidFill>
+              <a:schemeClr val="bg1"/>
+            </a:solidFill>
+          </a:ln>
+        </p:spPr>
+        <p:style>
+          <a:lnRef idx="2">
+            <a:schemeClr val="accent1">
+              <a:shade val="15000"/>
+            </a:schemeClr>
+          </a:lnRef>
+          <a:fillRef idx="1">
+            <a:schemeClr val="accent1"/>
+          </a:fillRef>
+          <a:effectRef idx="0">
+            <a:schemeClr val="accent1"/>
+          </a:effectRef>
+          <a:fontRef idx="minor">
+            <a:schemeClr val="lt1"/>
+          </a:fontRef>
+        </p:style>
+        <p:txBody>
+          <a:bodyPr rtlCol="0" anchor="ctr"/>
+          <a:lstStyle/>
+          <a:p>
+            <a:pPr algn="ctr"/>
+            <a:endParaRPr lang="en-CA"/>
+          </a:p>
+        </p:txBody>
+      </p:sp>
+      <p:sp>
+        <p:nvSpPr>
+          <p:cNvPr id="14" name="Oval 13">
+            <a:extLst>
+              <a:ext uri="{FF2B5EF4-FFF2-40B4-BE49-F238E27FC236}">
+                <a16:creationId xmlns:a16="http://schemas.microsoft.com/office/drawing/2014/main" id="{5B61F24A-3AC1-AC75-86A1-95511AF6BC6E}"/>
+              </a:ext>
+            </a:extLst>
+          </p:cNvPr>
+          <p:cNvSpPr/>
+          <p:nvPr/>
+        </p:nvSpPr>
+        <p:spPr>
+          <a:xfrm>
+            <a:off x="2814380" y="2680772"/>
+            <a:ext cx="855407" cy="855407"/>
+          </a:xfrm>
+          <a:prstGeom prst="ellipse">
+            <a:avLst/>
+          </a:prstGeom>
+        </p:spPr>
+        <p:style>
+          <a:lnRef idx="2">
+            <a:schemeClr val="accent1">
+              <a:shade val="15000"/>
+            </a:schemeClr>
+          </a:lnRef>
+          <a:fillRef idx="1">
+            <a:schemeClr val="accent1"/>
+          </a:fillRef>
+          <a:effectRef idx="0">
+            <a:schemeClr val="accent1"/>
+          </a:effectRef>
+          <a:fontRef idx="minor">
+            <a:schemeClr val="lt1"/>
+          </a:fontRef>
+        </p:style>
+        <p:txBody>
+          <a:bodyPr rtlCol="0" anchor="ctr"/>
+          <a:lstStyle/>
+          <a:p>
+            <a:pPr algn="ctr"/>
+            <a:endParaRPr lang="en-CA"/>
+          </a:p>
+        </p:txBody>
+      </p:sp>
+      <p:sp>
+        <p:nvSpPr>
+          <p:cNvPr id="15" name="Oval 14">
+            <a:extLst>
+              <a:ext uri="{FF2B5EF4-FFF2-40B4-BE49-F238E27FC236}">
+                <a16:creationId xmlns:a16="http://schemas.microsoft.com/office/drawing/2014/main" id="{C97AD46B-B0E4-8862-209F-CF38F67D929D}"/>
+              </a:ext>
+            </a:extLst>
+          </p:cNvPr>
+          <p:cNvSpPr/>
+          <p:nvPr/>
+        </p:nvSpPr>
+        <p:spPr>
+          <a:xfrm>
+            <a:off x="3155746" y="5310417"/>
+            <a:ext cx="855407" cy="855407"/>
+          </a:xfrm>
+          <a:prstGeom prst="ellipse">
+            <a:avLst/>
+          </a:prstGeom>
+        </p:spPr>
+        <p:style>
+          <a:lnRef idx="2">
+            <a:schemeClr val="accent1">
+              <a:shade val="15000"/>
+            </a:schemeClr>
+          </a:lnRef>
+          <a:fillRef idx="1">
+            <a:schemeClr val="accent1"/>
+          </a:fillRef>
+          <a:effectRef idx="0">
+            <a:schemeClr val="accent1"/>
+          </a:effectRef>
+          <a:fontRef idx="minor">
+            <a:schemeClr val="lt1"/>
+          </a:fontRef>
+        </p:style>
+        <p:txBody>
+          <a:bodyPr rtlCol="0" anchor="ctr"/>
+          <a:lstStyle/>
+          <a:p>
+            <a:pPr algn="ctr"/>
+            <a:endParaRPr lang="en-CA"/>
+          </a:p>
+        </p:txBody>
+      </p:sp>
+      <p:sp>
+        <p:nvSpPr>
+          <p:cNvPr id="18" name="Oval 17">
+            <a:extLst>
+              <a:ext uri="{FF2B5EF4-FFF2-40B4-BE49-F238E27FC236}">
+                <a16:creationId xmlns:a16="http://schemas.microsoft.com/office/drawing/2014/main" id="{BFFEC0EB-4A0A-2932-6556-0A24B96DA73F}"/>
+              </a:ext>
+            </a:extLst>
+          </p:cNvPr>
+          <p:cNvSpPr/>
+          <p:nvPr/>
+        </p:nvSpPr>
+        <p:spPr>
+          <a:xfrm>
+            <a:off x="2001085" y="3020593"/>
+            <a:ext cx="2774115" cy="2774115"/>
+          </a:xfrm>
+          <a:prstGeom prst="ellipse">
+            <a:avLst/>
+          </a:prstGeom>
+          <a:solidFill>
+            <a:srgbClr val="92D050">
+              <a:alpha val="21000"/>
+            </a:srgbClr>
+          </a:solidFill>
+          <a:ln w="47625">
+            <a:solidFill>
+              <a:srgbClr val="00B0F0"/>
+            </a:solidFill>
+          </a:ln>
+        </p:spPr>
+        <p:style>
+          <a:lnRef idx="2">
+            <a:schemeClr val="accent1">
+              <a:shade val="15000"/>
+            </a:schemeClr>
+          </a:lnRef>
+          <a:fillRef idx="1">
+            <a:schemeClr val="accent1"/>
+          </a:fillRef>
+          <a:effectRef idx="0">
+            <a:schemeClr val="accent1"/>
+          </a:effectRef>
+          <a:fontRef idx="minor">
+            <a:schemeClr val="lt1"/>
+          </a:fontRef>
+        </p:style>
+        <p:txBody>
+          <a:bodyPr rtlCol="0" anchor="ctr"/>
+          <a:lstStyle/>
+          <a:p>
+            <a:pPr algn="ctr"/>
+            <a:endParaRPr lang="en-CA"/>
+          </a:p>
+        </p:txBody>
+      </p:sp>
+      <p:sp>
+        <p:nvSpPr>
+          <p:cNvPr id="19" name="Oval 18">
+            <a:extLst>
+              <a:ext uri="{FF2B5EF4-FFF2-40B4-BE49-F238E27FC236}">
+                <a16:creationId xmlns:a16="http://schemas.microsoft.com/office/drawing/2014/main" id="{FF654D9F-8A3F-A5DC-F51C-316EC5AFC386}"/>
+              </a:ext>
+            </a:extLst>
+          </p:cNvPr>
+          <p:cNvSpPr/>
+          <p:nvPr/>
+        </p:nvSpPr>
+        <p:spPr>
+          <a:xfrm>
+            <a:off x="2767526" y="3040261"/>
+            <a:ext cx="1418393" cy="1418393"/>
+          </a:xfrm>
+          <a:prstGeom prst="ellipse">
+            <a:avLst/>
+          </a:prstGeom>
+          <a:solidFill>
+            <a:srgbClr val="92D050">
+              <a:alpha val="21000"/>
+            </a:srgbClr>
+          </a:solidFill>
+          <a:ln w="47625">
+            <a:solidFill>
+              <a:srgbClr val="00B0F0"/>
+            </a:solidFill>
+          </a:ln>
+        </p:spPr>
+        <p:style>
+          <a:lnRef idx="2">
+            <a:schemeClr val="accent1">
+              <a:shade val="15000"/>
+            </a:schemeClr>
+          </a:lnRef>
+          <a:fillRef idx="1">
+            <a:schemeClr val="accent1"/>
+          </a:fillRef>
+          <a:effectRef idx="0">
+            <a:schemeClr val="accent1"/>
+          </a:effectRef>
+          <a:fontRef idx="minor">
+            <a:schemeClr val="lt1"/>
+          </a:fontRef>
+        </p:style>
+        <p:txBody>
+          <a:bodyPr rtlCol="0" anchor="ctr"/>
+          <a:lstStyle/>
+          <a:p>
+            <a:pPr algn="ctr"/>
+            <a:endParaRPr lang="en-CA"/>
+          </a:p>
+        </p:txBody>
+      </p:sp>
+      <p:sp>
+        <p:nvSpPr>
+          <p:cNvPr id="20" name="Oval 19">
+            <a:extLst>
+              <a:ext uri="{FF2B5EF4-FFF2-40B4-BE49-F238E27FC236}">
+                <a16:creationId xmlns:a16="http://schemas.microsoft.com/office/drawing/2014/main" id="{D1B2C13F-781C-CA4A-6473-E8D41386EFB7}"/>
+              </a:ext>
+            </a:extLst>
+          </p:cNvPr>
+          <p:cNvSpPr/>
+          <p:nvPr/>
+        </p:nvSpPr>
+        <p:spPr>
+          <a:xfrm>
+            <a:off x="2819273" y="4477696"/>
+            <a:ext cx="1366646" cy="1366646"/>
+          </a:xfrm>
+          <a:prstGeom prst="ellipse">
+            <a:avLst/>
+          </a:prstGeom>
+          <a:solidFill>
+            <a:srgbClr val="92D050">
+              <a:alpha val="21000"/>
+            </a:srgbClr>
+          </a:solidFill>
+          <a:ln w="47625">
+            <a:solidFill>
+              <a:srgbClr val="00B0F0"/>
+            </a:solidFill>
+          </a:ln>
+        </p:spPr>
+        <p:style>
+          <a:lnRef idx="2">
+            <a:schemeClr val="accent1">
+              <a:shade val="15000"/>
+            </a:schemeClr>
+          </a:lnRef>
+          <a:fillRef idx="1">
+            <a:schemeClr val="accent1"/>
+          </a:fillRef>
+          <a:effectRef idx="0">
+            <a:schemeClr val="accent1"/>
+          </a:effectRef>
+          <a:fontRef idx="minor">
+            <a:schemeClr val="lt1"/>
+          </a:fontRef>
+        </p:style>
+        <p:txBody>
+          <a:bodyPr rtlCol="0" anchor="ctr"/>
+          <a:lstStyle/>
+          <a:p>
+            <a:pPr algn="ctr"/>
+            <a:endParaRPr lang="en-CA"/>
+          </a:p>
+        </p:txBody>
+      </p:sp>
+      <p:sp>
+        <p:nvSpPr>
+          <p:cNvPr id="23" name="Oval 22">
+            <a:extLst>
+              <a:ext uri="{FF2B5EF4-FFF2-40B4-BE49-F238E27FC236}">
+                <a16:creationId xmlns:a16="http://schemas.microsoft.com/office/drawing/2014/main" id="{7C705C19-8806-441A-063A-727A85A97E8B}"/>
+              </a:ext>
+            </a:extLst>
+          </p:cNvPr>
+          <p:cNvSpPr/>
+          <p:nvPr/>
+        </p:nvSpPr>
+        <p:spPr>
+          <a:xfrm>
+            <a:off x="3011332" y="4019920"/>
+            <a:ext cx="855407" cy="855407"/>
+          </a:xfrm>
+          <a:prstGeom prst="ellipse">
+            <a:avLst/>
+          </a:prstGeom>
+          <a:solidFill>
+            <a:srgbClr val="7030A0"/>
+          </a:solidFill>
+        </p:spPr>
+        <p:style>
+          <a:lnRef idx="2">
+            <a:schemeClr val="accent1">
+              <a:shade val="15000"/>
+            </a:schemeClr>
+          </a:lnRef>
+          <a:fillRef idx="1">
+            <a:schemeClr val="accent1"/>
+          </a:fillRef>
+          <a:effectRef idx="0">
+            <a:schemeClr val="accent1"/>
+          </a:effectRef>
+          <a:fontRef idx="minor">
+            <a:schemeClr val="lt1"/>
+          </a:fontRef>
+        </p:style>
+        <p:txBody>
+          <a:bodyPr rtlCol="0" anchor="ctr"/>
+          <a:lstStyle/>
+          <a:p>
+            <a:pPr algn="ctr"/>
+            <a:endParaRPr lang="en-CA"/>
+          </a:p>
+        </p:txBody>
+      </p:sp>
+      <p:sp>
+        <p:nvSpPr>
+          <p:cNvPr id="24" name="TextBox 23">
+            <a:extLst>
+              <a:ext uri="{FF2B5EF4-FFF2-40B4-BE49-F238E27FC236}">
+                <a16:creationId xmlns:a16="http://schemas.microsoft.com/office/drawing/2014/main" id="{34080541-C75D-66B3-2437-F8533438F521}"/>
+              </a:ext>
+            </a:extLst>
+          </p:cNvPr>
+          <p:cNvSpPr txBox="1"/>
+          <p:nvPr/>
+        </p:nvSpPr>
+        <p:spPr>
+          <a:xfrm>
+            <a:off x="1215650" y="2697539"/>
+            <a:ext cx="1301380" cy="369332"/>
+          </a:xfrm>
+          <a:prstGeom prst="rect">
+            <a:avLst/>
+          </a:prstGeom>
+          <a:noFill/>
+        </p:spPr>
+        <p:txBody>
+          <a:bodyPr wrap="square" rtlCol="0">
+            <a:spAutoFit/>
+          </a:bodyPr>
+          <a:lstStyle/>
+          <a:p>
+            <a:r>
+              <a:rPr lang="en-CA" dirty="0"/>
+              <a:t>t = 16.0 </a:t>
+            </a:r>
+            <a:r>
+              <a:rPr lang="en-CA" dirty="0" err="1"/>
+              <a:t>ms</a:t>
+            </a:r>
+            <a:endParaRPr lang="en-CA" dirty="0"/>
+          </a:p>
+        </p:txBody>
+      </p:sp>
+      <p:sp>
+        <p:nvSpPr>
+          <p:cNvPr id="25" name="TextBox 24">
+            <a:extLst>
+              <a:ext uri="{FF2B5EF4-FFF2-40B4-BE49-F238E27FC236}">
+                <a16:creationId xmlns:a16="http://schemas.microsoft.com/office/drawing/2014/main" id="{9E068674-9C87-4A33-DD1E-48A2C260BD57}"/>
+              </a:ext>
+            </a:extLst>
+          </p:cNvPr>
+          <p:cNvSpPr txBox="1"/>
+          <p:nvPr/>
+        </p:nvSpPr>
+        <p:spPr>
+          <a:xfrm>
+            <a:off x="1313999" y="5695065"/>
+            <a:ext cx="1301380" cy="369332"/>
+          </a:xfrm>
+          <a:prstGeom prst="rect">
+            <a:avLst/>
+          </a:prstGeom>
+          <a:noFill/>
+        </p:spPr>
+        <p:txBody>
+          <a:bodyPr wrap="square" rtlCol="0">
+            <a:spAutoFit/>
+          </a:bodyPr>
+          <a:lstStyle/>
+          <a:p>
+            <a:r>
+              <a:rPr lang="en-CA" dirty="0"/>
+              <a:t>t = 32.0 </a:t>
+            </a:r>
+            <a:r>
+              <a:rPr lang="en-CA" dirty="0" err="1"/>
+              <a:t>ms</a:t>
+            </a:r>
+            <a:endParaRPr lang="en-CA" dirty="0"/>
+          </a:p>
+        </p:txBody>
+      </p:sp>
+      <p:sp>
+        <p:nvSpPr>
+          <p:cNvPr id="26" name="TextBox 25">
+            <a:extLst>
+              <a:ext uri="{FF2B5EF4-FFF2-40B4-BE49-F238E27FC236}">
+                <a16:creationId xmlns:a16="http://schemas.microsoft.com/office/drawing/2014/main" id="{8E68B874-E0E7-C8A8-C37E-D14B1D270CDB}"/>
+              </a:ext>
+            </a:extLst>
+          </p:cNvPr>
+          <p:cNvSpPr txBox="1"/>
+          <p:nvPr/>
+        </p:nvSpPr>
+        <p:spPr>
+          <a:xfrm>
+            <a:off x="1008906" y="4107001"/>
+            <a:ext cx="1566312" cy="646331"/>
+          </a:xfrm>
+          <a:prstGeom prst="rect">
+            <a:avLst/>
+          </a:prstGeom>
+          <a:noFill/>
+        </p:spPr>
+        <p:txBody>
+          <a:bodyPr wrap="square" rtlCol="0">
+            <a:spAutoFit/>
+          </a:bodyPr>
+          <a:lstStyle/>
+          <a:p>
+            <a:r>
+              <a:rPr lang="en-CA" dirty="0"/>
+              <a:t>t = 24.96  </a:t>
+            </a:r>
+            <a:r>
+              <a:rPr lang="en-CA" dirty="0" err="1"/>
+              <a:t>ms</a:t>
+            </a:r>
+            <a:endParaRPr lang="en-CA" dirty="0"/>
+          </a:p>
+          <a:p>
+            <a:r>
+              <a:rPr lang="en-CA" dirty="0"/>
+              <a:t> or 8.96 </a:t>
+            </a:r>
+            <a:r>
+              <a:rPr lang="en-CA" dirty="0" err="1"/>
+              <a:t>ms</a:t>
+            </a:r>
+            <a:endParaRPr lang="en-CA" dirty="0"/>
+          </a:p>
+        </p:txBody>
+      </p:sp>
+      <p:sp>
+        <p:nvSpPr>
+          <p:cNvPr id="27" name="Oval 26">
+            <a:extLst>
+              <a:ext uri="{FF2B5EF4-FFF2-40B4-BE49-F238E27FC236}">
+                <a16:creationId xmlns:a16="http://schemas.microsoft.com/office/drawing/2014/main" id="{64657FAF-F2BE-0C0D-F245-67B173E3F922}"/>
+              </a:ext>
+            </a:extLst>
+          </p:cNvPr>
+          <p:cNvSpPr/>
+          <p:nvPr/>
+        </p:nvSpPr>
+        <p:spPr>
+          <a:xfrm>
+            <a:off x="3266193" y="3044403"/>
+            <a:ext cx="855407" cy="855407"/>
+          </a:xfrm>
+          <a:prstGeom prst="ellipse">
+            <a:avLst/>
+          </a:prstGeom>
+        </p:spPr>
+        <p:style>
+          <a:lnRef idx="2">
+            <a:schemeClr val="accent1">
+              <a:shade val="15000"/>
+            </a:schemeClr>
+          </a:lnRef>
+          <a:fillRef idx="1">
+            <a:schemeClr val="accent1"/>
+          </a:fillRef>
+          <a:effectRef idx="0">
+            <a:schemeClr val="accent1"/>
+          </a:effectRef>
+          <a:fontRef idx="minor">
+            <a:schemeClr val="lt1"/>
+          </a:fontRef>
+        </p:style>
+        <p:txBody>
+          <a:bodyPr rtlCol="0" anchor="ctr"/>
+          <a:lstStyle/>
+          <a:p>
+            <a:pPr algn="ctr"/>
+            <a:endParaRPr lang="en-CA"/>
+          </a:p>
+        </p:txBody>
+      </p:sp>
+      <p:sp>
+        <p:nvSpPr>
+          <p:cNvPr id="28" name="TextBox 27">
+            <a:extLst>
+              <a:ext uri="{FF2B5EF4-FFF2-40B4-BE49-F238E27FC236}">
+                <a16:creationId xmlns:a16="http://schemas.microsoft.com/office/drawing/2014/main" id="{225BBD73-43D8-DA0E-0141-8222E089343E}"/>
+              </a:ext>
+            </a:extLst>
+          </p:cNvPr>
+          <p:cNvSpPr txBox="1"/>
+          <p:nvPr/>
+        </p:nvSpPr>
+        <p:spPr>
+          <a:xfrm>
+            <a:off x="4471259" y="3170785"/>
+            <a:ext cx="1566312" cy="369332"/>
+          </a:xfrm>
+          <a:prstGeom prst="rect">
+            <a:avLst/>
+          </a:prstGeom>
+          <a:noFill/>
+        </p:spPr>
+        <p:txBody>
+          <a:bodyPr wrap="square" rtlCol="0">
+            <a:spAutoFit/>
+          </a:bodyPr>
+          <a:lstStyle/>
+          <a:p>
+            <a:r>
+              <a:rPr lang="en-CA" dirty="0"/>
+              <a:t>t + 7.04ms</a:t>
+            </a:r>
+          </a:p>
+        </p:txBody>
+      </p:sp>
+      <p:sp>
+        <p:nvSpPr>
+          <p:cNvPr id="29" name="Oval 28">
+            <a:extLst>
+              <a:ext uri="{FF2B5EF4-FFF2-40B4-BE49-F238E27FC236}">
+                <a16:creationId xmlns:a16="http://schemas.microsoft.com/office/drawing/2014/main" id="{D46B55E2-192E-7E59-0380-43AFCD5031CF}"/>
+              </a:ext>
+            </a:extLst>
+          </p:cNvPr>
+          <p:cNvSpPr/>
+          <p:nvPr/>
+        </p:nvSpPr>
+        <p:spPr>
+          <a:xfrm>
+            <a:off x="4121600" y="1522581"/>
+            <a:ext cx="855407" cy="855407"/>
+          </a:xfrm>
+          <a:prstGeom prst="ellipse">
+            <a:avLst/>
+          </a:prstGeom>
+        </p:spPr>
+        <p:style>
+          <a:lnRef idx="2">
+            <a:schemeClr val="accent1">
+              <a:shade val="15000"/>
+            </a:schemeClr>
+          </a:lnRef>
+          <a:fillRef idx="1">
+            <a:schemeClr val="accent1"/>
+          </a:fillRef>
+          <a:effectRef idx="0">
+            <a:schemeClr val="accent1"/>
+          </a:effectRef>
+          <a:fontRef idx="minor">
+            <a:schemeClr val="lt1"/>
+          </a:fontRef>
+        </p:style>
+        <p:txBody>
+          <a:bodyPr rtlCol="0" anchor="ctr"/>
+          <a:lstStyle/>
+          <a:p>
+            <a:pPr algn="ctr"/>
+            <a:endParaRPr lang="en-CA"/>
+          </a:p>
+        </p:txBody>
+      </p:sp>
+      <p:sp>
+        <p:nvSpPr>
+          <p:cNvPr id="30" name="Oval 29">
+            <a:extLst>
+              <a:ext uri="{FF2B5EF4-FFF2-40B4-BE49-F238E27FC236}">
+                <a16:creationId xmlns:a16="http://schemas.microsoft.com/office/drawing/2014/main" id="{83FD3619-F4A4-1662-4866-E9309FF04278}"/>
+              </a:ext>
+            </a:extLst>
+          </p:cNvPr>
+          <p:cNvSpPr/>
+          <p:nvPr/>
+        </p:nvSpPr>
+        <p:spPr>
+          <a:xfrm>
+            <a:off x="3144254" y="4565621"/>
+            <a:ext cx="626312" cy="626312"/>
+          </a:xfrm>
+          <a:prstGeom prst="ellipse">
+            <a:avLst/>
+          </a:prstGeom>
+          <a:solidFill>
+            <a:srgbClr val="92D050">
+              <a:alpha val="21000"/>
+            </a:srgbClr>
+          </a:solidFill>
+          <a:ln w="47625">
+            <a:solidFill>
+              <a:srgbClr val="00B0F0"/>
+            </a:solidFill>
+          </a:ln>
+        </p:spPr>
+        <p:style>
+          <a:lnRef idx="2">
+            <a:schemeClr val="accent1">
+              <a:shade val="15000"/>
+            </a:schemeClr>
+          </a:lnRef>
+          <a:fillRef idx="1">
+            <a:schemeClr val="accent1"/>
+          </a:fillRef>
+          <a:effectRef idx="0">
+            <a:schemeClr val="accent1"/>
+          </a:effectRef>
+          <a:fontRef idx="minor">
+            <a:schemeClr val="lt1"/>
+          </a:fontRef>
+        </p:style>
+        <p:txBody>
+          <a:bodyPr rtlCol="0" anchor="ctr"/>
+          <a:lstStyle/>
+          <a:p>
+            <a:pPr algn="ctr"/>
+            <a:endParaRPr lang="en-CA"/>
+          </a:p>
+        </p:txBody>
+      </p:sp>
+      <p:sp>
+        <p:nvSpPr>
+          <p:cNvPr id="31" name="Oval 30">
+            <a:extLst>
+              <a:ext uri="{FF2B5EF4-FFF2-40B4-BE49-F238E27FC236}">
+                <a16:creationId xmlns:a16="http://schemas.microsoft.com/office/drawing/2014/main" id="{156B2DFD-075D-5837-3790-73E441F2A0E9}"/>
+              </a:ext>
+            </a:extLst>
+          </p:cNvPr>
+          <p:cNvSpPr/>
+          <p:nvPr/>
+        </p:nvSpPr>
+        <p:spPr>
+          <a:xfrm>
+            <a:off x="3224407" y="5241567"/>
+            <a:ext cx="582852" cy="582852"/>
+          </a:xfrm>
+          <a:prstGeom prst="ellipse">
+            <a:avLst/>
+          </a:prstGeom>
+          <a:solidFill>
+            <a:srgbClr val="92D050">
+              <a:alpha val="21000"/>
+            </a:srgbClr>
+          </a:solidFill>
+          <a:ln w="47625">
+            <a:solidFill>
+              <a:srgbClr val="00B0F0"/>
+            </a:solidFill>
+          </a:ln>
+        </p:spPr>
+        <p:style>
+          <a:lnRef idx="2">
+            <a:schemeClr val="accent1">
+              <a:shade val="15000"/>
+            </a:schemeClr>
+          </a:lnRef>
+          <a:fillRef idx="1">
+            <a:schemeClr val="accent1"/>
+          </a:fillRef>
+          <a:effectRef idx="0">
+            <a:schemeClr val="accent1"/>
+          </a:effectRef>
+          <a:fontRef idx="minor">
+            <a:schemeClr val="lt1"/>
+          </a:fontRef>
+        </p:style>
+        <p:txBody>
+          <a:bodyPr rtlCol="0" anchor="ctr"/>
+          <a:lstStyle/>
+          <a:p>
+            <a:pPr algn="ctr"/>
+            <a:endParaRPr lang="en-CA"/>
+          </a:p>
+        </p:txBody>
+      </p:sp>
+    </p:spTree>
+    <p:extLst>
+      <p:ext uri="{BB962C8B-B14F-4D97-AF65-F5344CB8AC3E}">
+        <p14:creationId xmlns:p14="http://schemas.microsoft.com/office/powerpoint/2010/main" val="2162495524"/>
+      </p:ext>
+    </p:extLst>
+  </p:cSld>
+  <p:clrMapOvr>
+    <a:masterClrMapping/>
+  </p:clrMapOvr>
+</p:sld>
+</file>
+
+<file path=ppt/slides/slide22.xml><?xml version="1.0" encoding="utf-8"?>
+<p:sld xmlns:a="http://schemas.openxmlformats.org/drawingml/2006/main" xmlns:r="http://schemas.openxmlformats.org/officeDocument/2006/relationships" xmlns:p="http://schemas.openxmlformats.org/presentationml/2006/main">
+  <p:cSld>
+    <p:spTree>
+      <p:nvGrpSpPr>
+        <p:cNvPr id="1" name=""/>
+        <p:cNvGrpSpPr/>
+        <p:nvPr/>
+      </p:nvGrpSpPr>
+      <p:grpSpPr>
+        <a:xfrm>
+          <a:off x="0" y="0"/>
+          <a:ext cx="0" cy="0"/>
+          <a:chOff x="0" y="0"/>
+          <a:chExt cx="0" cy="0"/>
+        </a:xfrm>
+      </p:grpSpPr>
+      <p:sp>
+        <p:nvSpPr>
+          <p:cNvPr id="2" name="Title 1">
+            <a:extLst>
+              <a:ext uri="{FF2B5EF4-FFF2-40B4-BE49-F238E27FC236}">
+                <a16:creationId xmlns:a16="http://schemas.microsoft.com/office/drawing/2014/main" id="{9E62ADAB-A334-DE6A-7FF2-5B8E9AF4381C}"/>
+              </a:ext>
+            </a:extLst>
+          </p:cNvPr>
+          <p:cNvSpPr>
+            <a:spLocks noGrp="1"/>
+          </p:cNvSpPr>
+          <p:nvPr>
+            <p:ph type="title"/>
+          </p:nvPr>
+        </p:nvSpPr>
+        <p:spPr>
+          <a:xfrm>
+            <a:off x="913795" y="363793"/>
+            <a:ext cx="10353762" cy="970450"/>
+          </a:xfrm>
+        </p:spPr>
+        <p:txBody>
+          <a:bodyPr/>
+          <a:lstStyle/>
+          <a:p>
+            <a:r>
+              <a:rPr lang="en-CA" dirty="0"/>
+              <a:t>Bouncing ball</a:t>
+            </a:r>
+          </a:p>
+        </p:txBody>
+      </p:sp>
+      <p:sp>
+        <p:nvSpPr>
+          <p:cNvPr id="5" name="Rectangle 4">
+            <a:extLst>
+              <a:ext uri="{FF2B5EF4-FFF2-40B4-BE49-F238E27FC236}">
+                <a16:creationId xmlns:a16="http://schemas.microsoft.com/office/drawing/2014/main" id="{23F59EF0-5549-A20C-CC0E-3D18DF81A649}"/>
+              </a:ext>
+            </a:extLst>
+          </p:cNvPr>
+          <p:cNvSpPr/>
+          <p:nvPr/>
+        </p:nvSpPr>
+        <p:spPr>
+          <a:xfrm>
+            <a:off x="186405" y="4857135"/>
+            <a:ext cx="11808542" cy="294968"/>
+          </a:xfrm>
+          <a:prstGeom prst="rect">
+            <a:avLst/>
+          </a:prstGeom>
+        </p:spPr>
+        <p:style>
+          <a:lnRef idx="2">
+            <a:schemeClr val="accent1">
+              <a:shade val="15000"/>
+            </a:schemeClr>
+          </a:lnRef>
+          <a:fillRef idx="1">
+            <a:schemeClr val="accent1"/>
+          </a:fillRef>
+          <a:effectRef idx="0">
+            <a:schemeClr val="accent1"/>
+          </a:effectRef>
+          <a:fontRef idx="minor">
+            <a:schemeClr val="lt1"/>
+          </a:fontRef>
+        </p:style>
+        <p:txBody>
+          <a:bodyPr rtlCol="0" anchor="ctr"/>
+          <a:lstStyle/>
+          <a:p>
+            <a:pPr algn="ctr"/>
+            <a:endParaRPr lang="en-CA"/>
+          </a:p>
+        </p:txBody>
+      </p:sp>
+      <p:sp>
+        <p:nvSpPr>
+          <p:cNvPr id="11" name="Rectangle 10">
+            <a:extLst>
+              <a:ext uri="{FF2B5EF4-FFF2-40B4-BE49-F238E27FC236}">
+                <a16:creationId xmlns:a16="http://schemas.microsoft.com/office/drawing/2014/main" id="{54B8CEB6-14DC-8026-AF9D-5ECEFE07FA42}"/>
+              </a:ext>
+            </a:extLst>
+          </p:cNvPr>
+          <p:cNvSpPr/>
+          <p:nvPr/>
+        </p:nvSpPr>
+        <p:spPr>
+          <a:xfrm>
+            <a:off x="0" y="5152103"/>
+            <a:ext cx="12309987" cy="4003472"/>
+          </a:xfrm>
+          <a:prstGeom prst="rect">
+            <a:avLst/>
+          </a:prstGeom>
+          <a:solidFill>
+            <a:schemeClr val="bg1"/>
+          </a:solidFill>
+          <a:ln>
+            <a:solidFill>
+              <a:schemeClr val="bg1"/>
+            </a:solidFill>
+          </a:ln>
+        </p:spPr>
+        <p:style>
+          <a:lnRef idx="2">
+            <a:schemeClr val="accent1">
+              <a:shade val="15000"/>
+            </a:schemeClr>
+          </a:lnRef>
+          <a:fillRef idx="1">
+            <a:schemeClr val="accent1"/>
+          </a:fillRef>
+          <a:effectRef idx="0">
+            <a:schemeClr val="accent1"/>
+          </a:effectRef>
+          <a:fontRef idx="minor">
+            <a:schemeClr val="lt1"/>
+          </a:fontRef>
+        </p:style>
+        <p:txBody>
+          <a:bodyPr rtlCol="0" anchor="ctr"/>
+          <a:lstStyle/>
+          <a:p>
+            <a:pPr algn="ctr"/>
+            <a:endParaRPr lang="en-CA"/>
+          </a:p>
+        </p:txBody>
+      </p:sp>
+      <p:sp>
+        <p:nvSpPr>
+          <p:cNvPr id="8" name="Oval 7">
+            <a:extLst>
+              <a:ext uri="{FF2B5EF4-FFF2-40B4-BE49-F238E27FC236}">
+                <a16:creationId xmlns:a16="http://schemas.microsoft.com/office/drawing/2014/main" id="{F9207179-5870-B598-3918-1A74A6CA0878}"/>
+              </a:ext>
+            </a:extLst>
+          </p:cNvPr>
+          <p:cNvSpPr/>
+          <p:nvPr/>
+        </p:nvSpPr>
+        <p:spPr>
+          <a:xfrm>
+            <a:off x="609598" y="949811"/>
+            <a:ext cx="5111611" cy="8003459"/>
+          </a:xfrm>
+          <a:prstGeom prst="ellipse">
+            <a:avLst/>
+          </a:prstGeom>
+          <a:noFill/>
+          <a:ln w="57150">
+            <a:solidFill>
+              <a:srgbClr val="FFFF00"/>
+            </a:solidFill>
+          </a:ln>
+        </p:spPr>
+        <p:style>
+          <a:lnRef idx="2">
+            <a:schemeClr val="accent1">
+              <a:shade val="15000"/>
+            </a:schemeClr>
+          </a:lnRef>
+          <a:fillRef idx="1">
+            <a:schemeClr val="accent1"/>
+          </a:fillRef>
+          <a:effectRef idx="0">
+            <a:schemeClr val="accent1"/>
+          </a:effectRef>
+          <a:fontRef idx="minor">
+            <a:schemeClr val="lt1"/>
+          </a:fontRef>
+        </p:style>
+        <p:txBody>
+          <a:bodyPr rtlCol="0" anchor="ctr"/>
+          <a:lstStyle/>
+          <a:p>
+            <a:pPr algn="ctr"/>
+            <a:endParaRPr lang="en-CA"/>
+          </a:p>
+        </p:txBody>
+      </p:sp>
+      <p:sp>
+        <p:nvSpPr>
+          <p:cNvPr id="9" name="Oval 8">
+            <a:extLst>
+              <a:ext uri="{FF2B5EF4-FFF2-40B4-BE49-F238E27FC236}">
+                <a16:creationId xmlns:a16="http://schemas.microsoft.com/office/drawing/2014/main" id="{81CE8019-E423-7AEE-EB8F-B8EF09E3FE67}"/>
+              </a:ext>
+            </a:extLst>
+          </p:cNvPr>
+          <p:cNvSpPr/>
+          <p:nvPr/>
+        </p:nvSpPr>
+        <p:spPr>
+          <a:xfrm>
+            <a:off x="5668148" y="1908457"/>
+            <a:ext cx="5111611" cy="6086167"/>
+          </a:xfrm>
+          <a:prstGeom prst="ellipse">
+            <a:avLst/>
+          </a:prstGeom>
+          <a:noFill/>
+          <a:ln w="57150">
+            <a:solidFill>
+              <a:srgbClr val="FFFF00"/>
+            </a:solidFill>
+          </a:ln>
+        </p:spPr>
+        <p:style>
+          <a:lnRef idx="2">
+            <a:schemeClr val="accent1">
+              <a:shade val="15000"/>
+            </a:schemeClr>
+          </a:lnRef>
+          <a:fillRef idx="1">
+            <a:schemeClr val="accent1"/>
+          </a:fillRef>
+          <a:effectRef idx="0">
+            <a:schemeClr val="accent1"/>
+          </a:effectRef>
+          <a:fontRef idx="minor">
+            <a:schemeClr val="lt1"/>
+          </a:fontRef>
+        </p:style>
+        <p:txBody>
+          <a:bodyPr rtlCol="0" anchor="ctr"/>
+          <a:lstStyle/>
+          <a:p>
+            <a:pPr algn="ctr"/>
+            <a:endParaRPr lang="en-CA"/>
+          </a:p>
+        </p:txBody>
+      </p:sp>
+      <p:sp>
+        <p:nvSpPr>
+          <p:cNvPr id="18" name="Oval 17">
+            <a:extLst>
+              <a:ext uri="{FF2B5EF4-FFF2-40B4-BE49-F238E27FC236}">
+                <a16:creationId xmlns:a16="http://schemas.microsoft.com/office/drawing/2014/main" id="{BFFEC0EB-4A0A-2932-6556-0A24B96DA73F}"/>
+              </a:ext>
+            </a:extLst>
+          </p:cNvPr>
+          <p:cNvSpPr/>
+          <p:nvPr/>
+        </p:nvSpPr>
+        <p:spPr>
+          <a:xfrm>
+            <a:off x="3520212" y="3023793"/>
+            <a:ext cx="3235271" cy="2774115"/>
+          </a:xfrm>
+          <a:prstGeom prst="ellipse">
+            <a:avLst/>
+          </a:prstGeom>
+          <a:solidFill>
+            <a:srgbClr val="92D050">
+              <a:alpha val="21000"/>
+            </a:srgbClr>
+          </a:solidFill>
+          <a:ln w="47625">
+            <a:solidFill>
+              <a:srgbClr val="00B0F0"/>
+            </a:solidFill>
+          </a:ln>
+        </p:spPr>
+        <p:style>
+          <a:lnRef idx="2">
+            <a:schemeClr val="accent1">
+              <a:shade val="15000"/>
+            </a:schemeClr>
+          </a:lnRef>
+          <a:fillRef idx="1">
+            <a:schemeClr val="accent1"/>
+          </a:fillRef>
+          <a:effectRef idx="0">
+            <a:schemeClr val="accent1"/>
+          </a:effectRef>
+          <a:fontRef idx="minor">
+            <a:schemeClr val="lt1"/>
+          </a:fontRef>
+        </p:style>
+        <p:txBody>
+          <a:bodyPr rtlCol="0" anchor="ctr"/>
+          <a:lstStyle/>
+          <a:p>
+            <a:pPr algn="ctr"/>
+            <a:endParaRPr lang="en-CA"/>
+          </a:p>
+        </p:txBody>
+      </p:sp>
+      <p:sp>
+        <p:nvSpPr>
+          <p:cNvPr id="19" name="Oval 18">
+            <a:extLst>
+              <a:ext uri="{FF2B5EF4-FFF2-40B4-BE49-F238E27FC236}">
+                <a16:creationId xmlns:a16="http://schemas.microsoft.com/office/drawing/2014/main" id="{FF654D9F-8A3F-A5DC-F51C-316EC5AFC386}"/>
+              </a:ext>
+            </a:extLst>
+          </p:cNvPr>
+          <p:cNvSpPr/>
+          <p:nvPr/>
+        </p:nvSpPr>
+        <p:spPr>
+          <a:xfrm>
+            <a:off x="4350387" y="3030827"/>
+            <a:ext cx="1654180" cy="1418393"/>
+          </a:xfrm>
+          <a:prstGeom prst="ellipse">
+            <a:avLst/>
+          </a:prstGeom>
+          <a:solidFill>
+            <a:srgbClr val="92D050">
+              <a:alpha val="21000"/>
+            </a:srgbClr>
+          </a:solidFill>
+          <a:ln w="47625">
+            <a:solidFill>
+              <a:srgbClr val="00B0F0"/>
+            </a:solidFill>
+          </a:ln>
+        </p:spPr>
+        <p:style>
+          <a:lnRef idx="2">
+            <a:schemeClr val="accent1">
+              <a:shade val="15000"/>
+            </a:schemeClr>
+          </a:lnRef>
+          <a:fillRef idx="1">
+            <a:schemeClr val="accent1"/>
+          </a:fillRef>
+          <a:effectRef idx="0">
+            <a:schemeClr val="accent1"/>
+          </a:effectRef>
+          <a:fontRef idx="minor">
+            <a:schemeClr val="lt1"/>
+          </a:fontRef>
+        </p:style>
+        <p:txBody>
+          <a:bodyPr rtlCol="0" anchor="ctr"/>
+          <a:lstStyle/>
+          <a:p>
+            <a:pPr algn="ctr"/>
+            <a:endParaRPr lang="en-CA"/>
+          </a:p>
+        </p:txBody>
+      </p:sp>
+      <p:sp>
+        <p:nvSpPr>
+          <p:cNvPr id="20" name="Oval 19">
+            <a:extLst>
+              <a:ext uri="{FF2B5EF4-FFF2-40B4-BE49-F238E27FC236}">
+                <a16:creationId xmlns:a16="http://schemas.microsoft.com/office/drawing/2014/main" id="{D1B2C13F-781C-CA4A-6473-E8D41386EFB7}"/>
+              </a:ext>
+            </a:extLst>
+          </p:cNvPr>
+          <p:cNvSpPr/>
+          <p:nvPr/>
+        </p:nvSpPr>
+        <p:spPr>
+          <a:xfrm>
+            <a:off x="4442834" y="4468262"/>
+            <a:ext cx="1593831" cy="1366646"/>
+          </a:xfrm>
+          <a:prstGeom prst="ellipse">
+            <a:avLst/>
+          </a:prstGeom>
+          <a:solidFill>
+            <a:srgbClr val="92D050">
+              <a:alpha val="21000"/>
+            </a:srgbClr>
+          </a:solidFill>
+          <a:ln w="47625">
+            <a:solidFill>
+              <a:srgbClr val="00B0F0"/>
+            </a:solidFill>
+          </a:ln>
+        </p:spPr>
+        <p:style>
+          <a:lnRef idx="2">
+            <a:schemeClr val="accent1">
+              <a:shade val="15000"/>
+            </a:schemeClr>
+          </a:lnRef>
+          <a:fillRef idx="1">
+            <a:schemeClr val="accent1"/>
+          </a:fillRef>
+          <a:effectRef idx="0">
+            <a:schemeClr val="accent1"/>
+          </a:effectRef>
+          <a:fontRef idx="minor">
+            <a:schemeClr val="lt1"/>
+          </a:fontRef>
+        </p:style>
+        <p:txBody>
+          <a:bodyPr rtlCol="0" anchor="ctr"/>
+          <a:lstStyle/>
+          <a:p>
+            <a:pPr algn="ctr"/>
+            <a:endParaRPr lang="en-CA"/>
+          </a:p>
+        </p:txBody>
+      </p:sp>
+      <p:sp>
+        <p:nvSpPr>
+          <p:cNvPr id="23" name="Oval 22">
+            <a:extLst>
+              <a:ext uri="{FF2B5EF4-FFF2-40B4-BE49-F238E27FC236}">
+                <a16:creationId xmlns:a16="http://schemas.microsoft.com/office/drawing/2014/main" id="{7C705C19-8806-441A-063A-727A85A97E8B}"/>
+              </a:ext>
+            </a:extLst>
+          </p:cNvPr>
+          <p:cNvSpPr/>
+          <p:nvPr/>
+        </p:nvSpPr>
+        <p:spPr>
+          <a:xfrm>
+            <a:off x="5211526" y="4070959"/>
+            <a:ext cx="957203" cy="855407"/>
+          </a:xfrm>
+          <a:prstGeom prst="ellipse">
+            <a:avLst/>
+          </a:prstGeom>
+          <a:solidFill>
+            <a:srgbClr val="7030A0"/>
+          </a:solidFill>
+        </p:spPr>
+        <p:style>
+          <a:lnRef idx="2">
+            <a:schemeClr val="accent1">
+              <a:shade val="15000"/>
+            </a:schemeClr>
+          </a:lnRef>
+          <a:fillRef idx="1">
+            <a:schemeClr val="accent1"/>
+          </a:fillRef>
+          <a:effectRef idx="0">
+            <a:schemeClr val="accent1"/>
+          </a:effectRef>
+          <a:fontRef idx="minor">
+            <a:schemeClr val="lt1"/>
+          </a:fontRef>
+        </p:style>
+        <p:txBody>
+          <a:bodyPr rtlCol="0" anchor="ctr"/>
+          <a:lstStyle/>
+          <a:p>
+            <a:pPr algn="ctr"/>
+            <a:endParaRPr lang="en-CA"/>
+          </a:p>
+        </p:txBody>
+      </p:sp>
+      <p:sp>
+        <p:nvSpPr>
+          <p:cNvPr id="24" name="TextBox 23">
+            <a:extLst>
+              <a:ext uri="{FF2B5EF4-FFF2-40B4-BE49-F238E27FC236}">
+                <a16:creationId xmlns:a16="http://schemas.microsoft.com/office/drawing/2014/main" id="{34080541-C75D-66B3-2437-F8533438F521}"/>
+              </a:ext>
+            </a:extLst>
+          </p:cNvPr>
+          <p:cNvSpPr txBox="1"/>
+          <p:nvPr/>
+        </p:nvSpPr>
+        <p:spPr>
+          <a:xfrm>
+            <a:off x="1692329" y="2697539"/>
+            <a:ext cx="2324961" cy="369332"/>
+          </a:xfrm>
+          <a:prstGeom prst="rect">
+            <a:avLst/>
+          </a:prstGeom>
+          <a:noFill/>
+        </p:spPr>
+        <p:txBody>
+          <a:bodyPr wrap="square" rtlCol="0">
+            <a:spAutoFit/>
+          </a:bodyPr>
+          <a:lstStyle/>
+          <a:p>
+            <a:r>
+              <a:rPr lang="en-CA" dirty="0"/>
+              <a:t>t = 16.0 </a:t>
+            </a:r>
+            <a:r>
+              <a:rPr lang="en-CA" dirty="0" err="1"/>
+              <a:t>ms</a:t>
+            </a:r>
+            <a:endParaRPr lang="en-CA" dirty="0"/>
+          </a:p>
+        </p:txBody>
+      </p:sp>
+      <p:sp>
+        <p:nvSpPr>
+          <p:cNvPr id="25" name="TextBox 24">
+            <a:extLst>
+              <a:ext uri="{FF2B5EF4-FFF2-40B4-BE49-F238E27FC236}">
+                <a16:creationId xmlns:a16="http://schemas.microsoft.com/office/drawing/2014/main" id="{9E068674-9C87-4A33-DD1E-48A2C260BD57}"/>
+              </a:ext>
+            </a:extLst>
+          </p:cNvPr>
+          <p:cNvSpPr txBox="1"/>
+          <p:nvPr/>
+        </p:nvSpPr>
+        <p:spPr>
+          <a:xfrm>
+            <a:off x="1868033" y="5695065"/>
+            <a:ext cx="2324961" cy="369332"/>
+          </a:xfrm>
+          <a:prstGeom prst="rect">
+            <a:avLst/>
+          </a:prstGeom>
+          <a:noFill/>
+        </p:spPr>
+        <p:txBody>
+          <a:bodyPr wrap="square" rtlCol="0">
+            <a:spAutoFit/>
+          </a:bodyPr>
+          <a:lstStyle/>
+          <a:p>
+            <a:r>
+              <a:rPr lang="en-CA" dirty="0"/>
+              <a:t>t = 32.0 </a:t>
+            </a:r>
+            <a:r>
+              <a:rPr lang="en-CA" dirty="0" err="1"/>
+              <a:t>ms</a:t>
+            </a:r>
+            <a:endParaRPr lang="en-CA" dirty="0"/>
+          </a:p>
+        </p:txBody>
+      </p:sp>
+      <p:sp>
+        <p:nvSpPr>
+          <p:cNvPr id="26" name="TextBox 25">
+            <a:extLst>
+              <a:ext uri="{FF2B5EF4-FFF2-40B4-BE49-F238E27FC236}">
+                <a16:creationId xmlns:a16="http://schemas.microsoft.com/office/drawing/2014/main" id="{8E68B874-E0E7-C8A8-C37E-D14B1D270CDB}"/>
+              </a:ext>
+            </a:extLst>
+          </p:cNvPr>
+          <p:cNvSpPr txBox="1"/>
+          <p:nvPr/>
+        </p:nvSpPr>
+        <p:spPr>
+          <a:xfrm>
+            <a:off x="1322974" y="4107001"/>
+            <a:ext cx="2798271" cy="646331"/>
+          </a:xfrm>
+          <a:prstGeom prst="rect">
+            <a:avLst/>
+          </a:prstGeom>
+          <a:noFill/>
+        </p:spPr>
+        <p:txBody>
+          <a:bodyPr wrap="square" rtlCol="0">
+            <a:spAutoFit/>
+          </a:bodyPr>
+          <a:lstStyle/>
+          <a:p>
+            <a:r>
+              <a:rPr lang="en-CA" dirty="0"/>
+              <a:t>t = 24.96  </a:t>
+            </a:r>
+            <a:r>
+              <a:rPr lang="en-CA" dirty="0" err="1"/>
+              <a:t>ms</a:t>
+            </a:r>
+            <a:endParaRPr lang="en-CA" dirty="0"/>
+          </a:p>
+          <a:p>
+            <a:r>
+              <a:rPr lang="en-CA" dirty="0"/>
+              <a:t> or 8.96 </a:t>
+            </a:r>
+            <a:r>
+              <a:rPr lang="en-CA" dirty="0" err="1"/>
+              <a:t>ms</a:t>
+            </a:r>
+            <a:endParaRPr lang="en-CA" dirty="0"/>
+          </a:p>
+        </p:txBody>
+      </p:sp>
+      <p:sp>
+        <p:nvSpPr>
+          <p:cNvPr id="28" name="TextBox 27">
+            <a:extLst>
+              <a:ext uri="{FF2B5EF4-FFF2-40B4-BE49-F238E27FC236}">
+                <a16:creationId xmlns:a16="http://schemas.microsoft.com/office/drawing/2014/main" id="{225BBD73-43D8-DA0E-0141-8222E089343E}"/>
+              </a:ext>
+            </a:extLst>
+          </p:cNvPr>
+          <p:cNvSpPr txBox="1"/>
+          <p:nvPr/>
+        </p:nvSpPr>
+        <p:spPr>
+          <a:xfrm>
+            <a:off x="7508589" y="3170785"/>
+            <a:ext cx="2798271" cy="369332"/>
+          </a:xfrm>
+          <a:prstGeom prst="rect">
+            <a:avLst/>
+          </a:prstGeom>
+          <a:noFill/>
+        </p:spPr>
+        <p:txBody>
+          <a:bodyPr wrap="square" rtlCol="0">
+            <a:spAutoFit/>
+          </a:bodyPr>
+          <a:lstStyle/>
+          <a:p>
+            <a:r>
+              <a:rPr lang="en-CA" dirty="0"/>
+              <a:t>t + 7.04ms</a:t>
+            </a:r>
+          </a:p>
+        </p:txBody>
+      </p:sp>
+      <p:sp>
+        <p:nvSpPr>
+          <p:cNvPr id="30" name="Oval 29">
+            <a:extLst>
+              <a:ext uri="{FF2B5EF4-FFF2-40B4-BE49-F238E27FC236}">
+                <a16:creationId xmlns:a16="http://schemas.microsoft.com/office/drawing/2014/main" id="{83FD3619-F4A4-1662-4866-E9309FF04278}"/>
+              </a:ext>
+            </a:extLst>
+          </p:cNvPr>
+          <p:cNvSpPr/>
+          <p:nvPr/>
+        </p:nvSpPr>
+        <p:spPr>
+          <a:xfrm>
+            <a:off x="5023424" y="4556187"/>
+            <a:ext cx="730427" cy="626312"/>
+          </a:xfrm>
+          <a:prstGeom prst="ellipse">
+            <a:avLst/>
+          </a:prstGeom>
+          <a:solidFill>
+            <a:srgbClr val="92D050">
+              <a:alpha val="21000"/>
+            </a:srgbClr>
+          </a:solidFill>
+          <a:ln w="47625">
+            <a:solidFill>
+              <a:srgbClr val="00B0F0"/>
+            </a:solidFill>
+          </a:ln>
+        </p:spPr>
+        <p:style>
+          <a:lnRef idx="2">
+            <a:schemeClr val="accent1">
+              <a:shade val="15000"/>
+            </a:schemeClr>
+          </a:lnRef>
+          <a:fillRef idx="1">
+            <a:schemeClr val="accent1"/>
+          </a:fillRef>
+          <a:effectRef idx="0">
+            <a:schemeClr val="accent1"/>
+          </a:effectRef>
+          <a:fontRef idx="minor">
+            <a:schemeClr val="lt1"/>
+          </a:fontRef>
+        </p:style>
+        <p:txBody>
+          <a:bodyPr rtlCol="0" anchor="ctr"/>
+          <a:lstStyle/>
+          <a:p>
+            <a:pPr algn="ctr"/>
+            <a:endParaRPr lang="en-CA"/>
+          </a:p>
+        </p:txBody>
+      </p:sp>
+      <p:sp>
+        <p:nvSpPr>
+          <p:cNvPr id="31" name="Oval 30">
+            <a:extLst>
+              <a:ext uri="{FF2B5EF4-FFF2-40B4-BE49-F238E27FC236}">
+                <a16:creationId xmlns:a16="http://schemas.microsoft.com/office/drawing/2014/main" id="{156B2DFD-075D-5837-3790-73E441F2A0E9}"/>
+              </a:ext>
+            </a:extLst>
+          </p:cNvPr>
+          <p:cNvSpPr/>
+          <p:nvPr/>
+        </p:nvSpPr>
+        <p:spPr>
+          <a:xfrm>
+            <a:off x="5166621" y="5232133"/>
+            <a:ext cx="679742" cy="582852"/>
+          </a:xfrm>
+          <a:prstGeom prst="ellipse">
+            <a:avLst/>
+          </a:prstGeom>
+          <a:solidFill>
+            <a:srgbClr val="92D050">
+              <a:alpha val="21000"/>
+            </a:srgbClr>
+          </a:solidFill>
+          <a:ln w="47625">
+            <a:solidFill>
+              <a:srgbClr val="00B0F0"/>
+            </a:solidFill>
+          </a:ln>
+        </p:spPr>
+        <p:style>
+          <a:lnRef idx="2">
+            <a:schemeClr val="accent1">
+              <a:shade val="15000"/>
+            </a:schemeClr>
+          </a:lnRef>
+          <a:fillRef idx="1">
+            <a:schemeClr val="accent1"/>
+          </a:fillRef>
+          <a:effectRef idx="0">
+            <a:schemeClr val="accent1"/>
+          </a:effectRef>
+          <a:fontRef idx="minor">
+            <a:schemeClr val="lt1"/>
+          </a:fontRef>
+        </p:style>
+        <p:txBody>
+          <a:bodyPr rtlCol="0" anchor="ctr"/>
+          <a:lstStyle/>
+          <a:p>
+            <a:pPr algn="ctr"/>
+            <a:endParaRPr lang="en-CA"/>
+          </a:p>
+        </p:txBody>
+      </p:sp>
+      <p:sp>
+        <p:nvSpPr>
+          <p:cNvPr id="7" name="Oval 6">
+            <a:extLst>
+              <a:ext uri="{FF2B5EF4-FFF2-40B4-BE49-F238E27FC236}">
+                <a16:creationId xmlns:a16="http://schemas.microsoft.com/office/drawing/2014/main" id="{8A54E6F9-7298-9267-03F5-ECBEB502B586}"/>
+              </a:ext>
+            </a:extLst>
+          </p:cNvPr>
+          <p:cNvSpPr/>
+          <p:nvPr/>
+        </p:nvSpPr>
+        <p:spPr>
+          <a:xfrm>
+            <a:off x="2672643" y="457051"/>
+            <a:ext cx="985520" cy="985520"/>
+          </a:xfrm>
+          <a:prstGeom prst="ellipse">
+            <a:avLst/>
+          </a:prstGeom>
+        </p:spPr>
+        <p:style>
+          <a:lnRef idx="2">
+            <a:schemeClr val="accent1">
+              <a:shade val="15000"/>
+            </a:schemeClr>
+          </a:lnRef>
+          <a:fillRef idx="1">
+            <a:schemeClr val="accent1"/>
+          </a:fillRef>
+          <a:effectRef idx="0">
+            <a:schemeClr val="accent1"/>
+          </a:effectRef>
+          <a:fontRef idx="minor">
+            <a:schemeClr val="lt1"/>
+          </a:fontRef>
+        </p:style>
+        <p:txBody>
+          <a:bodyPr rtlCol="0" anchor="ctr"/>
+          <a:lstStyle/>
+          <a:p>
+            <a:pPr algn="ctr"/>
+            <a:endParaRPr lang="en-CA"/>
+          </a:p>
+        </p:txBody>
+      </p:sp>
+      <p:sp>
+        <p:nvSpPr>
+          <p:cNvPr id="12" name="Oval 11">
+            <a:extLst>
+              <a:ext uri="{FF2B5EF4-FFF2-40B4-BE49-F238E27FC236}">
+                <a16:creationId xmlns:a16="http://schemas.microsoft.com/office/drawing/2014/main" id="{B5A83AF7-F80D-F242-7936-BDA8107CC9A9}"/>
+              </a:ext>
+            </a:extLst>
+          </p:cNvPr>
+          <p:cNvSpPr/>
+          <p:nvPr/>
+        </p:nvSpPr>
+        <p:spPr>
+          <a:xfrm>
+            <a:off x="4780419" y="2598522"/>
+            <a:ext cx="985520" cy="985520"/>
+          </a:xfrm>
+          <a:prstGeom prst="ellipse">
+            <a:avLst/>
+          </a:prstGeom>
+        </p:spPr>
+        <p:style>
+          <a:lnRef idx="2">
+            <a:schemeClr val="accent1">
+              <a:shade val="15000"/>
+            </a:schemeClr>
+          </a:lnRef>
+          <a:fillRef idx="1">
+            <a:schemeClr val="accent1"/>
+          </a:fillRef>
+          <a:effectRef idx="0">
+            <a:schemeClr val="accent1"/>
+          </a:effectRef>
+          <a:fontRef idx="minor">
+            <a:schemeClr val="lt1"/>
+          </a:fontRef>
+        </p:style>
+        <p:txBody>
+          <a:bodyPr rtlCol="0" anchor="ctr"/>
+          <a:lstStyle/>
+          <a:p>
+            <a:pPr algn="ctr"/>
+            <a:endParaRPr lang="en-CA"/>
+          </a:p>
+        </p:txBody>
+      </p:sp>
+      <p:sp>
+        <p:nvSpPr>
+          <p:cNvPr id="13" name="Oval 12">
+            <a:extLst>
+              <a:ext uri="{FF2B5EF4-FFF2-40B4-BE49-F238E27FC236}">
+                <a16:creationId xmlns:a16="http://schemas.microsoft.com/office/drawing/2014/main" id="{1ECAA4B4-8FCA-FAAE-EF64-B9D9E6B1CA29}"/>
+              </a:ext>
+            </a:extLst>
+          </p:cNvPr>
+          <p:cNvSpPr/>
+          <p:nvPr/>
+        </p:nvSpPr>
+        <p:spPr>
+          <a:xfrm>
+            <a:off x="5531776" y="2984766"/>
+            <a:ext cx="985520" cy="985520"/>
+          </a:xfrm>
+          <a:prstGeom prst="ellipse">
+            <a:avLst/>
+          </a:prstGeom>
+        </p:spPr>
+        <p:style>
+          <a:lnRef idx="2">
+            <a:schemeClr val="accent1">
+              <a:shade val="15000"/>
+            </a:schemeClr>
+          </a:lnRef>
+          <a:fillRef idx="1">
+            <a:schemeClr val="accent1"/>
+          </a:fillRef>
+          <a:effectRef idx="0">
+            <a:schemeClr val="accent1"/>
+          </a:effectRef>
+          <a:fontRef idx="minor">
+            <a:schemeClr val="lt1"/>
+          </a:fontRef>
+        </p:style>
+        <p:txBody>
+          <a:bodyPr rtlCol="0" anchor="ctr"/>
+          <a:lstStyle/>
+          <a:p>
+            <a:pPr algn="ctr"/>
+            <a:endParaRPr lang="en-CA"/>
+          </a:p>
+        </p:txBody>
+      </p:sp>
+      <p:sp>
+        <p:nvSpPr>
+          <p:cNvPr id="16" name="Oval 15">
+            <a:extLst>
+              <a:ext uri="{FF2B5EF4-FFF2-40B4-BE49-F238E27FC236}">
+                <a16:creationId xmlns:a16="http://schemas.microsoft.com/office/drawing/2014/main" id="{AFDAC40C-44B9-9CF5-FE6D-39410B030FED}"/>
+              </a:ext>
+            </a:extLst>
+          </p:cNvPr>
+          <p:cNvSpPr/>
+          <p:nvPr/>
+        </p:nvSpPr>
+        <p:spPr>
+          <a:xfrm>
+            <a:off x="5308926" y="5331659"/>
+            <a:ext cx="985520" cy="985520"/>
+          </a:xfrm>
+          <a:prstGeom prst="ellipse">
+            <a:avLst/>
+          </a:prstGeom>
+        </p:spPr>
+        <p:style>
+          <a:lnRef idx="2">
+            <a:schemeClr val="accent1">
+              <a:shade val="15000"/>
+            </a:schemeClr>
+          </a:lnRef>
+          <a:fillRef idx="1">
+            <a:schemeClr val="accent1"/>
+          </a:fillRef>
+          <a:effectRef idx="0">
+            <a:schemeClr val="accent1"/>
+          </a:effectRef>
+          <a:fontRef idx="minor">
+            <a:schemeClr val="lt1"/>
+          </a:fontRef>
+        </p:style>
+        <p:txBody>
+          <a:bodyPr rtlCol="0" anchor="ctr"/>
+          <a:lstStyle/>
+          <a:p>
+            <a:pPr algn="ctr"/>
+            <a:endParaRPr lang="en-CA"/>
+          </a:p>
+        </p:txBody>
+      </p:sp>
+      <p:sp>
+        <p:nvSpPr>
+          <p:cNvPr id="17" name="Rectangle 16">
+            <a:extLst>
+              <a:ext uri="{FF2B5EF4-FFF2-40B4-BE49-F238E27FC236}">
+                <a16:creationId xmlns:a16="http://schemas.microsoft.com/office/drawing/2014/main" id="{EAB4F832-C49D-8807-24E8-2FA3C06C2829}"/>
+              </a:ext>
+            </a:extLst>
+          </p:cNvPr>
+          <p:cNvSpPr/>
+          <p:nvPr/>
+        </p:nvSpPr>
+        <p:spPr>
+          <a:xfrm rot="15385015">
+            <a:off x="685547" y="4320776"/>
+            <a:ext cx="11808542" cy="294968"/>
+          </a:xfrm>
+          <a:prstGeom prst="rect">
+            <a:avLst/>
+          </a:prstGeom>
+        </p:spPr>
+        <p:style>
+          <a:lnRef idx="2">
+            <a:schemeClr val="accent1">
+              <a:shade val="15000"/>
+            </a:schemeClr>
+          </a:lnRef>
+          <a:fillRef idx="1">
+            <a:schemeClr val="accent1"/>
+          </a:fillRef>
+          <a:effectRef idx="0">
+            <a:schemeClr val="accent1"/>
+          </a:effectRef>
+          <a:fontRef idx="minor">
+            <a:schemeClr val="lt1"/>
+          </a:fontRef>
+        </p:style>
+        <p:txBody>
+          <a:bodyPr rtlCol="0" anchor="ctr"/>
+          <a:lstStyle/>
+          <a:p>
+            <a:pPr algn="ctr"/>
+            <a:endParaRPr lang="en-CA"/>
+          </a:p>
+        </p:txBody>
+      </p:sp>
+    </p:spTree>
+    <p:extLst>
+      <p:ext uri="{BB962C8B-B14F-4D97-AF65-F5344CB8AC3E}">
+        <p14:creationId xmlns:p14="http://schemas.microsoft.com/office/powerpoint/2010/main" val="3850475797"/>
+      </p:ext>
+    </p:extLst>
+  </p:cSld>
+  <p:clrMapOvr>
+    <a:masterClrMapping/>
+  </p:clrMapOvr>
+</p:sld>
+</file>
+
+<file path=ppt/slides/slide23.xml><?xml version="1.0" encoding="utf-8"?>
+<p:sld xmlns:a="http://schemas.openxmlformats.org/drawingml/2006/main" xmlns:r="http://schemas.openxmlformats.org/officeDocument/2006/relationships" xmlns:p="http://schemas.openxmlformats.org/presentationml/2006/main">
+  <p:cSld>
+    <p:spTree>
+      <p:nvGrpSpPr>
+        <p:cNvPr id="1" name=""/>
+        <p:cNvGrpSpPr/>
+        <p:nvPr/>
+      </p:nvGrpSpPr>
+      <p:grpSpPr>
+        <a:xfrm>
+          <a:off x="0" y="0"/>
+          <a:ext cx="0" cy="0"/>
+          <a:chOff x="0" y="0"/>
+          <a:chExt cx="0" cy="0"/>
+        </a:xfrm>
+      </p:grpSpPr>
+      <p:sp>
+        <p:nvSpPr>
+          <p:cNvPr id="8" name="Oval 7">
+            <a:extLst>
+              <a:ext uri="{FF2B5EF4-FFF2-40B4-BE49-F238E27FC236}">
+                <a16:creationId xmlns:a16="http://schemas.microsoft.com/office/drawing/2014/main" id="{F9207179-5870-B598-3918-1A74A6CA0878}"/>
+              </a:ext>
+            </a:extLst>
+          </p:cNvPr>
+          <p:cNvSpPr/>
+          <p:nvPr/>
+        </p:nvSpPr>
+        <p:spPr>
+          <a:xfrm>
+            <a:off x="609598" y="949811"/>
+            <a:ext cx="5111611" cy="8003459"/>
+          </a:xfrm>
+          <a:prstGeom prst="ellipse">
+            <a:avLst/>
+          </a:prstGeom>
+          <a:noFill/>
+          <a:ln w="57150">
+            <a:solidFill>
+              <a:srgbClr val="FFFF00"/>
+            </a:solidFill>
+          </a:ln>
+        </p:spPr>
+        <p:style>
+          <a:lnRef idx="2">
+            <a:schemeClr val="accent1">
+              <a:shade val="15000"/>
+            </a:schemeClr>
+          </a:lnRef>
+          <a:fillRef idx="1">
+            <a:schemeClr val="accent1"/>
+          </a:fillRef>
+          <a:effectRef idx="0">
+            <a:schemeClr val="accent1"/>
+          </a:effectRef>
+          <a:fontRef idx="minor">
+            <a:schemeClr val="lt1"/>
+          </a:fontRef>
+        </p:style>
+        <p:txBody>
+          <a:bodyPr rtlCol="0" anchor="ctr"/>
+          <a:lstStyle/>
+          <a:p>
+            <a:pPr algn="ctr"/>
+            <a:endParaRPr lang="en-CA"/>
+          </a:p>
+        </p:txBody>
+      </p:sp>
+      <p:sp>
+        <p:nvSpPr>
+          <p:cNvPr id="9" name="Oval 8">
+            <a:extLst>
+              <a:ext uri="{FF2B5EF4-FFF2-40B4-BE49-F238E27FC236}">
+                <a16:creationId xmlns:a16="http://schemas.microsoft.com/office/drawing/2014/main" id="{81CE8019-E423-7AEE-EB8F-B8EF09E3FE67}"/>
+              </a:ext>
+            </a:extLst>
+          </p:cNvPr>
+          <p:cNvSpPr/>
+          <p:nvPr/>
+        </p:nvSpPr>
+        <p:spPr>
+          <a:xfrm>
+            <a:off x="5668148" y="1908457"/>
+            <a:ext cx="5111611" cy="6086167"/>
+          </a:xfrm>
+          <a:prstGeom prst="ellipse">
+            <a:avLst/>
+          </a:prstGeom>
+          <a:noFill/>
+          <a:ln w="57150">
+            <a:solidFill>
+              <a:srgbClr val="FFFF00"/>
+            </a:solidFill>
+          </a:ln>
+        </p:spPr>
+        <p:style>
+          <a:lnRef idx="2">
+            <a:schemeClr val="accent1">
+              <a:shade val="15000"/>
+            </a:schemeClr>
+          </a:lnRef>
+          <a:fillRef idx="1">
+            <a:schemeClr val="accent1"/>
+          </a:fillRef>
+          <a:effectRef idx="0">
+            <a:schemeClr val="accent1"/>
+          </a:effectRef>
+          <a:fontRef idx="minor">
+            <a:schemeClr val="lt1"/>
+          </a:fontRef>
+        </p:style>
+        <p:txBody>
+          <a:bodyPr rtlCol="0" anchor="ctr"/>
+          <a:lstStyle/>
+          <a:p>
+            <a:pPr algn="ctr"/>
+            <a:endParaRPr lang="en-CA"/>
+          </a:p>
+        </p:txBody>
+      </p:sp>
+      <p:sp>
+        <p:nvSpPr>
+          <p:cNvPr id="2" name="Title 1">
+            <a:extLst>
+              <a:ext uri="{FF2B5EF4-FFF2-40B4-BE49-F238E27FC236}">
+                <a16:creationId xmlns:a16="http://schemas.microsoft.com/office/drawing/2014/main" id="{9E62ADAB-A334-DE6A-7FF2-5B8E9AF4381C}"/>
+              </a:ext>
+            </a:extLst>
+          </p:cNvPr>
+          <p:cNvSpPr>
+            <a:spLocks noGrp="1"/>
+          </p:cNvSpPr>
+          <p:nvPr>
+            <p:ph type="title"/>
+          </p:nvPr>
+        </p:nvSpPr>
+        <p:spPr>
+          <a:xfrm>
+            <a:off x="913795" y="363793"/>
+            <a:ext cx="10353762" cy="970450"/>
+          </a:xfrm>
+        </p:spPr>
+        <p:txBody>
+          <a:bodyPr/>
+          <a:lstStyle/>
+          <a:p>
+            <a:r>
+              <a:rPr lang="en-CA" dirty="0"/>
+              <a:t>Bouncing ball</a:t>
+            </a:r>
+          </a:p>
+        </p:txBody>
+      </p:sp>
+      <p:sp>
+        <p:nvSpPr>
+          <p:cNvPr id="5" name="Rectangle 4">
+            <a:extLst>
+              <a:ext uri="{FF2B5EF4-FFF2-40B4-BE49-F238E27FC236}">
+                <a16:creationId xmlns:a16="http://schemas.microsoft.com/office/drawing/2014/main" id="{23F59EF0-5549-A20C-CC0E-3D18DF81A649}"/>
+              </a:ext>
+            </a:extLst>
+          </p:cNvPr>
+          <p:cNvSpPr/>
+          <p:nvPr/>
+        </p:nvSpPr>
+        <p:spPr>
+          <a:xfrm>
+            <a:off x="186405" y="4857135"/>
+            <a:ext cx="11808542" cy="294968"/>
+          </a:xfrm>
+          <a:prstGeom prst="rect">
+            <a:avLst/>
+          </a:prstGeom>
+        </p:spPr>
+        <p:style>
+          <a:lnRef idx="2">
+            <a:schemeClr val="accent1">
+              <a:shade val="15000"/>
+            </a:schemeClr>
+          </a:lnRef>
+          <a:fillRef idx="1">
+            <a:schemeClr val="accent1"/>
+          </a:fillRef>
+          <a:effectRef idx="0">
+            <a:schemeClr val="accent1"/>
+          </a:effectRef>
+          <a:fontRef idx="minor">
+            <a:schemeClr val="lt1"/>
+          </a:fontRef>
+        </p:style>
+        <p:txBody>
+          <a:bodyPr rtlCol="0" anchor="ctr"/>
+          <a:lstStyle/>
+          <a:p>
+            <a:pPr algn="ctr"/>
+            <a:endParaRPr lang="en-CA"/>
+          </a:p>
+        </p:txBody>
+      </p:sp>
+      <p:sp>
+        <p:nvSpPr>
+          <p:cNvPr id="7" name="Oval 6">
+            <a:extLst>
+              <a:ext uri="{FF2B5EF4-FFF2-40B4-BE49-F238E27FC236}">
+                <a16:creationId xmlns:a16="http://schemas.microsoft.com/office/drawing/2014/main" id="{8A54E6F9-7298-9267-03F5-ECBEB502B586}"/>
+              </a:ext>
+            </a:extLst>
+          </p:cNvPr>
+          <p:cNvSpPr/>
+          <p:nvPr/>
+        </p:nvSpPr>
+        <p:spPr>
+          <a:xfrm>
+            <a:off x="2672643" y="457051"/>
+            <a:ext cx="985520" cy="985520"/>
+          </a:xfrm>
+          <a:prstGeom prst="ellipse">
+            <a:avLst/>
+          </a:prstGeom>
+        </p:spPr>
+        <p:style>
+          <a:lnRef idx="2">
+            <a:schemeClr val="accent1">
+              <a:shade val="15000"/>
+            </a:schemeClr>
+          </a:lnRef>
+          <a:fillRef idx="1">
+            <a:schemeClr val="accent1"/>
+          </a:fillRef>
+          <a:effectRef idx="0">
+            <a:schemeClr val="accent1"/>
+          </a:effectRef>
+          <a:fontRef idx="minor">
+            <a:schemeClr val="lt1"/>
+          </a:fontRef>
+        </p:style>
+        <p:txBody>
+          <a:bodyPr rtlCol="0" anchor="ctr"/>
+          <a:lstStyle/>
+          <a:p>
+            <a:pPr algn="ctr"/>
+            <a:r>
+              <a:rPr lang="en-CA" dirty="0"/>
+              <a:t>1</a:t>
+            </a:r>
+          </a:p>
+        </p:txBody>
+      </p:sp>
+      <p:sp>
+        <p:nvSpPr>
+          <p:cNvPr id="11" name="Rectangle 10">
+            <a:extLst>
+              <a:ext uri="{FF2B5EF4-FFF2-40B4-BE49-F238E27FC236}">
+                <a16:creationId xmlns:a16="http://schemas.microsoft.com/office/drawing/2014/main" id="{54B8CEB6-14DC-8026-AF9D-5ECEFE07FA42}"/>
+              </a:ext>
+            </a:extLst>
+          </p:cNvPr>
+          <p:cNvSpPr/>
+          <p:nvPr/>
+        </p:nvSpPr>
+        <p:spPr>
+          <a:xfrm>
+            <a:off x="0" y="5152103"/>
+            <a:ext cx="12309987" cy="4003472"/>
+          </a:xfrm>
+          <a:prstGeom prst="rect">
+            <a:avLst/>
+          </a:prstGeom>
+          <a:solidFill>
+            <a:schemeClr val="bg1"/>
+          </a:solidFill>
+          <a:ln>
+            <a:solidFill>
+              <a:schemeClr val="bg1"/>
+            </a:solidFill>
+          </a:ln>
+        </p:spPr>
+        <p:style>
+          <a:lnRef idx="2">
+            <a:schemeClr val="accent1">
+              <a:shade val="15000"/>
+            </a:schemeClr>
+          </a:lnRef>
+          <a:fillRef idx="1">
+            <a:schemeClr val="accent1"/>
+          </a:fillRef>
+          <a:effectRef idx="0">
+            <a:schemeClr val="accent1"/>
+          </a:effectRef>
+          <a:fontRef idx="minor">
+            <a:schemeClr val="lt1"/>
+          </a:fontRef>
+        </p:style>
+        <p:txBody>
+          <a:bodyPr rtlCol="0" anchor="ctr"/>
+          <a:lstStyle/>
+          <a:p>
+            <a:pPr algn="ctr"/>
+            <a:endParaRPr lang="en-CA"/>
+          </a:p>
+        </p:txBody>
+      </p:sp>
+      <p:sp>
+        <p:nvSpPr>
+          <p:cNvPr id="4" name="Oval 3">
+            <a:extLst>
+              <a:ext uri="{FF2B5EF4-FFF2-40B4-BE49-F238E27FC236}">
+                <a16:creationId xmlns:a16="http://schemas.microsoft.com/office/drawing/2014/main" id="{32E7A475-E67F-0FBF-6E34-4DB46B05A44F}"/>
+              </a:ext>
+            </a:extLst>
+          </p:cNvPr>
+          <p:cNvSpPr/>
+          <p:nvPr/>
+        </p:nvSpPr>
+        <p:spPr>
+          <a:xfrm>
+            <a:off x="5158882" y="3696184"/>
+            <a:ext cx="985520" cy="985520"/>
+          </a:xfrm>
+          <a:prstGeom prst="ellipse">
+            <a:avLst/>
+          </a:prstGeom>
+        </p:spPr>
+        <p:style>
+          <a:lnRef idx="2">
+            <a:schemeClr val="accent1">
+              <a:shade val="15000"/>
+            </a:schemeClr>
+          </a:lnRef>
+          <a:fillRef idx="1">
+            <a:schemeClr val="accent1"/>
+          </a:fillRef>
+          <a:effectRef idx="0">
+            <a:schemeClr val="accent1"/>
+          </a:effectRef>
+          <a:fontRef idx="minor">
+            <a:schemeClr val="lt1"/>
+          </a:fontRef>
+        </p:style>
+        <p:txBody>
+          <a:bodyPr rtlCol="0" anchor="ctr"/>
+          <a:lstStyle/>
+          <a:p>
+            <a:pPr algn="ctr"/>
+            <a:r>
+              <a:rPr lang="en-CA" dirty="0"/>
+              <a:t>2</a:t>
+            </a:r>
+          </a:p>
+        </p:txBody>
+      </p:sp>
+      <p:sp>
+        <p:nvSpPr>
+          <p:cNvPr id="21" name="Oval 20">
+            <a:extLst>
+              <a:ext uri="{FF2B5EF4-FFF2-40B4-BE49-F238E27FC236}">
+                <a16:creationId xmlns:a16="http://schemas.microsoft.com/office/drawing/2014/main" id="{FE01CE09-D0AC-F20F-9667-29AAAFE1ABC5}"/>
+              </a:ext>
+            </a:extLst>
+          </p:cNvPr>
+          <p:cNvSpPr/>
+          <p:nvPr/>
+        </p:nvSpPr>
+        <p:spPr>
+          <a:xfrm>
+            <a:off x="4427995" y="1617409"/>
+            <a:ext cx="985520" cy="985520"/>
+          </a:xfrm>
+          <a:prstGeom prst="ellipse">
+            <a:avLst/>
+          </a:prstGeom>
+        </p:spPr>
+        <p:style>
+          <a:lnRef idx="2">
+            <a:schemeClr val="accent1">
+              <a:shade val="15000"/>
+            </a:schemeClr>
+          </a:lnRef>
+          <a:fillRef idx="1">
+            <a:schemeClr val="accent1"/>
+          </a:fillRef>
+          <a:effectRef idx="0">
+            <a:schemeClr val="accent1"/>
+          </a:effectRef>
+          <a:fontRef idx="minor">
+            <a:schemeClr val="lt1"/>
+          </a:fontRef>
+        </p:style>
+        <p:txBody>
+          <a:bodyPr rtlCol="0" anchor="ctr"/>
+          <a:lstStyle/>
+          <a:p>
+            <a:pPr algn="ctr"/>
+            <a:r>
+              <a:rPr lang="en-CA" dirty="0"/>
+              <a:t>2</a:t>
+            </a:r>
+          </a:p>
+        </p:txBody>
+      </p:sp>
+      <p:sp>
+        <p:nvSpPr>
+          <p:cNvPr id="27" name="Oval 26">
+            <a:extLst>
+              <a:ext uri="{FF2B5EF4-FFF2-40B4-BE49-F238E27FC236}">
+                <a16:creationId xmlns:a16="http://schemas.microsoft.com/office/drawing/2014/main" id="{27DA6DD3-623A-B822-73F9-0082E78645AF}"/>
+              </a:ext>
+            </a:extLst>
+          </p:cNvPr>
+          <p:cNvSpPr/>
+          <p:nvPr/>
+        </p:nvSpPr>
+        <p:spPr>
+          <a:xfrm>
+            <a:off x="4889536" y="2535233"/>
+            <a:ext cx="985520" cy="985520"/>
+          </a:xfrm>
+          <a:prstGeom prst="ellipse">
+            <a:avLst/>
+          </a:prstGeom>
+        </p:spPr>
+        <p:style>
+          <a:lnRef idx="2">
+            <a:schemeClr val="accent1">
+              <a:shade val="15000"/>
+            </a:schemeClr>
+          </a:lnRef>
+          <a:fillRef idx="1">
+            <a:schemeClr val="accent1"/>
+          </a:fillRef>
+          <a:effectRef idx="0">
+            <a:schemeClr val="accent1"/>
+          </a:effectRef>
+          <a:fontRef idx="minor">
+            <a:schemeClr val="lt1"/>
+          </a:fontRef>
+        </p:style>
+        <p:txBody>
+          <a:bodyPr rtlCol="0" anchor="ctr"/>
+          <a:lstStyle/>
+          <a:p>
+            <a:pPr algn="ctr"/>
+            <a:r>
+              <a:rPr lang="en-CA" dirty="0"/>
+              <a:t>2</a:t>
+            </a:r>
+          </a:p>
+        </p:txBody>
+      </p:sp>
+    </p:spTree>
+    <p:extLst>
+      <p:ext uri="{BB962C8B-B14F-4D97-AF65-F5344CB8AC3E}">
+        <p14:creationId xmlns:p14="http://schemas.microsoft.com/office/powerpoint/2010/main" val="3516359807"/>
+      </p:ext>
+    </p:extLst>
+  </p:cSld>
+  <p:clrMapOvr>
+    <a:masterClrMapping/>
+  </p:clrMapOvr>
+</p:sld>
+</file>
+
+<file path=ppt/slides/slide24.xml><?xml version="1.0" encoding="utf-8"?>
+<p:sld xmlns:a="http://schemas.openxmlformats.org/drawingml/2006/main" xmlns:r="http://schemas.openxmlformats.org/officeDocument/2006/relationships" xmlns:p="http://schemas.openxmlformats.org/presentationml/2006/main">
+  <p:cSld>
+    <p:spTree>
+      <p:nvGrpSpPr>
+        <p:cNvPr id="1" name=""/>
+        <p:cNvGrpSpPr/>
+        <p:nvPr/>
+      </p:nvGrpSpPr>
+      <p:grpSpPr>
+        <a:xfrm>
+          <a:off x="0" y="0"/>
+          <a:ext cx="0" cy="0"/>
+          <a:chOff x="0" y="0"/>
+          <a:chExt cx="0" cy="0"/>
+        </a:xfrm>
+      </p:grpSpPr>
+      <p:sp>
+        <p:nvSpPr>
+          <p:cNvPr id="4" name="Oval 3">
+            <a:extLst>
+              <a:ext uri="{FF2B5EF4-FFF2-40B4-BE49-F238E27FC236}">
+                <a16:creationId xmlns:a16="http://schemas.microsoft.com/office/drawing/2014/main" id="{451D6A67-FD7C-9E45-16EE-AD0D92F43CAE}"/>
+              </a:ext>
+            </a:extLst>
+          </p:cNvPr>
+          <p:cNvSpPr/>
+          <p:nvPr/>
+        </p:nvSpPr>
+        <p:spPr>
+          <a:xfrm>
+            <a:off x="2405262" y="916678"/>
+            <a:ext cx="855407" cy="855407"/>
+          </a:xfrm>
+          <a:prstGeom prst="ellipse">
+            <a:avLst/>
+          </a:prstGeom>
+        </p:spPr>
+        <p:style>
+          <a:lnRef idx="2">
+            <a:schemeClr val="accent1">
+              <a:shade val="15000"/>
+            </a:schemeClr>
+          </a:lnRef>
+          <a:fillRef idx="1">
+            <a:schemeClr val="accent1"/>
+          </a:fillRef>
+          <a:effectRef idx="0">
+            <a:schemeClr val="accent1"/>
+          </a:effectRef>
+          <a:fontRef idx="minor">
+            <a:schemeClr val="lt1"/>
+          </a:fontRef>
+        </p:style>
+        <p:txBody>
+          <a:bodyPr rtlCol="0" anchor="ctr"/>
+          <a:lstStyle/>
+          <a:p>
+            <a:pPr algn="ctr"/>
+            <a:r>
+              <a:rPr lang="en-CA" dirty="0"/>
+              <a:t>1</a:t>
+            </a:r>
+          </a:p>
+        </p:txBody>
+      </p:sp>
+      <p:sp>
+        <p:nvSpPr>
+          <p:cNvPr id="5" name="Oval 4">
+            <a:extLst>
+              <a:ext uri="{FF2B5EF4-FFF2-40B4-BE49-F238E27FC236}">
+                <a16:creationId xmlns:a16="http://schemas.microsoft.com/office/drawing/2014/main" id="{C18390EF-8E6F-2F79-4442-59FB7A1D1936}"/>
+              </a:ext>
+            </a:extLst>
+          </p:cNvPr>
+          <p:cNvSpPr/>
+          <p:nvPr/>
+        </p:nvSpPr>
+        <p:spPr>
+          <a:xfrm>
+            <a:off x="8304692" y="1134480"/>
+            <a:ext cx="855407" cy="855407"/>
+          </a:xfrm>
+          <a:prstGeom prst="ellipse">
+            <a:avLst/>
+          </a:prstGeom>
+          <a:solidFill>
+            <a:srgbClr val="7030A0"/>
+          </a:solidFill>
+        </p:spPr>
+        <p:style>
+          <a:lnRef idx="2">
+            <a:schemeClr val="accent1">
+              <a:shade val="15000"/>
+            </a:schemeClr>
+          </a:lnRef>
+          <a:fillRef idx="1">
+            <a:schemeClr val="accent1"/>
+          </a:fillRef>
+          <a:effectRef idx="0">
+            <a:schemeClr val="accent1"/>
+          </a:effectRef>
+          <a:fontRef idx="minor">
+            <a:schemeClr val="lt1"/>
+          </a:fontRef>
+        </p:style>
+        <p:txBody>
+          <a:bodyPr rtlCol="0" anchor="ctr"/>
+          <a:lstStyle/>
+          <a:p>
+            <a:pPr algn="ctr"/>
+            <a:r>
+              <a:rPr lang="en-CA" dirty="0"/>
+              <a:t>1</a:t>
+            </a:r>
+          </a:p>
+        </p:txBody>
+      </p:sp>
+      <p:sp>
+        <p:nvSpPr>
+          <p:cNvPr id="6" name="Oval 5">
+            <a:extLst>
+              <a:ext uri="{FF2B5EF4-FFF2-40B4-BE49-F238E27FC236}">
+                <a16:creationId xmlns:a16="http://schemas.microsoft.com/office/drawing/2014/main" id="{87AF70F0-F416-B61E-2E14-89C3D92A0993}"/>
+              </a:ext>
+            </a:extLst>
+          </p:cNvPr>
+          <p:cNvSpPr/>
+          <p:nvPr/>
+        </p:nvSpPr>
+        <p:spPr>
+          <a:xfrm>
+            <a:off x="8094570" y="4967747"/>
+            <a:ext cx="855407" cy="855407"/>
+          </a:xfrm>
+          <a:prstGeom prst="ellipse">
+            <a:avLst/>
+          </a:prstGeom>
+        </p:spPr>
+        <p:style>
+          <a:lnRef idx="2">
+            <a:schemeClr val="accent1">
+              <a:shade val="15000"/>
+            </a:schemeClr>
+          </a:lnRef>
+          <a:fillRef idx="1">
+            <a:schemeClr val="accent1"/>
+          </a:fillRef>
+          <a:effectRef idx="0">
+            <a:schemeClr val="accent1"/>
+          </a:effectRef>
+          <a:fontRef idx="minor">
+            <a:schemeClr val="lt1"/>
+          </a:fontRef>
+        </p:style>
+        <p:txBody>
+          <a:bodyPr rtlCol="0" anchor="ctr"/>
+          <a:lstStyle/>
+          <a:p>
+            <a:pPr algn="ctr"/>
+            <a:r>
+              <a:rPr lang="en-CA" dirty="0"/>
+              <a:t>2</a:t>
+            </a:r>
+          </a:p>
+        </p:txBody>
+      </p:sp>
+      <p:sp>
+        <p:nvSpPr>
+          <p:cNvPr id="7" name="Oval 6">
+            <a:extLst>
+              <a:ext uri="{FF2B5EF4-FFF2-40B4-BE49-F238E27FC236}">
+                <a16:creationId xmlns:a16="http://schemas.microsoft.com/office/drawing/2014/main" id="{FAF16505-2051-6420-2301-6F306C621961}"/>
+              </a:ext>
+            </a:extLst>
+          </p:cNvPr>
+          <p:cNvSpPr/>
+          <p:nvPr/>
+        </p:nvSpPr>
+        <p:spPr>
+          <a:xfrm>
+            <a:off x="2467897" y="4868114"/>
+            <a:ext cx="855407" cy="855407"/>
+          </a:xfrm>
+          <a:prstGeom prst="ellipse">
+            <a:avLst/>
+          </a:prstGeom>
+          <a:solidFill>
+            <a:srgbClr val="7030A0"/>
+          </a:solidFill>
+        </p:spPr>
+        <p:style>
+          <a:lnRef idx="2">
+            <a:schemeClr val="accent1">
+              <a:shade val="15000"/>
+            </a:schemeClr>
+          </a:lnRef>
+          <a:fillRef idx="1">
+            <a:schemeClr val="accent1"/>
+          </a:fillRef>
+          <a:effectRef idx="0">
+            <a:schemeClr val="accent1"/>
+          </a:effectRef>
+          <a:fontRef idx="minor">
+            <a:schemeClr val="lt1"/>
+          </a:fontRef>
+        </p:style>
+        <p:txBody>
+          <a:bodyPr rtlCol="0" anchor="ctr"/>
+          <a:lstStyle/>
+          <a:p>
+            <a:pPr algn="ctr"/>
+            <a:r>
+              <a:rPr lang="en-CA" dirty="0"/>
+              <a:t>2</a:t>
+            </a:r>
+          </a:p>
+        </p:txBody>
+      </p:sp>
+      <p:cxnSp>
+        <p:nvCxnSpPr>
+          <p:cNvPr id="9" name="Straight Arrow Connector 8">
+            <a:extLst>
+              <a:ext uri="{FF2B5EF4-FFF2-40B4-BE49-F238E27FC236}">
+                <a16:creationId xmlns:a16="http://schemas.microsoft.com/office/drawing/2014/main" id="{F355EEB8-0178-DDC1-510E-CFEF1C50F5C1}"/>
+              </a:ext>
+            </a:extLst>
+          </p:cNvPr>
+          <p:cNvCxnSpPr>
+            <a:cxnSpLocks/>
+            <a:endCxn id="6" idx="1"/>
+          </p:cNvCxnSpPr>
+          <p:nvPr/>
+        </p:nvCxnSpPr>
+        <p:spPr>
+          <a:xfrm>
+            <a:off x="3198033" y="1562183"/>
+            <a:ext cx="5021808" cy="3530835"/>
+          </a:xfrm>
+          <a:prstGeom prst="straightConnector1">
+            <a:avLst/>
+          </a:prstGeom>
+          <a:ln w="76200">
+            <a:tailEnd type="triangle"/>
+          </a:ln>
+        </p:spPr>
+        <p:style>
+          <a:lnRef idx="1">
+            <a:schemeClr val="accent1"/>
+          </a:lnRef>
+          <a:fillRef idx="0">
+            <a:schemeClr val="accent1"/>
+          </a:fillRef>
+          <a:effectRef idx="0">
+            <a:schemeClr val="accent1"/>
+          </a:effectRef>
+          <a:fontRef idx="minor">
+            <a:schemeClr val="tx1"/>
+          </a:fontRef>
+        </p:style>
+      </p:cxnSp>
+      <p:cxnSp>
+        <p:nvCxnSpPr>
+          <p:cNvPr id="10" name="Straight Arrow Connector 9">
+            <a:extLst>
+              <a:ext uri="{FF2B5EF4-FFF2-40B4-BE49-F238E27FC236}">
+                <a16:creationId xmlns:a16="http://schemas.microsoft.com/office/drawing/2014/main" id="{DD3DF8B9-4CB6-B8D2-CB4E-5A7B64DA4CFE}"/>
+              </a:ext>
+            </a:extLst>
+          </p:cNvPr>
+          <p:cNvCxnSpPr>
+            <a:cxnSpLocks/>
+            <a:endCxn id="7" idx="7"/>
+          </p:cNvCxnSpPr>
+          <p:nvPr/>
+        </p:nvCxnSpPr>
+        <p:spPr>
+          <a:xfrm flipH="1">
+            <a:off x="3198033" y="1788160"/>
+            <a:ext cx="5106659" cy="3205225"/>
+          </a:xfrm>
+          <a:prstGeom prst="straightConnector1">
+            <a:avLst/>
+          </a:prstGeom>
+          <a:ln w="76200">
+            <a:tailEnd type="triangle"/>
+          </a:ln>
+        </p:spPr>
+        <p:style>
+          <a:lnRef idx="1">
+            <a:schemeClr val="accent1"/>
+          </a:lnRef>
+          <a:fillRef idx="0">
+            <a:schemeClr val="accent1"/>
+          </a:fillRef>
+          <a:effectRef idx="0">
+            <a:schemeClr val="accent1"/>
+          </a:effectRef>
+          <a:fontRef idx="minor">
+            <a:schemeClr val="tx1"/>
+          </a:fontRef>
+        </p:style>
+      </p:cxnSp>
+      <p:sp>
+        <p:nvSpPr>
+          <p:cNvPr id="15" name="Oval 14">
+            <a:extLst>
+              <a:ext uri="{FF2B5EF4-FFF2-40B4-BE49-F238E27FC236}">
+                <a16:creationId xmlns:a16="http://schemas.microsoft.com/office/drawing/2014/main" id="{59B64376-CCF6-D98F-53D0-9677E3F89C72}"/>
+              </a:ext>
+            </a:extLst>
+          </p:cNvPr>
+          <p:cNvSpPr/>
+          <p:nvPr/>
+        </p:nvSpPr>
+        <p:spPr>
+          <a:xfrm>
+            <a:off x="1781908" y="145847"/>
+            <a:ext cx="7168069" cy="7168069"/>
+          </a:xfrm>
+          <a:prstGeom prst="ellipse">
+            <a:avLst/>
+          </a:prstGeom>
+          <a:noFill/>
+          <a:ln w="66675">
+            <a:solidFill>
+              <a:srgbClr val="FFFF00"/>
+            </a:solidFill>
+          </a:ln>
+        </p:spPr>
+        <p:style>
+          <a:lnRef idx="2">
+            <a:schemeClr val="accent1">
+              <a:shade val="15000"/>
+            </a:schemeClr>
+          </a:lnRef>
+          <a:fillRef idx="1">
+            <a:schemeClr val="accent1"/>
+          </a:fillRef>
+          <a:effectRef idx="0">
+            <a:schemeClr val="accent1"/>
+          </a:effectRef>
+          <a:fontRef idx="minor">
+            <a:schemeClr val="lt1"/>
+          </a:fontRef>
+        </p:style>
+        <p:txBody>
+          <a:bodyPr rtlCol="0" anchor="ctr"/>
+          <a:lstStyle/>
+          <a:p>
+            <a:pPr algn="ctr"/>
+            <a:endParaRPr lang="en-CA"/>
+          </a:p>
+        </p:txBody>
+      </p:sp>
+      <p:sp>
+        <p:nvSpPr>
+          <p:cNvPr id="16" name="Oval 15">
+            <a:extLst>
+              <a:ext uri="{FF2B5EF4-FFF2-40B4-BE49-F238E27FC236}">
+                <a16:creationId xmlns:a16="http://schemas.microsoft.com/office/drawing/2014/main" id="{48D93CC4-D7F0-D00F-4745-1A864F1CE734}"/>
+              </a:ext>
+            </a:extLst>
+          </p:cNvPr>
+          <p:cNvSpPr/>
+          <p:nvPr/>
+        </p:nvSpPr>
+        <p:spPr>
+          <a:xfrm>
+            <a:off x="2467898" y="145846"/>
+            <a:ext cx="6777052" cy="6566307"/>
+          </a:xfrm>
+          <a:prstGeom prst="ellipse">
+            <a:avLst/>
+          </a:prstGeom>
+          <a:noFill/>
+          <a:ln w="85725">
+            <a:solidFill>
+              <a:srgbClr val="7030A0"/>
+            </a:solidFill>
+          </a:ln>
+        </p:spPr>
+        <p:style>
+          <a:lnRef idx="2">
+            <a:schemeClr val="accent1">
+              <a:shade val="15000"/>
+            </a:schemeClr>
+          </a:lnRef>
+          <a:fillRef idx="1">
+            <a:schemeClr val="accent1"/>
+          </a:fillRef>
+          <a:effectRef idx="0">
+            <a:schemeClr val="accent1"/>
+          </a:effectRef>
+          <a:fontRef idx="minor">
+            <a:schemeClr val="lt1"/>
+          </a:fontRef>
+        </p:style>
+        <p:txBody>
+          <a:bodyPr rtlCol="0" anchor="ctr"/>
+          <a:lstStyle/>
+          <a:p>
+            <a:pPr algn="ctr"/>
+            <a:endParaRPr lang="en-CA"/>
+          </a:p>
+        </p:txBody>
+      </p:sp>
+      <p:sp>
+        <p:nvSpPr>
+          <p:cNvPr id="17" name="Oval 16">
+            <a:extLst>
+              <a:ext uri="{FF2B5EF4-FFF2-40B4-BE49-F238E27FC236}">
+                <a16:creationId xmlns:a16="http://schemas.microsoft.com/office/drawing/2014/main" id="{0A54D045-FB53-7A0A-A573-CAB50129A0AD}"/>
+              </a:ext>
+            </a:extLst>
+          </p:cNvPr>
+          <p:cNvSpPr/>
+          <p:nvPr/>
+        </p:nvSpPr>
+        <p:spPr>
+          <a:xfrm>
+            <a:off x="2405262" y="674257"/>
+            <a:ext cx="3578978" cy="3578978"/>
+          </a:xfrm>
+          <a:prstGeom prst="ellipse">
+            <a:avLst/>
+          </a:prstGeom>
+          <a:noFill/>
+          <a:ln w="66675">
+            <a:solidFill>
+              <a:srgbClr val="FFFF00"/>
+            </a:solidFill>
+          </a:ln>
+        </p:spPr>
+        <p:style>
+          <a:lnRef idx="2">
+            <a:schemeClr val="accent1">
+              <a:shade val="15000"/>
+            </a:schemeClr>
+          </a:lnRef>
+          <a:fillRef idx="1">
+            <a:schemeClr val="accent1"/>
+          </a:fillRef>
+          <a:effectRef idx="0">
+            <a:schemeClr val="accent1"/>
+          </a:effectRef>
+          <a:fontRef idx="minor">
+            <a:schemeClr val="lt1"/>
+          </a:fontRef>
+        </p:style>
+        <p:txBody>
+          <a:bodyPr rtlCol="0" anchor="ctr"/>
+          <a:lstStyle/>
+          <a:p>
+            <a:pPr algn="ctr"/>
+            <a:endParaRPr lang="en-CA"/>
+          </a:p>
+        </p:txBody>
+      </p:sp>
+      <p:sp>
+        <p:nvSpPr>
+          <p:cNvPr id="18" name="Oval 17">
+            <a:extLst>
+              <a:ext uri="{FF2B5EF4-FFF2-40B4-BE49-F238E27FC236}">
+                <a16:creationId xmlns:a16="http://schemas.microsoft.com/office/drawing/2014/main" id="{C48978A9-E46B-3484-F8B6-18534B8DD3ED}"/>
+              </a:ext>
+            </a:extLst>
+          </p:cNvPr>
+          <p:cNvSpPr/>
+          <p:nvPr/>
+        </p:nvSpPr>
+        <p:spPr>
+          <a:xfrm>
+            <a:off x="5289720" y="2689723"/>
+            <a:ext cx="3578978" cy="3578978"/>
+          </a:xfrm>
+          <a:prstGeom prst="ellipse">
+            <a:avLst/>
+          </a:prstGeom>
+          <a:noFill/>
+          <a:ln w="66675">
+            <a:solidFill>
+              <a:srgbClr val="FFFF00"/>
+            </a:solidFill>
+          </a:ln>
+        </p:spPr>
+        <p:style>
+          <a:lnRef idx="2">
+            <a:schemeClr val="accent1">
+              <a:shade val="15000"/>
+            </a:schemeClr>
+          </a:lnRef>
+          <a:fillRef idx="1">
+            <a:schemeClr val="accent1"/>
+          </a:fillRef>
+          <a:effectRef idx="0">
+            <a:schemeClr val="accent1"/>
+          </a:effectRef>
+          <a:fontRef idx="minor">
+            <a:schemeClr val="lt1"/>
+          </a:fontRef>
+        </p:style>
+        <p:txBody>
+          <a:bodyPr rtlCol="0" anchor="ctr"/>
+          <a:lstStyle/>
+          <a:p>
+            <a:pPr algn="ctr"/>
+            <a:endParaRPr lang="en-CA"/>
+          </a:p>
+        </p:txBody>
+      </p:sp>
+      <p:sp>
+        <p:nvSpPr>
+          <p:cNvPr id="19" name="Oval 18">
+            <a:extLst>
+              <a:ext uri="{FF2B5EF4-FFF2-40B4-BE49-F238E27FC236}">
+                <a16:creationId xmlns:a16="http://schemas.microsoft.com/office/drawing/2014/main" id="{FC184904-A82A-9C4A-7152-7B4FD230A4A6}"/>
+              </a:ext>
+            </a:extLst>
+          </p:cNvPr>
+          <p:cNvSpPr/>
+          <p:nvPr/>
+        </p:nvSpPr>
+        <p:spPr>
+          <a:xfrm>
+            <a:off x="2771850" y="2689721"/>
+            <a:ext cx="3340173" cy="3240263"/>
+          </a:xfrm>
+          <a:prstGeom prst="ellipse">
+            <a:avLst/>
+          </a:prstGeom>
+          <a:noFill/>
+          <a:ln w="85725">
+            <a:solidFill>
+              <a:srgbClr val="7030A0"/>
+            </a:solidFill>
+          </a:ln>
+        </p:spPr>
+        <p:style>
+          <a:lnRef idx="2">
+            <a:schemeClr val="accent1">
+              <a:shade val="15000"/>
+            </a:schemeClr>
+          </a:lnRef>
+          <a:fillRef idx="1">
+            <a:schemeClr val="accent1"/>
+          </a:fillRef>
+          <a:effectRef idx="0">
+            <a:schemeClr val="accent1"/>
+          </a:effectRef>
+          <a:fontRef idx="minor">
+            <a:schemeClr val="lt1"/>
+          </a:fontRef>
+        </p:style>
+        <p:txBody>
+          <a:bodyPr rtlCol="0" anchor="ctr"/>
+          <a:lstStyle/>
+          <a:p>
+            <a:pPr algn="ctr"/>
+            <a:endParaRPr lang="en-CA"/>
+          </a:p>
+        </p:txBody>
+      </p:sp>
+      <p:sp>
+        <p:nvSpPr>
+          <p:cNvPr id="20" name="Oval 19">
+            <a:extLst>
+              <a:ext uri="{FF2B5EF4-FFF2-40B4-BE49-F238E27FC236}">
+                <a16:creationId xmlns:a16="http://schemas.microsoft.com/office/drawing/2014/main" id="{65F6C0CD-A7AC-6D04-3A04-7926304520EE}"/>
+              </a:ext>
+            </a:extLst>
+          </p:cNvPr>
+          <p:cNvSpPr/>
+          <p:nvPr/>
+        </p:nvSpPr>
+        <p:spPr>
+          <a:xfrm>
+            <a:off x="5568991" y="975843"/>
+            <a:ext cx="3362342" cy="3261768"/>
+          </a:xfrm>
+          <a:prstGeom prst="ellipse">
+            <a:avLst/>
+          </a:prstGeom>
+          <a:noFill/>
+          <a:ln w="85725">
+            <a:solidFill>
+              <a:srgbClr val="7030A0"/>
+            </a:solidFill>
+          </a:ln>
+        </p:spPr>
+        <p:style>
+          <a:lnRef idx="2">
+            <a:schemeClr val="accent1">
+              <a:shade val="15000"/>
+            </a:schemeClr>
+          </a:lnRef>
+          <a:fillRef idx="1">
+            <a:schemeClr val="accent1"/>
+          </a:fillRef>
+          <a:effectRef idx="0">
+            <a:schemeClr val="accent1"/>
+          </a:effectRef>
+          <a:fontRef idx="minor">
+            <a:schemeClr val="lt1"/>
+          </a:fontRef>
+        </p:style>
+        <p:txBody>
+          <a:bodyPr rtlCol="0" anchor="ctr"/>
+          <a:lstStyle/>
+          <a:p>
+            <a:pPr algn="ctr"/>
+            <a:endParaRPr lang="en-CA"/>
+          </a:p>
+        </p:txBody>
+      </p:sp>
+    </p:spTree>
+    <p:extLst>
+      <p:ext uri="{BB962C8B-B14F-4D97-AF65-F5344CB8AC3E}">
+        <p14:creationId xmlns:p14="http://schemas.microsoft.com/office/powerpoint/2010/main" val="1099629396"/>
+      </p:ext>
+    </p:extLst>
+  </p:cSld>
+  <p:clrMapOvr>
+    <a:masterClrMapping/>
+  </p:clrMapOvr>
+</p:sld>
+</file>
+
+<file path=ppt/slides/slide25.xml><?xml version="1.0" encoding="utf-8"?>
+<p:sld xmlns:a="http://schemas.openxmlformats.org/drawingml/2006/main" xmlns:r="http://schemas.openxmlformats.org/officeDocument/2006/relationships" xmlns:p="http://schemas.openxmlformats.org/presentationml/2006/main">
+  <p:cSld>
+    <p:spTree>
+      <p:nvGrpSpPr>
+        <p:cNvPr id="1" name=""/>
+        <p:cNvGrpSpPr/>
+        <p:nvPr/>
+      </p:nvGrpSpPr>
+      <p:grpSpPr>
+        <a:xfrm>
+          <a:off x="0" y="0"/>
+          <a:ext cx="0" cy="0"/>
+          <a:chOff x="0" y="0"/>
+          <a:chExt cx="0" cy="0"/>
+        </a:xfrm>
+      </p:grpSpPr>
+      <p:sp>
+        <p:nvSpPr>
+          <p:cNvPr id="4" name="Rectangle: Rounded Corners 3">
+            <a:extLst>
+              <a:ext uri="{FF2B5EF4-FFF2-40B4-BE49-F238E27FC236}">
+                <a16:creationId xmlns:a16="http://schemas.microsoft.com/office/drawing/2014/main" id="{D504FB80-2BC5-3478-2BEA-DD21DAA40E87}"/>
+              </a:ext>
+            </a:extLst>
+          </p:cNvPr>
+          <p:cNvSpPr/>
+          <p:nvPr/>
+        </p:nvSpPr>
+        <p:spPr>
+          <a:xfrm>
+            <a:off x="1022552" y="2145889"/>
+            <a:ext cx="5584723" cy="1052052"/>
+          </a:xfrm>
+          <a:prstGeom prst="roundRect">
+            <a:avLst/>
+          </a:prstGeom>
+          <a:solidFill>
+            <a:srgbClr val="7030A0"/>
+          </a:solidFill>
+        </p:spPr>
+        <p:style>
+          <a:lnRef idx="2">
+            <a:schemeClr val="accent1">
+              <a:shade val="15000"/>
+            </a:schemeClr>
+          </a:lnRef>
+          <a:fillRef idx="1">
+            <a:schemeClr val="accent1"/>
+          </a:fillRef>
+          <a:effectRef idx="0">
+            <a:schemeClr val="accent1"/>
+          </a:effectRef>
+          <a:fontRef idx="minor">
+            <a:schemeClr val="lt1"/>
+          </a:fontRef>
+        </p:style>
+        <p:txBody>
+          <a:bodyPr rtlCol="0" anchor="ctr"/>
+          <a:lstStyle/>
+          <a:p>
+            <a:r>
+              <a:rPr lang="en-CA" dirty="0"/>
+              <a:t>2                </a:t>
+            </a:r>
+          </a:p>
+        </p:txBody>
+      </p:sp>
+      <p:sp>
+        <p:nvSpPr>
+          <p:cNvPr id="5" name="Rectangle: Rounded Corners 4">
+            <a:extLst>
+              <a:ext uri="{FF2B5EF4-FFF2-40B4-BE49-F238E27FC236}">
+                <a16:creationId xmlns:a16="http://schemas.microsoft.com/office/drawing/2014/main" id="{5B7B1446-4A0D-D1B1-DF2C-7B8CBD0E52BA}"/>
+              </a:ext>
+            </a:extLst>
+          </p:cNvPr>
+          <p:cNvSpPr/>
+          <p:nvPr/>
+        </p:nvSpPr>
+        <p:spPr>
+          <a:xfrm>
+            <a:off x="5228303" y="3539613"/>
+            <a:ext cx="5584723" cy="1052052"/>
+          </a:xfrm>
+          <a:prstGeom prst="roundRect">
+            <a:avLst/>
+          </a:prstGeom>
+        </p:spPr>
+        <p:style>
+          <a:lnRef idx="2">
+            <a:schemeClr val="accent1">
+              <a:shade val="15000"/>
+            </a:schemeClr>
+          </a:lnRef>
+          <a:fillRef idx="1">
+            <a:schemeClr val="accent1"/>
+          </a:fillRef>
+          <a:effectRef idx="0">
+            <a:schemeClr val="accent1"/>
+          </a:effectRef>
+          <a:fontRef idx="minor">
+            <a:schemeClr val="lt1"/>
+          </a:fontRef>
+        </p:style>
+        <p:txBody>
+          <a:bodyPr rtlCol="0" anchor="ctr"/>
+          <a:lstStyle/>
+          <a:p>
+            <a:pPr algn="r"/>
+            <a:r>
+              <a:rPr lang="en-CA" dirty="0"/>
+              <a:t>1</a:t>
+            </a:r>
+          </a:p>
+        </p:txBody>
+      </p:sp>
+      <p:sp>
+        <p:nvSpPr>
+          <p:cNvPr id="6" name="Rectangle: Rounded Corners 5">
+            <a:extLst>
+              <a:ext uri="{FF2B5EF4-FFF2-40B4-BE49-F238E27FC236}">
+                <a16:creationId xmlns:a16="http://schemas.microsoft.com/office/drawing/2014/main" id="{6C349341-0442-3963-2470-D3DB8E076060}"/>
+              </a:ext>
+            </a:extLst>
+          </p:cNvPr>
+          <p:cNvSpPr/>
+          <p:nvPr/>
+        </p:nvSpPr>
+        <p:spPr>
+          <a:xfrm rot="5400000">
+            <a:off x="1022553" y="2158180"/>
+            <a:ext cx="5584723" cy="1052052"/>
+          </a:xfrm>
+          <a:prstGeom prst="roundRect">
+            <a:avLst/>
+          </a:prstGeom>
+          <a:solidFill>
+            <a:srgbClr val="7030A0"/>
+          </a:solidFill>
+        </p:spPr>
+        <p:style>
+          <a:lnRef idx="2">
+            <a:schemeClr val="accent1">
+              <a:shade val="15000"/>
+            </a:schemeClr>
+          </a:lnRef>
+          <a:fillRef idx="1">
+            <a:schemeClr val="accent1"/>
+          </a:fillRef>
+          <a:effectRef idx="0">
+            <a:schemeClr val="accent1"/>
+          </a:effectRef>
+          <a:fontRef idx="minor">
+            <a:schemeClr val="lt1"/>
+          </a:fontRef>
+        </p:style>
+        <p:txBody>
+          <a:bodyPr rtlCol="0" anchor="ctr"/>
+          <a:lstStyle/>
+          <a:p>
+            <a:pPr algn="ctr"/>
+            <a:r>
+              <a:rPr lang="en-CA" dirty="0"/>
+              <a:t>1</a:t>
+            </a:r>
+          </a:p>
+        </p:txBody>
+      </p:sp>
+      <p:sp>
+        <p:nvSpPr>
+          <p:cNvPr id="7" name="Rectangle: Rounded Corners 6">
+            <a:extLst>
+              <a:ext uri="{FF2B5EF4-FFF2-40B4-BE49-F238E27FC236}">
+                <a16:creationId xmlns:a16="http://schemas.microsoft.com/office/drawing/2014/main" id="{7052FD57-0399-9ACD-CC6E-4B2E779C99BE}"/>
+              </a:ext>
+            </a:extLst>
+          </p:cNvPr>
+          <p:cNvSpPr/>
+          <p:nvPr/>
+        </p:nvSpPr>
+        <p:spPr>
+          <a:xfrm rot="16200000">
+            <a:off x="5356131" y="3539613"/>
+            <a:ext cx="5584723" cy="1052052"/>
+          </a:xfrm>
+          <a:prstGeom prst="roundRect">
+            <a:avLst/>
+          </a:prstGeom>
+        </p:spPr>
+        <p:style>
+          <a:lnRef idx="2">
+            <a:schemeClr val="accent1">
+              <a:shade val="15000"/>
+            </a:schemeClr>
+          </a:lnRef>
+          <a:fillRef idx="1">
+            <a:schemeClr val="accent1"/>
+          </a:fillRef>
+          <a:effectRef idx="0">
+            <a:schemeClr val="accent1"/>
+          </a:effectRef>
+          <a:fontRef idx="minor">
+            <a:schemeClr val="lt1"/>
+          </a:fontRef>
+        </p:style>
+        <p:txBody>
+          <a:bodyPr rtlCol="0" anchor="ctr"/>
+          <a:lstStyle/>
+          <a:p>
+            <a:pPr algn="ctr"/>
+            <a:r>
+              <a:rPr lang="en-CA" dirty="0"/>
+              <a:t>2</a:t>
+            </a:r>
+          </a:p>
+        </p:txBody>
+      </p:sp>
+      <p:sp>
+        <p:nvSpPr>
+          <p:cNvPr id="8" name="Arrow: Curved Left 7">
+            <a:extLst>
+              <a:ext uri="{FF2B5EF4-FFF2-40B4-BE49-F238E27FC236}">
+                <a16:creationId xmlns:a16="http://schemas.microsoft.com/office/drawing/2014/main" id="{E373C4D8-60AD-C25E-BD5B-F4B7E01F32D3}"/>
+              </a:ext>
+            </a:extLst>
+          </p:cNvPr>
+          <p:cNvSpPr/>
+          <p:nvPr/>
+        </p:nvSpPr>
+        <p:spPr>
+          <a:xfrm rot="16200000">
+            <a:off x="3537152" y="1509251"/>
+            <a:ext cx="663678" cy="1160206"/>
+          </a:xfrm>
+          <a:prstGeom prst="curvedLeftArrow">
+            <a:avLst/>
+          </a:prstGeom>
+        </p:spPr>
+        <p:style>
+          <a:lnRef idx="2">
+            <a:schemeClr val="accent1">
+              <a:shade val="15000"/>
+            </a:schemeClr>
+          </a:lnRef>
+          <a:fillRef idx="1">
+            <a:schemeClr val="accent1"/>
+          </a:fillRef>
+          <a:effectRef idx="0">
+            <a:schemeClr val="accent1"/>
+          </a:effectRef>
+          <a:fontRef idx="minor">
+            <a:schemeClr val="lt1"/>
+          </a:fontRef>
+        </p:style>
+        <p:txBody>
+          <a:bodyPr rtlCol="0" anchor="ctr"/>
+          <a:lstStyle/>
+          <a:p>
+            <a:pPr algn="ctr"/>
+            <a:endParaRPr lang="en-CA">
+              <a:solidFill>
+                <a:schemeClr val="tx1"/>
+              </a:solidFill>
+            </a:endParaRPr>
+          </a:p>
+        </p:txBody>
+      </p:sp>
+      <p:sp>
+        <p:nvSpPr>
+          <p:cNvPr id="9" name="Arrow: Curved Left 8">
+            <a:extLst>
+              <a:ext uri="{FF2B5EF4-FFF2-40B4-BE49-F238E27FC236}">
+                <a16:creationId xmlns:a16="http://schemas.microsoft.com/office/drawing/2014/main" id="{46EF16E4-F0CE-5155-3929-3AD01AE3E86A}"/>
+              </a:ext>
+            </a:extLst>
+          </p:cNvPr>
+          <p:cNvSpPr/>
+          <p:nvPr/>
+        </p:nvSpPr>
+        <p:spPr>
+          <a:xfrm rot="16200000">
+            <a:off x="7762577" y="3291349"/>
+            <a:ext cx="663678" cy="1160206"/>
+          </a:xfrm>
+          <a:prstGeom prst="curvedLeftArrow">
+            <a:avLst/>
+          </a:prstGeom>
+        </p:spPr>
+        <p:style>
+          <a:lnRef idx="2">
+            <a:schemeClr val="accent1">
+              <a:shade val="15000"/>
+            </a:schemeClr>
+          </a:lnRef>
+          <a:fillRef idx="1">
+            <a:schemeClr val="accent1"/>
+          </a:fillRef>
+          <a:effectRef idx="0">
+            <a:schemeClr val="accent1"/>
+          </a:effectRef>
+          <a:fontRef idx="minor">
+            <a:schemeClr val="lt1"/>
+          </a:fontRef>
+        </p:style>
+        <p:txBody>
+          <a:bodyPr rtlCol="0" anchor="ctr"/>
+          <a:lstStyle/>
+          <a:p>
+            <a:pPr algn="ctr"/>
+            <a:endParaRPr lang="en-CA">
+              <a:solidFill>
+                <a:schemeClr val="tx1"/>
+              </a:solidFill>
+            </a:endParaRPr>
+          </a:p>
+        </p:txBody>
+      </p:sp>
+    </p:spTree>
+    <p:extLst>
+      <p:ext uri="{BB962C8B-B14F-4D97-AF65-F5344CB8AC3E}">
+        <p14:creationId xmlns:p14="http://schemas.microsoft.com/office/powerpoint/2010/main" val="3356638438"/>
+      </p:ext>
+    </p:extLst>
+  </p:cSld>
+  <p:clrMapOvr>
+    <a:masterClrMapping/>
+  </p:clrMapOvr>
+</p:sld>
+</file>
+
+<file path=ppt/slides/slide26.xml><?xml version="1.0" encoding="utf-8"?>
 <p:sld xmlns:a="http://schemas.openxmlformats.org/drawingml/2006/main" xmlns:r="http://schemas.openxmlformats.org/officeDocument/2006/relationships" xmlns:p="http://schemas.openxmlformats.org/presentationml/2006/main">
   <p:cSld>
     <p:spTree>
@@ -13838,7 +18291,7 @@
 </p:sld>
 </file>
 
-<file path=ppt/slides/slide19.xml><?xml version="1.0" encoding="utf-8"?>
+<file path=ppt/slides/slide27.xml><?xml version="1.0" encoding="utf-8"?>
 <p:sld xmlns:a="http://schemas.openxmlformats.org/drawingml/2006/main" xmlns:r="http://schemas.openxmlformats.org/officeDocument/2006/relationships" xmlns:p="http://schemas.openxmlformats.org/presentationml/2006/main" showMasterPhAnim="0">
   <p:cSld>
     <p:spTree>
@@ -14241,410 +18694,7 @@
 </p:sld>
 </file>
 
-<file path=ppt/slides/slide2.xml><?xml version="1.0" encoding="utf-8"?>
-<p:sld xmlns:a="http://schemas.openxmlformats.org/drawingml/2006/main" xmlns:r="http://schemas.openxmlformats.org/officeDocument/2006/relationships" xmlns:p="http://schemas.openxmlformats.org/presentationml/2006/main">
-  <p:cSld>
-    <p:spTree>
-      <p:nvGrpSpPr>
-        <p:cNvPr id="1" name=""/>
-        <p:cNvGrpSpPr/>
-        <p:nvPr/>
-      </p:nvGrpSpPr>
-      <p:grpSpPr>
-        <a:xfrm>
-          <a:off x="0" y="0"/>
-          <a:ext cx="0" cy="0"/>
-          <a:chOff x="0" y="0"/>
-          <a:chExt cx="0" cy="0"/>
-        </a:xfrm>
-      </p:grpSpPr>
-      <p:sp>
-        <p:nvSpPr>
-          <p:cNvPr id="2" name="Title 1"/>
-          <p:cNvSpPr>
-            <a:spLocks noGrp="1"/>
-          </p:cNvSpPr>
-          <p:nvPr>
-            <p:ph type="title"/>
-          </p:nvPr>
-        </p:nvSpPr>
-        <p:spPr/>
-        <p:txBody>
-          <a:bodyPr/>
-          <a:lstStyle/>
-          <a:p>
-            <a:r>
-              <a:rPr lang="en-CA" dirty="0"/>
-              <a:t>Text book (same as INFO6019)</a:t>
-            </a:r>
-          </a:p>
-        </p:txBody>
-      </p:sp>
-      <p:sp>
-        <p:nvSpPr>
-          <p:cNvPr id="3" name="Content Placeholder 2"/>
-          <p:cNvSpPr>
-            <a:spLocks noGrp="1"/>
-          </p:cNvSpPr>
-          <p:nvPr>
-            <p:ph idx="1"/>
-          </p:nvPr>
-        </p:nvSpPr>
-        <p:spPr/>
-        <p:txBody>
-          <a:bodyPr/>
-          <a:lstStyle/>
-          <a:p>
-            <a:r>
-              <a:rPr lang="en-CA" dirty="0" err="1"/>
-              <a:t>Christer</a:t>
-            </a:r>
-            <a:r>
-              <a:rPr lang="en-CA" dirty="0"/>
-              <a:t> Ericson, Real-Time Collision Detection, Morgan Kaufmann, 2005, ISBN-10: 1558607323, ISBN-13: 978-1558607323</a:t>
-            </a:r>
-          </a:p>
-          <a:p>
-            <a:r>
-              <a:rPr lang="en-CA" dirty="0"/>
-              <a:t>Note: that’s “</a:t>
-            </a:r>
-            <a:r>
-              <a:rPr lang="en-CA" i="1" dirty="0" err="1"/>
-              <a:t>Christer</a:t>
-            </a:r>
-            <a:r>
-              <a:rPr lang="en-CA" dirty="0"/>
-              <a:t>” not “Christopher”</a:t>
-            </a:r>
-          </a:p>
-          <a:p>
-            <a:r>
-              <a:rPr lang="en-CA" dirty="0"/>
-              <a:t>Works for SONY, Santa-Monica</a:t>
-            </a:r>
-          </a:p>
-          <a:p>
-            <a:endParaRPr lang="en-CA" dirty="0"/>
-          </a:p>
-        </p:txBody>
-      </p:sp>
-      <p:sp>
-        <p:nvSpPr>
-          <p:cNvPr id="4" name="AutoShape 6"/>
-          <p:cNvSpPr>
-            <a:spLocks noChangeArrowheads="1"/>
-          </p:cNvSpPr>
-          <p:nvPr/>
-        </p:nvSpPr>
-        <p:spPr bwMode="auto">
-          <a:xfrm>
-            <a:off x="10058400" y="6400800"/>
-            <a:ext cx="609600" cy="457200"/>
-          </a:xfrm>
-          <a:prstGeom prst="rightArrow">
-            <a:avLst>
-              <a:gd name="adj1" fmla="val 50000"/>
-              <a:gd name="adj2" fmla="val 33333"/>
-            </a:avLst>
-          </a:prstGeom>
-          <a:noFill/>
-          <a:ln w="19050">
-            <a:solidFill>
-              <a:srgbClr val="969696"/>
-            </a:solidFill>
-            <a:miter lim="800000"/>
-            <a:headEnd/>
-            <a:tailEnd/>
-          </a:ln>
-        </p:spPr>
-        <p:txBody>
-          <a:bodyPr wrap="none" anchor="ctr"/>
-          <a:lstStyle/>
-          <a:p>
-            <a:endParaRPr lang="en-CA"/>
-          </a:p>
-        </p:txBody>
-      </p:sp>
-    </p:spTree>
-  </p:cSld>
-  <p:clrMapOvr>
-    <a:masterClrMapping/>
-  </p:clrMapOvr>
-  <p:timing>
-    <p:tnLst>
-      <p:par>
-        <p:cTn id="1" dur="indefinite" restart="never" nodeType="tmRoot">
-          <p:childTnLst>
-            <p:seq concurrent="1" nextAc="seek">
-              <p:cTn id="2" dur="indefinite" nodeType="mainSeq">
-                <p:childTnLst>
-                  <p:par>
-                    <p:cTn id="3" fill="hold">
-                      <p:stCondLst>
-                        <p:cond delay="indefinite"/>
-                      </p:stCondLst>
-                      <p:childTnLst>
-                        <p:par>
-                          <p:cTn id="4" fill="hold">
-                            <p:stCondLst>
-                              <p:cond delay="0"/>
-                            </p:stCondLst>
-                            <p:childTnLst>
-                              <p:par>
-                                <p:cTn id="5" presetID="5" presetClass="entr" presetSubtype="10" fill="hold" grpId="0" nodeType="clickEffect">
-                                  <p:stCondLst>
-                                    <p:cond delay="0"/>
-                                  </p:stCondLst>
-                                  <p:childTnLst>
-                                    <p:set>
-                                      <p:cBhvr>
-                                        <p:cTn id="6" dur="1" fill="hold">
-                                          <p:stCondLst>
-                                            <p:cond delay="0"/>
-                                          </p:stCondLst>
-                                        </p:cTn>
-                                        <p:tgtEl>
-                                          <p:spTgt spid="3">
-                                            <p:txEl>
-                                              <p:pRg st="0" end="0"/>
-                                            </p:txEl>
-                                          </p:spTgt>
-                                        </p:tgtEl>
-                                        <p:attrNameLst>
-                                          <p:attrName>style.visibility</p:attrName>
-                                        </p:attrNameLst>
-                                      </p:cBhvr>
-                                      <p:to>
-                                        <p:strVal val="visible"/>
-                                      </p:to>
-                                    </p:set>
-                                    <p:animEffect transition="in" filter="checkerboard(across)">
-                                      <p:cBhvr>
-                                        <p:cTn id="7" dur="500"/>
-                                        <p:tgtEl>
-                                          <p:spTgt spid="3">
-                                            <p:txEl>
-                                              <p:pRg st="0" end="0"/>
-                                            </p:txEl>
-                                          </p:spTgt>
-                                        </p:tgtEl>
-                                      </p:cBhvr>
-                                    </p:animEffect>
-                                  </p:childTnLst>
-                                </p:cTn>
-                              </p:par>
-                            </p:childTnLst>
-                          </p:cTn>
-                        </p:par>
-                      </p:childTnLst>
-                    </p:cTn>
-                  </p:par>
-                  <p:par>
-                    <p:cTn id="8" fill="hold">
-                      <p:stCondLst>
-                        <p:cond delay="indefinite"/>
-                      </p:stCondLst>
-                      <p:childTnLst>
-                        <p:par>
-                          <p:cTn id="9" fill="hold">
-                            <p:stCondLst>
-                              <p:cond delay="0"/>
-                            </p:stCondLst>
-                            <p:childTnLst>
-                              <p:par>
-                                <p:cTn id="10" presetID="5" presetClass="entr" presetSubtype="10" fill="hold" grpId="0" nodeType="clickEffect">
-                                  <p:stCondLst>
-                                    <p:cond delay="0"/>
-                                  </p:stCondLst>
-                                  <p:childTnLst>
-                                    <p:set>
-                                      <p:cBhvr>
-                                        <p:cTn id="11" dur="1" fill="hold">
-                                          <p:stCondLst>
-                                            <p:cond delay="0"/>
-                                          </p:stCondLst>
-                                        </p:cTn>
-                                        <p:tgtEl>
-                                          <p:spTgt spid="3">
-                                            <p:txEl>
-                                              <p:pRg st="1" end="1"/>
-                                            </p:txEl>
-                                          </p:spTgt>
-                                        </p:tgtEl>
-                                        <p:attrNameLst>
-                                          <p:attrName>style.visibility</p:attrName>
-                                        </p:attrNameLst>
-                                      </p:cBhvr>
-                                      <p:to>
-                                        <p:strVal val="visible"/>
-                                      </p:to>
-                                    </p:set>
-                                    <p:animEffect transition="in" filter="checkerboard(across)">
-                                      <p:cBhvr>
-                                        <p:cTn id="12" dur="500"/>
-                                        <p:tgtEl>
-                                          <p:spTgt spid="3">
-                                            <p:txEl>
-                                              <p:pRg st="1" end="1"/>
-                                            </p:txEl>
-                                          </p:spTgt>
-                                        </p:tgtEl>
-                                      </p:cBhvr>
-                                    </p:animEffect>
-                                  </p:childTnLst>
-                                </p:cTn>
-                              </p:par>
-                            </p:childTnLst>
-                          </p:cTn>
-                        </p:par>
-                      </p:childTnLst>
-                    </p:cTn>
-                  </p:par>
-                  <p:par>
-                    <p:cTn id="13" fill="hold">
-                      <p:stCondLst>
-                        <p:cond delay="indefinite"/>
-                      </p:stCondLst>
-                      <p:childTnLst>
-                        <p:par>
-                          <p:cTn id="14" fill="hold">
-                            <p:stCondLst>
-                              <p:cond delay="0"/>
-                            </p:stCondLst>
-                            <p:childTnLst>
-                              <p:par>
-                                <p:cTn id="15" presetID="5" presetClass="entr" presetSubtype="10" fill="hold" grpId="0" nodeType="clickEffect">
-                                  <p:stCondLst>
-                                    <p:cond delay="0"/>
-                                  </p:stCondLst>
-                                  <p:childTnLst>
-                                    <p:set>
-                                      <p:cBhvr>
-                                        <p:cTn id="16" dur="1" fill="hold">
-                                          <p:stCondLst>
-                                            <p:cond delay="0"/>
-                                          </p:stCondLst>
-                                        </p:cTn>
-                                        <p:tgtEl>
-                                          <p:spTgt spid="3">
-                                            <p:txEl>
-                                              <p:pRg st="2" end="2"/>
-                                            </p:txEl>
-                                          </p:spTgt>
-                                        </p:tgtEl>
-                                        <p:attrNameLst>
-                                          <p:attrName>style.visibility</p:attrName>
-                                        </p:attrNameLst>
-                                      </p:cBhvr>
-                                      <p:to>
-                                        <p:strVal val="visible"/>
-                                      </p:to>
-                                    </p:set>
-                                    <p:animEffect transition="in" filter="checkerboard(across)">
-                                      <p:cBhvr>
-                                        <p:cTn id="17" dur="500"/>
-                                        <p:tgtEl>
-                                          <p:spTgt spid="3">
-                                            <p:txEl>
-                                              <p:pRg st="2" end="2"/>
-                                            </p:txEl>
-                                          </p:spTgt>
-                                        </p:tgtEl>
-                                      </p:cBhvr>
-                                    </p:animEffect>
-                                  </p:childTnLst>
-                                </p:cTn>
-                              </p:par>
-                            </p:childTnLst>
-                          </p:cTn>
-                        </p:par>
-                      </p:childTnLst>
-                    </p:cTn>
-                  </p:par>
-                  <p:par>
-                    <p:cTn id="18" fill="hold">
-                      <p:stCondLst>
-                        <p:cond delay="indefinite"/>
-                      </p:stCondLst>
-                      <p:childTnLst>
-                        <p:par>
-                          <p:cTn id="19" fill="hold">
-                            <p:stCondLst>
-                              <p:cond delay="0"/>
-                            </p:stCondLst>
-                            <p:childTnLst>
-                              <p:par>
-                                <p:cTn id="20" presetID="10" presetClass="entr" presetSubtype="0" fill="hold" grpId="0" nodeType="clickEffect">
-                                  <p:stCondLst>
-                                    <p:cond delay="0"/>
-                                  </p:stCondLst>
-                                  <p:childTnLst>
-                                    <p:set>
-                                      <p:cBhvr>
-                                        <p:cTn id="21" dur="1" fill="hold">
-                                          <p:stCondLst>
-                                            <p:cond delay="0"/>
-                                          </p:stCondLst>
-                                        </p:cTn>
-                                        <p:tgtEl>
-                                          <p:spTgt spid="4"/>
-                                        </p:tgtEl>
-                                        <p:attrNameLst>
-                                          <p:attrName>style.visibility</p:attrName>
-                                        </p:attrNameLst>
-                                      </p:cBhvr>
-                                      <p:to>
-                                        <p:strVal val="visible"/>
-                                      </p:to>
-                                    </p:set>
-                                    <p:animEffect transition="in" filter="fade">
-                                      <p:cBhvr>
-                                        <p:cTn id="22" dur="500"/>
-                                        <p:tgtEl>
-                                          <p:spTgt spid="4"/>
-                                        </p:tgtEl>
-                                      </p:cBhvr>
-                                    </p:animEffect>
-                                  </p:childTnLst>
-                                </p:cTn>
-                              </p:par>
-                            </p:childTnLst>
-                          </p:cTn>
-                        </p:par>
-                      </p:childTnLst>
-                    </p:cTn>
-                  </p:par>
-                </p:childTnLst>
-              </p:cTn>
-              <p:prevCondLst>
-                <p:cond evt="onPrev" delay="0">
-                  <p:tgtEl>
-                    <p:sldTgt/>
-                  </p:tgtEl>
-                </p:cond>
-              </p:prevCondLst>
-              <p:nextCondLst>
-                <p:cond evt="onNext" delay="0">
-                  <p:tgtEl>
-                    <p:sldTgt/>
-                  </p:tgtEl>
-                </p:cond>
-              </p:nextCondLst>
-            </p:seq>
-          </p:childTnLst>
-        </p:cTn>
-      </p:par>
-    </p:tnLst>
-    <p:bldLst>
-      <p:bldP spid="3" grpId="0" build="p"/>
-      <p:bldP spid="4" grpId="0" animBg="1"/>
-    </p:bldLst>
-  </p:timing>
-</p:sld>
-</file>
-
-<file path=ppt/slides/slide20.xml><?xml version="1.0" encoding="utf-8"?>
+<file path=ppt/slides/slide28.xml><?xml version="1.0" encoding="utf-8"?>
 <p:sld xmlns:a="http://schemas.openxmlformats.org/drawingml/2006/main" xmlns:r="http://schemas.openxmlformats.org/officeDocument/2006/relationships" xmlns:p="http://schemas.openxmlformats.org/presentationml/2006/main" showMasterPhAnim="0">
   <p:cSld>
     <p:spTree>
@@ -15024,7 +19074,7 @@
 </p:sld>
 </file>
 
-<file path=ppt/slides/slide21.xml><?xml version="1.0" encoding="utf-8"?>
+<file path=ppt/slides/slide29.xml><?xml version="1.0" encoding="utf-8"?>
 <p:sld xmlns:a="http://schemas.openxmlformats.org/drawingml/2006/main" xmlns:r="http://schemas.openxmlformats.org/officeDocument/2006/relationships" xmlns:p="http://schemas.openxmlformats.org/presentationml/2006/main">
   <p:cSld>
     <p:spTree>
@@ -15226,411 +19276,6 @@
     </p:tnLst>
     <p:bldLst>
       <p:bldP spid="4" grpId="0" animBg="1"/>
-    </p:bldLst>
-  </p:timing>
-</p:sld>
-</file>
-
-<file path=ppt/slides/slide22.xml><?xml version="1.0" encoding="utf-8"?>
-<p:sld xmlns:a="http://schemas.openxmlformats.org/drawingml/2006/main" xmlns:r="http://schemas.openxmlformats.org/officeDocument/2006/relationships" xmlns:p="http://schemas.openxmlformats.org/presentationml/2006/main">
-  <p:cSld>
-    <p:spTree>
-      <p:nvGrpSpPr>
-        <p:cNvPr id="1" name=""/>
-        <p:cNvGrpSpPr/>
-        <p:nvPr/>
-      </p:nvGrpSpPr>
-      <p:grpSpPr>
-        <a:xfrm>
-          <a:off x="0" y="0"/>
-          <a:ext cx="0" cy="0"/>
-          <a:chOff x="0" y="0"/>
-          <a:chExt cx="0" cy="0"/>
-        </a:xfrm>
-      </p:grpSpPr>
-      <p:sp>
-        <p:nvSpPr>
-          <p:cNvPr id="3" name="Content Placeholder 2"/>
-          <p:cNvSpPr>
-            <a:spLocks noGrp="1"/>
-          </p:cNvSpPr>
-          <p:nvPr>
-            <p:ph idx="1"/>
-          </p:nvPr>
-        </p:nvSpPr>
-        <p:spPr>
-          <a:xfrm>
-            <a:off x="2136648" y="1600200"/>
-            <a:ext cx="8302752" cy="4495800"/>
-          </a:xfrm>
-        </p:spPr>
-        <p:txBody>
-          <a:bodyPr/>
-          <a:lstStyle/>
-          <a:p>
-            <a:endParaRPr lang="en-CA" dirty="0"/>
-          </a:p>
-          <a:p>
-            <a:endParaRPr lang="en-CA" dirty="0"/>
-          </a:p>
-        </p:txBody>
-      </p:sp>
-      <p:sp>
-        <p:nvSpPr>
-          <p:cNvPr id="4" name="AutoShape 6"/>
-          <p:cNvSpPr>
-            <a:spLocks noChangeArrowheads="1"/>
-          </p:cNvSpPr>
-          <p:nvPr/>
-        </p:nvSpPr>
-        <p:spPr bwMode="auto">
-          <a:xfrm>
-            <a:off x="10058400" y="6400800"/>
-            <a:ext cx="609600" cy="457200"/>
-          </a:xfrm>
-          <a:prstGeom prst="rightArrow">
-            <a:avLst>
-              <a:gd name="adj1" fmla="val 50000"/>
-              <a:gd name="adj2" fmla="val 33333"/>
-            </a:avLst>
-          </a:prstGeom>
-          <a:noFill/>
-          <a:ln w="19050">
-            <a:solidFill>
-              <a:srgbClr val="969696"/>
-            </a:solidFill>
-            <a:miter lim="800000"/>
-            <a:headEnd/>
-            <a:tailEnd/>
-          </a:ln>
-        </p:spPr>
-        <p:txBody>
-          <a:bodyPr wrap="none" anchor="ctr"/>
-          <a:lstStyle/>
-          <a:p>
-            <a:endParaRPr lang="en-CA"/>
-          </a:p>
-        </p:txBody>
-      </p:sp>
-      <p:pic>
-        <p:nvPicPr>
-          <p:cNvPr id="2050" name="Picture 2"/>
-          <p:cNvPicPr>
-            <a:picLocks noChangeAspect="1" noChangeArrowheads="1"/>
-          </p:cNvPicPr>
-          <p:nvPr/>
-        </p:nvPicPr>
-        <p:blipFill>
-          <a:blip r:embed="rId2" cstate="print"/>
-          <a:srcRect/>
-          <a:stretch>
-            <a:fillRect/>
-          </a:stretch>
-        </p:blipFill>
-        <p:spPr bwMode="auto">
-          <a:xfrm>
-            <a:off x="3520588" y="422275"/>
-            <a:ext cx="5013325" cy="2355850"/>
-          </a:xfrm>
-          <a:prstGeom prst="rect">
-            <a:avLst/>
-          </a:prstGeom>
-          <a:noFill/>
-          <a:ln w="9525">
-            <a:noFill/>
-            <a:miter lim="800000"/>
-            <a:headEnd/>
-            <a:tailEnd/>
-          </a:ln>
-        </p:spPr>
-      </p:pic>
-      <p:pic>
-        <p:nvPicPr>
-          <p:cNvPr id="2051" name="Picture 3"/>
-          <p:cNvPicPr>
-            <a:picLocks noChangeAspect="1" noChangeArrowheads="1"/>
-          </p:cNvPicPr>
-          <p:nvPr/>
-        </p:nvPicPr>
-        <p:blipFill>
-          <a:blip r:embed="rId3" cstate="print"/>
-          <a:srcRect/>
-          <a:stretch>
-            <a:fillRect/>
-          </a:stretch>
-        </p:blipFill>
-        <p:spPr bwMode="auto">
-          <a:xfrm>
-            <a:off x="3429000" y="2525957"/>
-            <a:ext cx="5245100" cy="3478213"/>
-          </a:xfrm>
-          <a:prstGeom prst="rect">
-            <a:avLst/>
-          </a:prstGeom>
-          <a:noFill/>
-          <a:ln w="9525">
-            <a:noFill/>
-            <a:miter lim="800000"/>
-            <a:headEnd/>
-            <a:tailEnd/>
-          </a:ln>
-        </p:spPr>
-      </p:pic>
-    </p:spTree>
-  </p:cSld>
-  <p:clrMapOvr>
-    <a:masterClrMapping/>
-  </p:clrMapOvr>
-  <p:timing>
-    <p:tnLst>
-      <p:par>
-        <p:cTn id="1" dur="indefinite" restart="never" nodeType="tmRoot">
-          <p:childTnLst>
-            <p:seq concurrent="1" nextAc="seek">
-              <p:cTn id="2" dur="indefinite" nodeType="mainSeq">
-                <p:childTnLst>
-                  <p:par>
-                    <p:cTn id="3" fill="hold">
-                      <p:stCondLst>
-                        <p:cond delay="indefinite"/>
-                      </p:stCondLst>
-                      <p:childTnLst>
-                        <p:par>
-                          <p:cTn id="4" fill="hold">
-                            <p:stCondLst>
-                              <p:cond delay="0"/>
-                            </p:stCondLst>
-                            <p:childTnLst>
-                              <p:par>
-                                <p:cTn id="5" presetID="10" presetClass="entr" presetSubtype="0" fill="hold" grpId="0" nodeType="clickEffect">
-                                  <p:stCondLst>
-                                    <p:cond delay="0"/>
-                                  </p:stCondLst>
-                                  <p:childTnLst>
-                                    <p:set>
-                                      <p:cBhvr>
-                                        <p:cTn id="6" dur="1" fill="hold">
-                                          <p:stCondLst>
-                                            <p:cond delay="0"/>
-                                          </p:stCondLst>
-                                        </p:cTn>
-                                        <p:tgtEl>
-                                          <p:spTgt spid="4"/>
-                                        </p:tgtEl>
-                                        <p:attrNameLst>
-                                          <p:attrName>style.visibility</p:attrName>
-                                        </p:attrNameLst>
-                                      </p:cBhvr>
-                                      <p:to>
-                                        <p:strVal val="visible"/>
-                                      </p:to>
-                                    </p:set>
-                                    <p:animEffect transition="in" filter="fade">
-                                      <p:cBhvr>
-                                        <p:cTn id="7" dur="500"/>
-                                        <p:tgtEl>
-                                          <p:spTgt spid="4"/>
-                                        </p:tgtEl>
-                                      </p:cBhvr>
-                                    </p:animEffect>
-                                  </p:childTnLst>
-                                </p:cTn>
-                              </p:par>
-                            </p:childTnLst>
-                          </p:cTn>
-                        </p:par>
-                      </p:childTnLst>
-                    </p:cTn>
-                  </p:par>
-                </p:childTnLst>
-              </p:cTn>
-              <p:prevCondLst>
-                <p:cond evt="onPrev" delay="0">
-                  <p:tgtEl>
-                    <p:sldTgt/>
-                  </p:tgtEl>
-                </p:cond>
-              </p:prevCondLst>
-              <p:nextCondLst>
-                <p:cond evt="onNext" delay="0">
-                  <p:tgtEl>
-                    <p:sldTgt/>
-                  </p:tgtEl>
-                </p:cond>
-              </p:nextCondLst>
-            </p:seq>
-          </p:childTnLst>
-        </p:cTn>
-      </p:par>
-    </p:tnLst>
-    <p:bldLst>
-      <p:bldP spid="4" grpId="0" animBg="1"/>
-    </p:bldLst>
-  </p:timing>
-</p:sld>
-</file>
-
-<file path=ppt/slides/slide23.xml><?xml version="1.0" encoding="utf-8"?>
-<p:sld xmlns:a="http://schemas.openxmlformats.org/drawingml/2006/main" xmlns:r="http://schemas.openxmlformats.org/officeDocument/2006/relationships" xmlns:p="http://schemas.openxmlformats.org/presentationml/2006/main" showMasterPhAnim="0">
-  <p:cSld>
-    <p:spTree>
-      <p:nvGrpSpPr>
-        <p:cNvPr id="1" name=""/>
-        <p:cNvGrpSpPr/>
-        <p:nvPr/>
-      </p:nvGrpSpPr>
-      <p:grpSpPr>
-        <a:xfrm>
-          <a:off x="0" y="0"/>
-          <a:ext cx="0" cy="0"/>
-          <a:chOff x="0" y="0"/>
-          <a:chExt cx="0" cy="0"/>
-        </a:xfrm>
-      </p:grpSpPr>
-      <p:sp>
-        <p:nvSpPr>
-          <p:cNvPr id="115718" name="AutoShape 6"/>
-          <p:cNvSpPr>
-            <a:spLocks noChangeArrowheads="1"/>
-          </p:cNvSpPr>
-          <p:nvPr/>
-        </p:nvSpPr>
-        <p:spPr bwMode="auto">
-          <a:xfrm>
-            <a:off x="10058400" y="6400800"/>
-            <a:ext cx="609600" cy="457200"/>
-          </a:xfrm>
-          <a:prstGeom prst="rightArrow">
-            <a:avLst>
-              <a:gd name="adj1" fmla="val 50000"/>
-              <a:gd name="adj2" fmla="val 33333"/>
-            </a:avLst>
-          </a:prstGeom>
-          <a:noFill/>
-          <a:ln w="19050">
-            <a:solidFill>
-              <a:srgbClr val="969696"/>
-            </a:solidFill>
-            <a:miter lim="800000"/>
-            <a:headEnd/>
-            <a:tailEnd/>
-          </a:ln>
-        </p:spPr>
-        <p:txBody>
-          <a:bodyPr wrap="none" anchor="ctr"/>
-          <a:lstStyle/>
-          <a:p>
-            <a:endParaRPr lang="en-CA"/>
-          </a:p>
-        </p:txBody>
-      </p:sp>
-      <p:pic>
-        <p:nvPicPr>
-          <p:cNvPr id="67586" name="Picture 2" descr="http://www.iliketheinternet.com/thats_all_folks.jpg"/>
-          <p:cNvPicPr>
-            <a:picLocks noChangeAspect="1" noChangeArrowheads="1"/>
-          </p:cNvPicPr>
-          <p:nvPr/>
-        </p:nvPicPr>
-        <p:blipFill>
-          <a:blip r:embed="rId2" cstate="print"/>
-          <a:srcRect/>
-          <a:stretch>
-            <a:fillRect/>
-          </a:stretch>
-        </p:blipFill>
-        <p:spPr bwMode="auto">
-          <a:xfrm>
-            <a:off x="2819400" y="685800"/>
-            <a:ext cx="6096000" cy="4572000"/>
-          </a:xfrm>
-          <a:prstGeom prst="rect">
-            <a:avLst/>
-          </a:prstGeom>
-          <a:noFill/>
-        </p:spPr>
-      </p:pic>
-    </p:spTree>
-  </p:cSld>
-  <p:clrMapOvr>
-    <a:masterClrMapping/>
-  </p:clrMapOvr>
-  <p:timing>
-    <p:tnLst>
-      <p:par>
-        <p:cTn id="1" dur="indefinite" restart="never" nodeType="tmRoot">
-          <p:childTnLst>
-            <p:seq concurrent="1" nextAc="seek">
-              <p:cTn id="2" dur="indefinite" nodeType="mainSeq">
-                <p:childTnLst>
-                  <p:par>
-                    <p:cTn id="3" fill="hold">
-                      <p:stCondLst>
-                        <p:cond delay="indefinite"/>
-                      </p:stCondLst>
-                      <p:childTnLst>
-                        <p:par>
-                          <p:cTn id="4" fill="hold">
-                            <p:stCondLst>
-                              <p:cond delay="0"/>
-                            </p:stCondLst>
-                            <p:childTnLst>
-                              <p:par>
-                                <p:cTn id="5" presetID="1" presetClass="entr" presetSubtype="0" fill="hold" grpId="0" nodeType="clickEffect">
-                                  <p:stCondLst>
-                                    <p:cond delay="0"/>
-                                  </p:stCondLst>
-                                  <p:childTnLst>
-                                    <p:set>
-                                      <p:cBhvr>
-                                        <p:cTn id="6" dur="1" fill="hold">
-                                          <p:stCondLst>
-                                            <p:cond delay="499"/>
-                                          </p:stCondLst>
-                                        </p:cTn>
-                                        <p:tgtEl>
-                                          <p:spTgt spid="115718"/>
-                                        </p:tgtEl>
-                                        <p:attrNameLst>
-                                          <p:attrName>style.visibility</p:attrName>
-                                        </p:attrNameLst>
-                                      </p:cBhvr>
-                                      <p:to>
-                                        <p:strVal val="visible"/>
-                                      </p:to>
-                                    </p:set>
-                                  </p:childTnLst>
-                                </p:cTn>
-                              </p:par>
-                            </p:childTnLst>
-                          </p:cTn>
-                        </p:par>
-                      </p:childTnLst>
-                    </p:cTn>
-                  </p:par>
-                </p:childTnLst>
-              </p:cTn>
-              <p:prevCondLst>
-                <p:cond evt="onPrev" delay="0">
-                  <p:tgtEl>
-                    <p:sldTgt/>
-                  </p:tgtEl>
-                </p:cond>
-              </p:prevCondLst>
-              <p:nextCondLst>
-                <p:cond evt="onNext" delay="0">
-                  <p:tgtEl>
-                    <p:sldTgt/>
-                  </p:tgtEl>
-                </p:cond>
-              </p:nextCondLst>
-            </p:seq>
-          </p:childTnLst>
-        </p:cTn>
-      </p:par>
-    </p:tnLst>
-    <p:bldLst>
-      <p:bldP spid="115718" grpId="0" animBg="1" autoUpdateAnimBg="0"/>
     </p:bldLst>
   </p:timing>
 </p:sld>
@@ -16095,6 +19740,411 @@
     <p:bldLst>
       <p:bldP spid="3" grpId="0" build="p"/>
       <p:bldP spid="4" grpId="0" animBg="1"/>
+    </p:bldLst>
+  </p:timing>
+</p:sld>
+</file>
+
+<file path=ppt/slides/slide30.xml><?xml version="1.0" encoding="utf-8"?>
+<p:sld xmlns:a="http://schemas.openxmlformats.org/drawingml/2006/main" xmlns:r="http://schemas.openxmlformats.org/officeDocument/2006/relationships" xmlns:p="http://schemas.openxmlformats.org/presentationml/2006/main">
+  <p:cSld>
+    <p:spTree>
+      <p:nvGrpSpPr>
+        <p:cNvPr id="1" name=""/>
+        <p:cNvGrpSpPr/>
+        <p:nvPr/>
+      </p:nvGrpSpPr>
+      <p:grpSpPr>
+        <a:xfrm>
+          <a:off x="0" y="0"/>
+          <a:ext cx="0" cy="0"/>
+          <a:chOff x="0" y="0"/>
+          <a:chExt cx="0" cy="0"/>
+        </a:xfrm>
+      </p:grpSpPr>
+      <p:sp>
+        <p:nvSpPr>
+          <p:cNvPr id="3" name="Content Placeholder 2"/>
+          <p:cNvSpPr>
+            <a:spLocks noGrp="1"/>
+          </p:cNvSpPr>
+          <p:nvPr>
+            <p:ph idx="1"/>
+          </p:nvPr>
+        </p:nvSpPr>
+        <p:spPr>
+          <a:xfrm>
+            <a:off x="2136648" y="1600200"/>
+            <a:ext cx="8302752" cy="4495800"/>
+          </a:xfrm>
+        </p:spPr>
+        <p:txBody>
+          <a:bodyPr/>
+          <a:lstStyle/>
+          <a:p>
+            <a:endParaRPr lang="en-CA" dirty="0"/>
+          </a:p>
+          <a:p>
+            <a:endParaRPr lang="en-CA" dirty="0"/>
+          </a:p>
+        </p:txBody>
+      </p:sp>
+      <p:sp>
+        <p:nvSpPr>
+          <p:cNvPr id="4" name="AutoShape 6"/>
+          <p:cNvSpPr>
+            <a:spLocks noChangeArrowheads="1"/>
+          </p:cNvSpPr>
+          <p:nvPr/>
+        </p:nvSpPr>
+        <p:spPr bwMode="auto">
+          <a:xfrm>
+            <a:off x="10058400" y="6400800"/>
+            <a:ext cx="609600" cy="457200"/>
+          </a:xfrm>
+          <a:prstGeom prst="rightArrow">
+            <a:avLst>
+              <a:gd name="adj1" fmla="val 50000"/>
+              <a:gd name="adj2" fmla="val 33333"/>
+            </a:avLst>
+          </a:prstGeom>
+          <a:noFill/>
+          <a:ln w="19050">
+            <a:solidFill>
+              <a:srgbClr val="969696"/>
+            </a:solidFill>
+            <a:miter lim="800000"/>
+            <a:headEnd/>
+            <a:tailEnd/>
+          </a:ln>
+        </p:spPr>
+        <p:txBody>
+          <a:bodyPr wrap="none" anchor="ctr"/>
+          <a:lstStyle/>
+          <a:p>
+            <a:endParaRPr lang="en-CA"/>
+          </a:p>
+        </p:txBody>
+      </p:sp>
+      <p:pic>
+        <p:nvPicPr>
+          <p:cNvPr id="2050" name="Picture 2"/>
+          <p:cNvPicPr>
+            <a:picLocks noChangeAspect="1" noChangeArrowheads="1"/>
+          </p:cNvPicPr>
+          <p:nvPr/>
+        </p:nvPicPr>
+        <p:blipFill>
+          <a:blip r:embed="rId2" cstate="print"/>
+          <a:srcRect/>
+          <a:stretch>
+            <a:fillRect/>
+          </a:stretch>
+        </p:blipFill>
+        <p:spPr bwMode="auto">
+          <a:xfrm>
+            <a:off x="3520588" y="422275"/>
+            <a:ext cx="5013325" cy="2355850"/>
+          </a:xfrm>
+          <a:prstGeom prst="rect">
+            <a:avLst/>
+          </a:prstGeom>
+          <a:noFill/>
+          <a:ln w="9525">
+            <a:noFill/>
+            <a:miter lim="800000"/>
+            <a:headEnd/>
+            <a:tailEnd/>
+          </a:ln>
+        </p:spPr>
+      </p:pic>
+      <p:pic>
+        <p:nvPicPr>
+          <p:cNvPr id="2051" name="Picture 3"/>
+          <p:cNvPicPr>
+            <a:picLocks noChangeAspect="1" noChangeArrowheads="1"/>
+          </p:cNvPicPr>
+          <p:nvPr/>
+        </p:nvPicPr>
+        <p:blipFill>
+          <a:blip r:embed="rId3" cstate="print"/>
+          <a:srcRect/>
+          <a:stretch>
+            <a:fillRect/>
+          </a:stretch>
+        </p:blipFill>
+        <p:spPr bwMode="auto">
+          <a:xfrm>
+            <a:off x="3429000" y="2525957"/>
+            <a:ext cx="5245100" cy="3478213"/>
+          </a:xfrm>
+          <a:prstGeom prst="rect">
+            <a:avLst/>
+          </a:prstGeom>
+          <a:noFill/>
+          <a:ln w="9525">
+            <a:noFill/>
+            <a:miter lim="800000"/>
+            <a:headEnd/>
+            <a:tailEnd/>
+          </a:ln>
+        </p:spPr>
+      </p:pic>
+    </p:spTree>
+  </p:cSld>
+  <p:clrMapOvr>
+    <a:masterClrMapping/>
+  </p:clrMapOvr>
+  <p:timing>
+    <p:tnLst>
+      <p:par>
+        <p:cTn id="1" dur="indefinite" restart="never" nodeType="tmRoot">
+          <p:childTnLst>
+            <p:seq concurrent="1" nextAc="seek">
+              <p:cTn id="2" dur="indefinite" nodeType="mainSeq">
+                <p:childTnLst>
+                  <p:par>
+                    <p:cTn id="3" fill="hold">
+                      <p:stCondLst>
+                        <p:cond delay="indefinite"/>
+                      </p:stCondLst>
+                      <p:childTnLst>
+                        <p:par>
+                          <p:cTn id="4" fill="hold">
+                            <p:stCondLst>
+                              <p:cond delay="0"/>
+                            </p:stCondLst>
+                            <p:childTnLst>
+                              <p:par>
+                                <p:cTn id="5" presetID="10" presetClass="entr" presetSubtype="0" fill="hold" grpId="0" nodeType="clickEffect">
+                                  <p:stCondLst>
+                                    <p:cond delay="0"/>
+                                  </p:stCondLst>
+                                  <p:childTnLst>
+                                    <p:set>
+                                      <p:cBhvr>
+                                        <p:cTn id="6" dur="1" fill="hold">
+                                          <p:stCondLst>
+                                            <p:cond delay="0"/>
+                                          </p:stCondLst>
+                                        </p:cTn>
+                                        <p:tgtEl>
+                                          <p:spTgt spid="4"/>
+                                        </p:tgtEl>
+                                        <p:attrNameLst>
+                                          <p:attrName>style.visibility</p:attrName>
+                                        </p:attrNameLst>
+                                      </p:cBhvr>
+                                      <p:to>
+                                        <p:strVal val="visible"/>
+                                      </p:to>
+                                    </p:set>
+                                    <p:animEffect transition="in" filter="fade">
+                                      <p:cBhvr>
+                                        <p:cTn id="7" dur="500"/>
+                                        <p:tgtEl>
+                                          <p:spTgt spid="4"/>
+                                        </p:tgtEl>
+                                      </p:cBhvr>
+                                    </p:animEffect>
+                                  </p:childTnLst>
+                                </p:cTn>
+                              </p:par>
+                            </p:childTnLst>
+                          </p:cTn>
+                        </p:par>
+                      </p:childTnLst>
+                    </p:cTn>
+                  </p:par>
+                </p:childTnLst>
+              </p:cTn>
+              <p:prevCondLst>
+                <p:cond evt="onPrev" delay="0">
+                  <p:tgtEl>
+                    <p:sldTgt/>
+                  </p:tgtEl>
+                </p:cond>
+              </p:prevCondLst>
+              <p:nextCondLst>
+                <p:cond evt="onNext" delay="0">
+                  <p:tgtEl>
+                    <p:sldTgt/>
+                  </p:tgtEl>
+                </p:cond>
+              </p:nextCondLst>
+            </p:seq>
+          </p:childTnLst>
+        </p:cTn>
+      </p:par>
+    </p:tnLst>
+    <p:bldLst>
+      <p:bldP spid="4" grpId="0" animBg="1"/>
+    </p:bldLst>
+  </p:timing>
+</p:sld>
+</file>
+
+<file path=ppt/slides/slide31.xml><?xml version="1.0" encoding="utf-8"?>
+<p:sld xmlns:a="http://schemas.openxmlformats.org/drawingml/2006/main" xmlns:r="http://schemas.openxmlformats.org/officeDocument/2006/relationships" xmlns:p="http://schemas.openxmlformats.org/presentationml/2006/main" showMasterPhAnim="0">
+  <p:cSld>
+    <p:spTree>
+      <p:nvGrpSpPr>
+        <p:cNvPr id="1" name=""/>
+        <p:cNvGrpSpPr/>
+        <p:nvPr/>
+      </p:nvGrpSpPr>
+      <p:grpSpPr>
+        <a:xfrm>
+          <a:off x="0" y="0"/>
+          <a:ext cx="0" cy="0"/>
+          <a:chOff x="0" y="0"/>
+          <a:chExt cx="0" cy="0"/>
+        </a:xfrm>
+      </p:grpSpPr>
+      <p:sp>
+        <p:nvSpPr>
+          <p:cNvPr id="115718" name="AutoShape 6"/>
+          <p:cNvSpPr>
+            <a:spLocks noChangeArrowheads="1"/>
+          </p:cNvSpPr>
+          <p:nvPr/>
+        </p:nvSpPr>
+        <p:spPr bwMode="auto">
+          <a:xfrm>
+            <a:off x="10058400" y="6400800"/>
+            <a:ext cx="609600" cy="457200"/>
+          </a:xfrm>
+          <a:prstGeom prst="rightArrow">
+            <a:avLst>
+              <a:gd name="adj1" fmla="val 50000"/>
+              <a:gd name="adj2" fmla="val 33333"/>
+            </a:avLst>
+          </a:prstGeom>
+          <a:noFill/>
+          <a:ln w="19050">
+            <a:solidFill>
+              <a:srgbClr val="969696"/>
+            </a:solidFill>
+            <a:miter lim="800000"/>
+            <a:headEnd/>
+            <a:tailEnd/>
+          </a:ln>
+        </p:spPr>
+        <p:txBody>
+          <a:bodyPr wrap="none" anchor="ctr"/>
+          <a:lstStyle/>
+          <a:p>
+            <a:endParaRPr lang="en-CA"/>
+          </a:p>
+        </p:txBody>
+      </p:sp>
+      <p:pic>
+        <p:nvPicPr>
+          <p:cNvPr id="67586" name="Picture 2" descr="http://www.iliketheinternet.com/thats_all_folks.jpg"/>
+          <p:cNvPicPr>
+            <a:picLocks noChangeAspect="1" noChangeArrowheads="1"/>
+          </p:cNvPicPr>
+          <p:nvPr/>
+        </p:nvPicPr>
+        <p:blipFill>
+          <a:blip r:embed="rId2" cstate="print"/>
+          <a:srcRect/>
+          <a:stretch>
+            <a:fillRect/>
+          </a:stretch>
+        </p:blipFill>
+        <p:spPr bwMode="auto">
+          <a:xfrm>
+            <a:off x="2819400" y="685800"/>
+            <a:ext cx="6096000" cy="4572000"/>
+          </a:xfrm>
+          <a:prstGeom prst="rect">
+            <a:avLst/>
+          </a:prstGeom>
+          <a:noFill/>
+        </p:spPr>
+      </p:pic>
+    </p:spTree>
+  </p:cSld>
+  <p:clrMapOvr>
+    <a:masterClrMapping/>
+  </p:clrMapOvr>
+  <p:timing>
+    <p:tnLst>
+      <p:par>
+        <p:cTn id="1" dur="indefinite" restart="never" nodeType="tmRoot">
+          <p:childTnLst>
+            <p:seq concurrent="1" nextAc="seek">
+              <p:cTn id="2" dur="indefinite" nodeType="mainSeq">
+                <p:childTnLst>
+                  <p:par>
+                    <p:cTn id="3" fill="hold">
+                      <p:stCondLst>
+                        <p:cond delay="indefinite"/>
+                      </p:stCondLst>
+                      <p:childTnLst>
+                        <p:par>
+                          <p:cTn id="4" fill="hold">
+                            <p:stCondLst>
+                              <p:cond delay="0"/>
+                            </p:stCondLst>
+                            <p:childTnLst>
+                              <p:par>
+                                <p:cTn id="5" presetID="1" presetClass="entr" presetSubtype="0" fill="hold" grpId="0" nodeType="clickEffect">
+                                  <p:stCondLst>
+                                    <p:cond delay="0"/>
+                                  </p:stCondLst>
+                                  <p:childTnLst>
+                                    <p:set>
+                                      <p:cBhvr>
+                                        <p:cTn id="6" dur="1" fill="hold">
+                                          <p:stCondLst>
+                                            <p:cond delay="499"/>
+                                          </p:stCondLst>
+                                        </p:cTn>
+                                        <p:tgtEl>
+                                          <p:spTgt spid="115718"/>
+                                        </p:tgtEl>
+                                        <p:attrNameLst>
+                                          <p:attrName>style.visibility</p:attrName>
+                                        </p:attrNameLst>
+                                      </p:cBhvr>
+                                      <p:to>
+                                        <p:strVal val="visible"/>
+                                      </p:to>
+                                    </p:set>
+                                  </p:childTnLst>
+                                </p:cTn>
+                              </p:par>
+                            </p:childTnLst>
+                          </p:cTn>
+                        </p:par>
+                      </p:childTnLst>
+                    </p:cTn>
+                  </p:par>
+                </p:childTnLst>
+              </p:cTn>
+              <p:prevCondLst>
+                <p:cond evt="onPrev" delay="0">
+                  <p:tgtEl>
+                    <p:sldTgt/>
+                  </p:tgtEl>
+                </p:cond>
+              </p:prevCondLst>
+              <p:nextCondLst>
+                <p:cond evt="onNext" delay="0">
+                  <p:tgtEl>
+                    <p:sldTgt/>
+                  </p:tgtEl>
+                </p:cond>
+              </p:nextCondLst>
+            </p:seq>
+          </p:childTnLst>
+        </p:cTn>
+      </p:par>
+    </p:tnLst>
+    <p:bldLst>
+      <p:bldP spid="115718" grpId="0" animBg="1" autoUpdateAnimBg="0"/>
     </p:bldLst>
   </p:timing>
 </p:sld>
